--- a/docs/Apresentação.pptx
+++ b/docs/Apresentação.pptx
@@ -11,12 +11,24 @@
     <p:sldId id="259" r:id="rId5"/>
     <p:sldId id="261" r:id="rId6"/>
     <p:sldId id="260" r:id="rId7"/>
-    <p:sldId id="262" r:id="rId8"/>
-    <p:sldId id="263" r:id="rId9"/>
-    <p:sldId id="267" r:id="rId10"/>
-    <p:sldId id="264" r:id="rId11"/>
-    <p:sldId id="265" r:id="rId12"/>
-    <p:sldId id="266" r:id="rId13"/>
+    <p:sldId id="279" r:id="rId8"/>
+    <p:sldId id="262" r:id="rId9"/>
+    <p:sldId id="263" r:id="rId10"/>
+    <p:sldId id="267" r:id="rId11"/>
+    <p:sldId id="264" r:id="rId12"/>
+    <p:sldId id="265" r:id="rId13"/>
+    <p:sldId id="266" r:id="rId14"/>
+    <p:sldId id="268" r:id="rId15"/>
+    <p:sldId id="269" r:id="rId16"/>
+    <p:sldId id="270" r:id="rId17"/>
+    <p:sldId id="271" r:id="rId18"/>
+    <p:sldId id="272" r:id="rId19"/>
+    <p:sldId id="273" r:id="rId20"/>
+    <p:sldId id="274" r:id="rId21"/>
+    <p:sldId id="275" r:id="rId22"/>
+    <p:sldId id="276" r:id="rId23"/>
+    <p:sldId id="277" r:id="rId24"/>
+    <p:sldId id="278" r:id="rId25"/>
   </p:sldIdLst>
   <p:sldSz cx="9144000" cy="6858000" type="screen4x3"/>
   <p:notesSz cx="6858000" cy="9144000"/>
@@ -3858,7 +3870,7 @@
           <a:p>
             <a:r>
               <a:rPr lang="pt-BR" dirty="0" smtClean="0"/>
-              <a:t>Modelo dos Sonares</a:t>
+              <a:t>Modelo de Observação</a:t>
             </a:r>
             <a:endParaRPr lang="pt-BR" dirty="0"/>
           </a:p>
@@ -3874,33 +3886,14 @@
             <p:ph idx="1"/>
           </p:nvPr>
         </p:nvSpPr>
-        <p:spPr>
-          <a:xfrm>
-            <a:off x="838200" y="1524001"/>
-            <a:ext cx="8116888" cy="1762124"/>
-          </a:xfrm>
-        </p:spPr>
+        <p:spPr/>
         <p:txBody>
           <a:bodyPr/>
           <a:lstStyle/>
           <a:p>
             <a:r>
               <a:rPr lang="pt-BR" dirty="0" smtClean="0"/>
-              <a:t>Dois modelos</a:t>
-            </a:r>
-          </a:p>
-          <a:p>
-            <a:pPr lvl="1"/>
-            <a:r>
-              <a:rPr lang="pt-BR" dirty="0" smtClean="0"/>
-              <a:t>Associações (BARRA, 2007)</a:t>
-            </a:r>
-          </a:p>
-          <a:p>
-            <a:pPr lvl="1"/>
-            <a:r>
-              <a:rPr lang="pt-BR" dirty="0" smtClean="0"/>
-              <a:t>Simples</a:t>
+              <a:t>Correção de estimativas</a:t>
             </a:r>
             <a:endParaRPr lang="pt-BR" dirty="0"/>
           </a:p>
@@ -3925,6 +3918,152 @@
               <a:rPr lang="en-US" smtClean="0"/>
               <a:pPr/>
               <a:t>10</a:t>
+            </a:fld>
+            <a:endParaRPr lang="en-US"/>
+          </a:p>
+        </p:txBody>
+      </p:sp>
+      <p:pic>
+        <p:nvPicPr>
+          <p:cNvPr id="22531" name="Picture 3"/>
+          <p:cNvPicPr>
+            <a:picLocks noChangeAspect="1" noChangeArrowheads="1"/>
+          </p:cNvPicPr>
+          <p:nvPr/>
+        </p:nvPicPr>
+        <p:blipFill>
+          <a:blip r:embed="rId2" cstate="print"/>
+          <a:srcRect t="1663" b="239"/>
+          <a:stretch>
+            <a:fillRect/>
+          </a:stretch>
+        </p:blipFill>
+        <p:spPr bwMode="auto">
+          <a:xfrm>
+            <a:off x="585768" y="2357430"/>
+            <a:ext cx="8558232" cy="4214842"/>
+          </a:xfrm>
+          <a:prstGeom prst="rect">
+            <a:avLst/>
+          </a:prstGeom>
+          <a:noFill/>
+          <a:ln w="9525">
+            <a:noFill/>
+            <a:miter lim="800000"/>
+            <a:headEnd/>
+            <a:tailEnd/>
+          </a:ln>
+        </p:spPr>
+      </p:pic>
+    </p:spTree>
+  </p:cSld>
+  <p:clrMapOvr>
+    <a:masterClrMapping/>
+  </p:clrMapOvr>
+</p:sld>
+</file>
+
+<file path=ppt/slides/slide11.xml><?xml version="1.0" encoding="utf-8"?>
+<p:sld xmlns:a="http://schemas.openxmlformats.org/drawingml/2006/main" xmlns:r="http://schemas.openxmlformats.org/officeDocument/2006/relationships" xmlns:p="http://schemas.openxmlformats.org/presentationml/2006/main">
+  <p:cSld>
+    <p:spTree>
+      <p:nvGrpSpPr>
+        <p:cNvPr id="1" name=""/>
+        <p:cNvGrpSpPr/>
+        <p:nvPr/>
+      </p:nvGrpSpPr>
+      <p:grpSpPr>
+        <a:xfrm>
+          <a:off x="0" y="0"/>
+          <a:ext cx="0" cy="0"/>
+          <a:chOff x="0" y="0"/>
+          <a:chExt cx="0" cy="0"/>
+        </a:xfrm>
+      </p:grpSpPr>
+      <p:sp>
+        <p:nvSpPr>
+          <p:cNvPr id="2" name="Título 1"/>
+          <p:cNvSpPr>
+            <a:spLocks noGrp="1"/>
+          </p:cNvSpPr>
+          <p:nvPr>
+            <p:ph type="title"/>
+          </p:nvPr>
+        </p:nvSpPr>
+        <p:spPr/>
+        <p:txBody>
+          <a:bodyPr/>
+          <a:lstStyle/>
+          <a:p>
+            <a:r>
+              <a:rPr lang="pt-BR" dirty="0" smtClean="0"/>
+              <a:t>Modelo dos Sonares</a:t>
+            </a:r>
+            <a:endParaRPr lang="pt-BR" dirty="0"/>
+          </a:p>
+        </p:txBody>
+      </p:sp>
+      <p:sp>
+        <p:nvSpPr>
+          <p:cNvPr id="3" name="Espaço Reservado para Conteúdo 2"/>
+          <p:cNvSpPr>
+            <a:spLocks noGrp="1"/>
+          </p:cNvSpPr>
+          <p:nvPr>
+            <p:ph idx="1"/>
+          </p:nvPr>
+        </p:nvSpPr>
+        <p:spPr>
+          <a:xfrm>
+            <a:off x="838200" y="1524001"/>
+            <a:ext cx="8116888" cy="1762124"/>
+          </a:xfrm>
+        </p:spPr>
+        <p:txBody>
+          <a:bodyPr/>
+          <a:lstStyle/>
+          <a:p>
+            <a:r>
+              <a:rPr lang="pt-BR" dirty="0" smtClean="0"/>
+              <a:t>Dois modelos</a:t>
+            </a:r>
+          </a:p>
+          <a:p>
+            <a:pPr lvl="1"/>
+            <a:r>
+              <a:rPr lang="pt-BR" dirty="0" smtClean="0"/>
+              <a:t>Associações (BARRA, 2007)</a:t>
+            </a:r>
+          </a:p>
+          <a:p>
+            <a:pPr lvl="1"/>
+            <a:r>
+              <a:rPr lang="pt-BR" dirty="0" smtClean="0"/>
+              <a:t>Simples</a:t>
+            </a:r>
+            <a:endParaRPr lang="pt-BR" dirty="0"/>
+          </a:p>
+        </p:txBody>
+      </p:sp>
+      <p:sp>
+        <p:nvSpPr>
+          <p:cNvPr id="4" name="Espaço Reservado para Número de Slide 3"/>
+          <p:cNvSpPr>
+            <a:spLocks noGrp="1"/>
+          </p:cNvSpPr>
+          <p:nvPr>
+            <p:ph type="sldNum" sz="quarter" idx="10"/>
+          </p:nvPr>
+        </p:nvSpPr>
+        <p:spPr/>
+        <p:txBody>
+          <a:bodyPr/>
+          <a:lstStyle/>
+          <a:p>
+            <a:fld id="{0662D880-6AF0-4701-9C11-64CF39A4AFCE}" type="slidenum">
+              <a:rPr lang="en-US" smtClean="0"/>
+              <a:pPr/>
+              <a:t>11</a:t>
             </a:fld>
             <a:endParaRPr lang="en-US"/>
           </a:p>
@@ -4012,7 +4151,7 @@
                 <a:tabLst/>
                 <a:defRPr/>
               </a:pPr>
-              <a:t>10</a:t>
+              <a:t>11</a:t>
             </a:fld>
             <a:endParaRPr kumimoji="0" lang="en-US" sz="1400" b="0" i="0" u="none" strike="noStrike" kern="1200" cap="none" spc="0" normalizeH="0" baseline="0" noProof="0" smtClean="0">
               <a:ln>
@@ -4668,7 +4807,7 @@
 </p:sld>
 </file>
 
-<file path=ppt/slides/slide11.xml><?xml version="1.0" encoding="utf-8"?>
+<file path=ppt/slides/slide12.xml><?xml version="1.0" encoding="utf-8"?>
 <p:sld xmlns:a="http://schemas.openxmlformats.org/drawingml/2006/main" xmlns:r="http://schemas.openxmlformats.org/officeDocument/2006/relationships" xmlns:p="http://schemas.openxmlformats.org/presentationml/2006/main">
   <p:cSld>
     <p:spTree>
@@ -4770,7 +4909,7 @@
             <a:fld id="{0662D880-6AF0-4701-9C11-64CF39A4AFCE}" type="slidenum">
               <a:rPr lang="en-US" smtClean="0"/>
               <a:pPr/>
-              <a:t>11</a:t>
+              <a:t>12</a:t>
             </a:fld>
             <a:endParaRPr lang="en-US"/>
           </a:p>
@@ -4858,7 +4997,7 @@
                 <a:tabLst/>
                 <a:defRPr/>
               </a:pPr>
-              <a:t>11</a:t>
+              <a:t>12</a:t>
             </a:fld>
             <a:endParaRPr kumimoji="0" lang="en-US" sz="1400" b="0" i="0" u="none" strike="noStrike" kern="1200" cap="none" spc="0" normalizeH="0" baseline="0" noProof="0" smtClean="0">
               <a:ln>
@@ -6285,7 +6424,7 @@
 </p:sld>
 </file>
 
-<file path=ppt/slides/slide12.xml><?xml version="1.0" encoding="utf-8"?>
+<file path=ppt/slides/slide13.xml><?xml version="1.0" encoding="utf-8"?>
 <p:sld xmlns:a="http://schemas.openxmlformats.org/drawingml/2006/main" xmlns:r="http://schemas.openxmlformats.org/officeDocument/2006/relationships" xmlns:p="http://schemas.openxmlformats.org/presentationml/2006/main">
   <p:cSld>
     <p:spTree>
@@ -6388,7 +6527,7 @@
             <a:fld id="{0662D880-6AF0-4701-9C11-64CF39A4AFCE}" type="slidenum">
               <a:rPr lang="en-US" smtClean="0"/>
               <a:pPr/>
-              <a:t>12</a:t>
+              <a:t>13</a:t>
             </a:fld>
             <a:endParaRPr lang="en-US"/>
           </a:p>
@@ -6403,7 +6542,7 @@
           <p:nvPr/>
         </p:nvPicPr>
         <p:blipFill>
-          <a:blip r:embed="rId2" cstate="print"/>
+          <a:blip r:embed="rId3" cstate="print"/>
           <a:srcRect/>
           <a:stretch>
             <a:fillRect/>
@@ -6434,8 +6573,8 @@
         </p:nvSpPr>
         <p:spPr>
           <a:xfrm>
-            <a:off x="4357686" y="6488668"/>
-            <a:ext cx="597087" cy="369332"/>
+            <a:off x="4066774" y="6488668"/>
+            <a:ext cx="1153329" cy="369332"/>
           </a:xfrm>
           <a:prstGeom prst="rect">
             <a:avLst/>
@@ -6450,7 +6589,7 @@
           <a:p>
             <a:r>
               <a:rPr lang="pt-BR" dirty="0" smtClean="0"/>
-              <a:t>erro</a:t>
+              <a:t>Erro (cm)</a:t>
             </a:r>
             <a:endParaRPr lang="pt-BR" dirty="0"/>
           </a:p>
@@ -6464,8 +6603,8 @@
         </p:nvSpPr>
         <p:spPr>
           <a:xfrm>
-            <a:off x="1142976" y="4643446"/>
-            <a:ext cx="1313821" cy="369332"/>
+            <a:off x="571472" y="4891269"/>
+            <a:ext cx="2007922" cy="369332"/>
           </a:xfrm>
           <a:prstGeom prst="rect">
             <a:avLst/>
@@ -6480,9 +6619,644 @@
           <a:p>
             <a:r>
               <a:rPr lang="pt-BR" dirty="0" smtClean="0"/>
-              <a:t>covariância</a:t>
+              <a:t>Covariância (cm²)</a:t>
             </a:r>
             <a:endParaRPr lang="pt-BR" dirty="0"/>
+          </a:p>
+        </p:txBody>
+      </p:sp>
+      <p:graphicFrame>
+        <p:nvGraphicFramePr>
+          <p:cNvPr id="23556" name="Object 4"/>
+          <p:cNvGraphicFramePr>
+            <a:graphicFrameLocks noChangeAspect="1"/>
+          </p:cNvGraphicFramePr>
+          <p:nvPr/>
+        </p:nvGraphicFramePr>
+        <p:xfrm>
+          <a:off x="7143768" y="5929330"/>
+          <a:ext cx="1758937" cy="415444"/>
+        </p:xfrm>
+        <a:graphic>
+          <a:graphicData uri="http://schemas.openxmlformats.org/presentationml/2006/ole">
+            <p:oleObj spid="_x0000_s23556" name="Equação" r:id="rId4" imgW="965160" imgH="228600" progId="Equation.3">
+              <p:embed/>
+            </p:oleObj>
+          </a:graphicData>
+        </a:graphic>
+      </p:graphicFrame>
+    </p:spTree>
+  </p:cSld>
+  <p:clrMapOvr>
+    <a:masterClrMapping/>
+  </p:clrMapOvr>
+</p:sld>
+</file>
+
+<file path=ppt/slides/slide14.xml><?xml version="1.0" encoding="utf-8"?>
+<p:sld xmlns:a="http://schemas.openxmlformats.org/drawingml/2006/main" xmlns:r="http://schemas.openxmlformats.org/officeDocument/2006/relationships" xmlns:p="http://schemas.openxmlformats.org/presentationml/2006/main">
+  <p:cSld>
+    <p:spTree>
+      <p:nvGrpSpPr>
+        <p:cNvPr id="1" name=""/>
+        <p:cNvGrpSpPr/>
+        <p:nvPr/>
+      </p:nvGrpSpPr>
+      <p:grpSpPr>
+        <a:xfrm>
+          <a:off x="0" y="0"/>
+          <a:ext cx="0" cy="0"/>
+          <a:chOff x="0" y="0"/>
+          <a:chExt cx="0" cy="0"/>
+        </a:xfrm>
+      </p:grpSpPr>
+      <p:sp>
+        <p:nvSpPr>
+          <p:cNvPr id="2" name="Título 1"/>
+          <p:cNvSpPr>
+            <a:spLocks noGrp="1"/>
+          </p:cNvSpPr>
+          <p:nvPr>
+            <p:ph type="title"/>
+          </p:nvPr>
+        </p:nvSpPr>
+        <p:spPr/>
+        <p:txBody>
+          <a:bodyPr/>
+          <a:lstStyle/>
+          <a:p>
+            <a:r>
+              <a:rPr lang="pt-BR" dirty="0" smtClean="0"/>
+              <a:t>Modelo da Visão</a:t>
+            </a:r>
+            <a:endParaRPr lang="pt-BR" dirty="0"/>
+          </a:p>
+        </p:txBody>
+      </p:sp>
+      <p:sp>
+        <p:nvSpPr>
+          <p:cNvPr id="3" name="Espaço Reservado para Conteúdo 2"/>
+          <p:cNvSpPr>
+            <a:spLocks noGrp="1"/>
+          </p:cNvSpPr>
+          <p:nvPr>
+            <p:ph idx="1"/>
+          </p:nvPr>
+        </p:nvSpPr>
+        <p:spPr/>
+        <p:txBody>
+          <a:bodyPr/>
+          <a:lstStyle/>
+          <a:p>
+            <a:endParaRPr lang="pt-BR"/>
+          </a:p>
+        </p:txBody>
+      </p:sp>
+      <p:sp>
+        <p:nvSpPr>
+          <p:cNvPr id="4" name="Espaço Reservado para Número de Slide 3"/>
+          <p:cNvSpPr>
+            <a:spLocks noGrp="1"/>
+          </p:cNvSpPr>
+          <p:nvPr>
+            <p:ph type="sldNum" sz="quarter" idx="10"/>
+          </p:nvPr>
+        </p:nvSpPr>
+        <p:spPr/>
+        <p:txBody>
+          <a:bodyPr/>
+          <a:lstStyle/>
+          <a:p>
+            <a:fld id="{0662D880-6AF0-4701-9C11-64CF39A4AFCE}" type="slidenum">
+              <a:rPr lang="en-US" smtClean="0"/>
+              <a:pPr/>
+              <a:t>14</a:t>
+            </a:fld>
+            <a:endParaRPr lang="en-US"/>
+          </a:p>
+        </p:txBody>
+      </p:sp>
+    </p:spTree>
+  </p:cSld>
+  <p:clrMapOvr>
+    <a:masterClrMapping/>
+  </p:clrMapOvr>
+</p:sld>
+</file>
+
+<file path=ppt/slides/slide15.xml><?xml version="1.0" encoding="utf-8"?>
+<p:sld xmlns:a="http://schemas.openxmlformats.org/drawingml/2006/main" xmlns:r="http://schemas.openxmlformats.org/officeDocument/2006/relationships" xmlns:p="http://schemas.openxmlformats.org/presentationml/2006/main">
+  <p:cSld>
+    <p:spTree>
+      <p:nvGrpSpPr>
+        <p:cNvPr id="1" name=""/>
+        <p:cNvGrpSpPr/>
+        <p:nvPr/>
+      </p:nvGrpSpPr>
+      <p:grpSpPr>
+        <a:xfrm>
+          <a:off x="0" y="0"/>
+          <a:ext cx="0" cy="0"/>
+          <a:chOff x="0" y="0"/>
+          <a:chExt cx="0" cy="0"/>
+        </a:xfrm>
+      </p:grpSpPr>
+      <p:sp>
+        <p:nvSpPr>
+          <p:cNvPr id="2" name="Título 1"/>
+          <p:cNvSpPr>
+            <a:spLocks noGrp="1"/>
+          </p:cNvSpPr>
+          <p:nvPr>
+            <p:ph type="title"/>
+          </p:nvPr>
+        </p:nvSpPr>
+        <p:spPr/>
+        <p:txBody>
+          <a:bodyPr/>
+          <a:lstStyle/>
+          <a:p>
+            <a:r>
+              <a:rPr lang="pt-BR" dirty="0" smtClean="0"/>
+              <a:t>Navegação</a:t>
+            </a:r>
+            <a:endParaRPr lang="pt-BR" dirty="0"/>
+          </a:p>
+        </p:txBody>
+      </p:sp>
+      <p:sp>
+        <p:nvSpPr>
+          <p:cNvPr id="3" name="Espaço Reservado para Texto 2"/>
+          <p:cNvSpPr>
+            <a:spLocks noGrp="1"/>
+          </p:cNvSpPr>
+          <p:nvPr>
+            <p:ph type="body" idx="1"/>
+          </p:nvPr>
+        </p:nvSpPr>
+        <p:spPr/>
+        <p:txBody>
+          <a:bodyPr/>
+          <a:lstStyle/>
+          <a:p>
+            <a:r>
+              <a:rPr lang="pt-BR" dirty="0" smtClean="0"/>
+              <a:t>Navegação intramapa</a:t>
+            </a:r>
+          </a:p>
+          <a:p>
+            <a:r>
+              <a:rPr lang="pt-BR" dirty="0" smtClean="0"/>
+              <a:t>Navegação intermapa</a:t>
+            </a:r>
+          </a:p>
+          <a:p>
+            <a:r>
+              <a:rPr lang="pt-BR" dirty="0" smtClean="0"/>
+              <a:t>Execução</a:t>
+            </a:r>
+          </a:p>
+        </p:txBody>
+      </p:sp>
+      <p:sp>
+        <p:nvSpPr>
+          <p:cNvPr id="4" name="Espaço Reservado para Número de Slide 3"/>
+          <p:cNvSpPr>
+            <a:spLocks noGrp="1"/>
+          </p:cNvSpPr>
+          <p:nvPr>
+            <p:ph type="sldNum" sz="quarter" idx="10"/>
+          </p:nvPr>
+        </p:nvSpPr>
+        <p:spPr/>
+        <p:txBody>
+          <a:bodyPr/>
+          <a:lstStyle/>
+          <a:p>
+            <a:fld id="{058D19F5-E913-418A-A90D-8E876A2C46D8}" type="slidenum">
+              <a:rPr lang="en-US" smtClean="0"/>
+              <a:pPr/>
+              <a:t>15</a:t>
+            </a:fld>
+            <a:endParaRPr lang="en-US"/>
+          </a:p>
+        </p:txBody>
+      </p:sp>
+    </p:spTree>
+  </p:cSld>
+  <p:clrMapOvr>
+    <a:masterClrMapping/>
+  </p:clrMapOvr>
+</p:sld>
+</file>
+
+<file path=ppt/slides/slide16.xml><?xml version="1.0" encoding="utf-8"?>
+<p:sld xmlns:a="http://schemas.openxmlformats.org/drawingml/2006/main" xmlns:r="http://schemas.openxmlformats.org/officeDocument/2006/relationships" xmlns:p="http://schemas.openxmlformats.org/presentationml/2006/main">
+  <p:cSld>
+    <p:spTree>
+      <p:nvGrpSpPr>
+        <p:cNvPr id="1" name=""/>
+        <p:cNvGrpSpPr/>
+        <p:nvPr/>
+      </p:nvGrpSpPr>
+      <p:grpSpPr>
+        <a:xfrm>
+          <a:off x="0" y="0"/>
+          <a:ext cx="0" cy="0"/>
+          <a:chOff x="0" y="0"/>
+          <a:chExt cx="0" cy="0"/>
+        </a:xfrm>
+      </p:grpSpPr>
+      <p:sp>
+        <p:nvSpPr>
+          <p:cNvPr id="2" name="Título 1"/>
+          <p:cNvSpPr>
+            <a:spLocks noGrp="1"/>
+          </p:cNvSpPr>
+          <p:nvPr>
+            <p:ph type="title"/>
+          </p:nvPr>
+        </p:nvSpPr>
+        <p:spPr/>
+        <p:txBody>
+          <a:bodyPr/>
+          <a:lstStyle/>
+          <a:p>
+            <a:r>
+              <a:rPr lang="pt-BR" dirty="0" smtClean="0"/>
+              <a:t>Navegação intramapa</a:t>
+            </a:r>
+            <a:endParaRPr lang="pt-BR" dirty="0"/>
+          </a:p>
+        </p:txBody>
+      </p:sp>
+      <p:sp>
+        <p:nvSpPr>
+          <p:cNvPr id="3" name="Espaço Reservado para Conteúdo 2"/>
+          <p:cNvSpPr>
+            <a:spLocks noGrp="1"/>
+          </p:cNvSpPr>
+          <p:nvPr>
+            <p:ph idx="1"/>
+          </p:nvPr>
+        </p:nvSpPr>
+        <p:spPr/>
+        <p:txBody>
+          <a:bodyPr/>
+          <a:lstStyle/>
+          <a:p>
+            <a:r>
+              <a:rPr lang="pt-BR" dirty="0" smtClean="0"/>
+              <a:t>A*</a:t>
+            </a:r>
+            <a:endParaRPr lang="pt-BR" dirty="0"/>
+          </a:p>
+        </p:txBody>
+      </p:sp>
+      <p:sp>
+        <p:nvSpPr>
+          <p:cNvPr id="4" name="Espaço Reservado para Número de Slide 3"/>
+          <p:cNvSpPr>
+            <a:spLocks noGrp="1"/>
+          </p:cNvSpPr>
+          <p:nvPr>
+            <p:ph type="sldNum" sz="quarter" idx="10"/>
+          </p:nvPr>
+        </p:nvSpPr>
+        <p:spPr/>
+        <p:txBody>
+          <a:bodyPr/>
+          <a:lstStyle/>
+          <a:p>
+            <a:fld id="{0662D880-6AF0-4701-9C11-64CF39A4AFCE}" type="slidenum">
+              <a:rPr lang="en-US" smtClean="0"/>
+              <a:pPr/>
+              <a:t>16</a:t>
+            </a:fld>
+            <a:endParaRPr lang="en-US"/>
+          </a:p>
+        </p:txBody>
+      </p:sp>
+    </p:spTree>
+  </p:cSld>
+  <p:clrMapOvr>
+    <a:masterClrMapping/>
+  </p:clrMapOvr>
+</p:sld>
+</file>
+
+<file path=ppt/slides/slide17.xml><?xml version="1.0" encoding="utf-8"?>
+<p:sld xmlns:a="http://schemas.openxmlformats.org/drawingml/2006/main" xmlns:r="http://schemas.openxmlformats.org/officeDocument/2006/relationships" xmlns:p="http://schemas.openxmlformats.org/presentationml/2006/main">
+  <p:cSld>
+    <p:spTree>
+      <p:nvGrpSpPr>
+        <p:cNvPr id="1" name=""/>
+        <p:cNvGrpSpPr/>
+        <p:nvPr/>
+      </p:nvGrpSpPr>
+      <p:grpSpPr>
+        <a:xfrm>
+          <a:off x="0" y="0"/>
+          <a:ext cx="0" cy="0"/>
+          <a:chOff x="0" y="0"/>
+          <a:chExt cx="0" cy="0"/>
+        </a:xfrm>
+      </p:grpSpPr>
+      <p:sp>
+        <p:nvSpPr>
+          <p:cNvPr id="2" name="Título 1"/>
+          <p:cNvSpPr>
+            <a:spLocks noGrp="1"/>
+          </p:cNvSpPr>
+          <p:nvPr>
+            <p:ph type="title"/>
+          </p:nvPr>
+        </p:nvSpPr>
+        <p:spPr/>
+        <p:txBody>
+          <a:bodyPr/>
+          <a:lstStyle/>
+          <a:p>
+            <a:r>
+              <a:rPr lang="pt-BR" dirty="0" smtClean="0"/>
+              <a:t>Navegação intermapas</a:t>
+            </a:r>
+            <a:endParaRPr lang="pt-BR" dirty="0"/>
+          </a:p>
+        </p:txBody>
+      </p:sp>
+      <p:sp>
+        <p:nvSpPr>
+          <p:cNvPr id="3" name="Espaço Reservado para Conteúdo 2"/>
+          <p:cNvSpPr>
+            <a:spLocks noGrp="1"/>
+          </p:cNvSpPr>
+          <p:nvPr>
+            <p:ph idx="1"/>
+          </p:nvPr>
+        </p:nvSpPr>
+        <p:spPr/>
+        <p:txBody>
+          <a:bodyPr/>
+          <a:lstStyle/>
+          <a:p>
+            <a:r>
+              <a:rPr lang="pt-BR" dirty="0" smtClean="0"/>
+              <a:t>Busca em profundidade</a:t>
+            </a:r>
+          </a:p>
+          <a:p>
+            <a:r>
+              <a:rPr lang="pt-BR" dirty="0" smtClean="0"/>
+              <a:t>Portal</a:t>
+            </a:r>
+          </a:p>
+          <a:p>
+            <a:r>
+              <a:rPr lang="pt-BR" dirty="0" smtClean="0"/>
+              <a:t>Troca de mapa</a:t>
+            </a:r>
+          </a:p>
+          <a:p>
+            <a:endParaRPr lang="pt-BR" dirty="0"/>
+          </a:p>
+        </p:txBody>
+      </p:sp>
+      <p:sp>
+        <p:nvSpPr>
+          <p:cNvPr id="4" name="Espaço Reservado para Número de Slide 3"/>
+          <p:cNvSpPr>
+            <a:spLocks noGrp="1"/>
+          </p:cNvSpPr>
+          <p:nvPr>
+            <p:ph type="sldNum" sz="quarter" idx="10"/>
+          </p:nvPr>
+        </p:nvSpPr>
+        <p:spPr/>
+        <p:txBody>
+          <a:bodyPr/>
+          <a:lstStyle/>
+          <a:p>
+            <a:fld id="{0662D880-6AF0-4701-9C11-64CF39A4AFCE}" type="slidenum">
+              <a:rPr lang="en-US" smtClean="0"/>
+              <a:pPr/>
+              <a:t>17</a:t>
+            </a:fld>
+            <a:endParaRPr lang="en-US"/>
+          </a:p>
+        </p:txBody>
+      </p:sp>
+    </p:spTree>
+  </p:cSld>
+  <p:clrMapOvr>
+    <a:masterClrMapping/>
+  </p:clrMapOvr>
+</p:sld>
+</file>
+
+<file path=ppt/slides/slide18.xml><?xml version="1.0" encoding="utf-8"?>
+<p:sld xmlns:a="http://schemas.openxmlformats.org/drawingml/2006/main" xmlns:r="http://schemas.openxmlformats.org/officeDocument/2006/relationships" xmlns:p="http://schemas.openxmlformats.org/presentationml/2006/main">
+  <p:cSld>
+    <p:spTree>
+      <p:nvGrpSpPr>
+        <p:cNvPr id="1" name=""/>
+        <p:cNvGrpSpPr/>
+        <p:nvPr/>
+      </p:nvGrpSpPr>
+      <p:grpSpPr>
+        <a:xfrm>
+          <a:off x="0" y="0"/>
+          <a:ext cx="0" cy="0"/>
+          <a:chOff x="0" y="0"/>
+          <a:chExt cx="0" cy="0"/>
+        </a:xfrm>
+      </p:grpSpPr>
+      <p:sp>
+        <p:nvSpPr>
+          <p:cNvPr id="2" name="Título 1"/>
+          <p:cNvSpPr>
+            <a:spLocks noGrp="1"/>
+          </p:cNvSpPr>
+          <p:nvPr>
+            <p:ph type="title"/>
+          </p:nvPr>
+        </p:nvSpPr>
+        <p:spPr/>
+        <p:txBody>
+          <a:bodyPr/>
+          <a:lstStyle/>
+          <a:p>
+            <a:r>
+              <a:rPr lang="pt-BR" dirty="0" smtClean="0"/>
+              <a:t>Execução</a:t>
+            </a:r>
+            <a:endParaRPr lang="pt-BR" dirty="0"/>
+          </a:p>
+        </p:txBody>
+      </p:sp>
+      <p:sp>
+        <p:nvSpPr>
+          <p:cNvPr id="3" name="Espaço Reservado para Conteúdo 2"/>
+          <p:cNvSpPr>
+            <a:spLocks noGrp="1"/>
+          </p:cNvSpPr>
+          <p:nvPr>
+            <p:ph idx="1"/>
+          </p:nvPr>
+        </p:nvSpPr>
+        <p:spPr/>
+        <p:txBody>
+          <a:bodyPr/>
+          <a:lstStyle/>
+          <a:p>
+            <a:r>
+              <a:rPr lang="pt-BR" dirty="0" smtClean="0"/>
+              <a:t>Controle de rota</a:t>
+            </a:r>
+          </a:p>
+          <a:p>
+            <a:r>
+              <a:rPr lang="pt-BR" dirty="0" smtClean="0"/>
+              <a:t>Desvio de obstáculos</a:t>
+            </a:r>
+          </a:p>
+          <a:p>
+            <a:r>
+              <a:rPr lang="pt-BR" dirty="0" smtClean="0"/>
+              <a:t>Largada/Aproximação</a:t>
+            </a:r>
+            <a:endParaRPr lang="pt-BR" dirty="0"/>
+          </a:p>
+        </p:txBody>
+      </p:sp>
+      <p:sp>
+        <p:nvSpPr>
+          <p:cNvPr id="4" name="Espaço Reservado para Número de Slide 3"/>
+          <p:cNvSpPr>
+            <a:spLocks noGrp="1"/>
+          </p:cNvSpPr>
+          <p:nvPr>
+            <p:ph type="sldNum" sz="quarter" idx="10"/>
+          </p:nvPr>
+        </p:nvSpPr>
+        <p:spPr/>
+        <p:txBody>
+          <a:bodyPr/>
+          <a:lstStyle/>
+          <a:p>
+            <a:fld id="{0662D880-6AF0-4701-9C11-64CF39A4AFCE}" type="slidenum">
+              <a:rPr lang="en-US" smtClean="0"/>
+              <a:pPr/>
+              <a:t>18</a:t>
+            </a:fld>
+            <a:endParaRPr lang="en-US"/>
+          </a:p>
+        </p:txBody>
+      </p:sp>
+    </p:spTree>
+  </p:cSld>
+  <p:clrMapOvr>
+    <a:masterClrMapping/>
+  </p:clrMapOvr>
+</p:sld>
+</file>
+
+<file path=ppt/slides/slide19.xml><?xml version="1.0" encoding="utf-8"?>
+<p:sld xmlns:a="http://schemas.openxmlformats.org/drawingml/2006/main" xmlns:r="http://schemas.openxmlformats.org/officeDocument/2006/relationships" xmlns:p="http://schemas.openxmlformats.org/presentationml/2006/main">
+  <p:cSld>
+    <p:spTree>
+      <p:nvGrpSpPr>
+        <p:cNvPr id="1" name=""/>
+        <p:cNvGrpSpPr/>
+        <p:nvPr/>
+      </p:nvGrpSpPr>
+      <p:grpSpPr>
+        <a:xfrm>
+          <a:off x="0" y="0"/>
+          <a:ext cx="0" cy="0"/>
+          <a:chOff x="0" y="0"/>
+          <a:chExt cx="0" cy="0"/>
+        </a:xfrm>
+      </p:grpSpPr>
+      <p:sp>
+        <p:nvSpPr>
+          <p:cNvPr id="2" name="Título 1"/>
+          <p:cNvSpPr>
+            <a:spLocks noGrp="1"/>
+          </p:cNvSpPr>
+          <p:nvPr>
+            <p:ph type="title"/>
+          </p:nvPr>
+        </p:nvSpPr>
+        <p:spPr/>
+        <p:txBody>
+          <a:bodyPr/>
+          <a:lstStyle/>
+          <a:p>
+            <a:r>
+              <a:rPr lang="pt-BR" dirty="0" smtClean="0"/>
+              <a:t>Resultados e conclusão</a:t>
+            </a:r>
+            <a:endParaRPr lang="pt-BR" dirty="0"/>
+          </a:p>
+        </p:txBody>
+      </p:sp>
+      <p:sp>
+        <p:nvSpPr>
+          <p:cNvPr id="3" name="Espaço Reservado para Texto 2"/>
+          <p:cNvSpPr>
+            <a:spLocks noGrp="1"/>
+          </p:cNvSpPr>
+          <p:nvPr>
+            <p:ph type="body" idx="1"/>
+          </p:nvPr>
+        </p:nvSpPr>
+        <p:spPr/>
+        <p:txBody>
+          <a:bodyPr/>
+          <a:lstStyle/>
+          <a:p>
+            <a:r>
+              <a:rPr lang="pt-BR" dirty="0" smtClean="0"/>
+              <a:t>Resultados simulados</a:t>
+            </a:r>
+          </a:p>
+          <a:p>
+            <a:r>
+              <a:rPr lang="pt-BR" dirty="0" smtClean="0"/>
+              <a:t>Resultados reais</a:t>
+            </a:r>
+          </a:p>
+          <a:p>
+            <a:r>
+              <a:rPr lang="pt-BR" dirty="0" smtClean="0"/>
+              <a:t>Conclusão</a:t>
+            </a:r>
+            <a:endParaRPr lang="pt-BR" dirty="0"/>
+          </a:p>
+        </p:txBody>
+      </p:sp>
+      <p:sp>
+        <p:nvSpPr>
+          <p:cNvPr id="4" name="Espaço Reservado para Número de Slide 3"/>
+          <p:cNvSpPr>
+            <a:spLocks noGrp="1"/>
+          </p:cNvSpPr>
+          <p:nvPr>
+            <p:ph type="sldNum" sz="quarter" idx="10"/>
+          </p:nvPr>
+        </p:nvSpPr>
+        <p:spPr/>
+        <p:txBody>
+          <a:bodyPr/>
+          <a:lstStyle/>
+          <a:p>
+            <a:fld id="{058D19F5-E913-418A-A90D-8E876A2C46D8}" type="slidenum">
+              <a:rPr lang="en-US" smtClean="0"/>
+              <a:pPr/>
+              <a:t>19</a:t>
+            </a:fld>
+            <a:endParaRPr lang="en-US"/>
           </a:p>
         </p:txBody>
       </p:sp>
@@ -6643,6 +7417,584 @@
           </a:ln>
         </p:spPr>
       </p:pic>
+    </p:spTree>
+  </p:cSld>
+  <p:clrMapOvr>
+    <a:masterClrMapping/>
+  </p:clrMapOvr>
+</p:sld>
+</file>
+
+<file path=ppt/slides/slide20.xml><?xml version="1.0" encoding="utf-8"?>
+<p:sld xmlns:a="http://schemas.openxmlformats.org/drawingml/2006/main" xmlns:r="http://schemas.openxmlformats.org/officeDocument/2006/relationships" xmlns:p="http://schemas.openxmlformats.org/presentationml/2006/main">
+  <p:cSld>
+    <p:spTree>
+      <p:nvGrpSpPr>
+        <p:cNvPr id="1" name=""/>
+        <p:cNvGrpSpPr/>
+        <p:nvPr/>
+      </p:nvGrpSpPr>
+      <p:grpSpPr>
+        <a:xfrm>
+          <a:off x="0" y="0"/>
+          <a:ext cx="0" cy="0"/>
+          <a:chOff x="0" y="0"/>
+          <a:chExt cx="0" cy="0"/>
+        </a:xfrm>
+      </p:grpSpPr>
+      <p:sp>
+        <p:nvSpPr>
+          <p:cNvPr id="2" name="Título 1"/>
+          <p:cNvSpPr>
+            <a:spLocks noGrp="1"/>
+          </p:cNvSpPr>
+          <p:nvPr>
+            <p:ph type="title"/>
+          </p:nvPr>
+        </p:nvSpPr>
+        <p:spPr/>
+        <p:txBody>
+          <a:bodyPr/>
+          <a:lstStyle/>
+          <a:p>
+            <a:r>
+              <a:rPr lang="pt-BR" dirty="0" smtClean="0"/>
+              <a:t>Resultados Simulados</a:t>
+            </a:r>
+            <a:endParaRPr lang="pt-BR" dirty="0"/>
+          </a:p>
+        </p:txBody>
+      </p:sp>
+      <p:sp>
+        <p:nvSpPr>
+          <p:cNvPr id="3" name="Espaço Reservado para Conteúdo 2"/>
+          <p:cNvSpPr>
+            <a:spLocks noGrp="1"/>
+          </p:cNvSpPr>
+          <p:nvPr>
+            <p:ph idx="1"/>
+          </p:nvPr>
+        </p:nvSpPr>
+        <p:spPr/>
+        <p:txBody>
+          <a:bodyPr/>
+          <a:lstStyle/>
+          <a:p>
+            <a:r>
+              <a:rPr lang="pt-BR" dirty="0" smtClean="0"/>
+              <a:t>Figuras da simulação</a:t>
+            </a:r>
+            <a:endParaRPr lang="pt-BR" dirty="0"/>
+          </a:p>
+        </p:txBody>
+      </p:sp>
+      <p:sp>
+        <p:nvSpPr>
+          <p:cNvPr id="4" name="Espaço Reservado para Número de Slide 3"/>
+          <p:cNvSpPr>
+            <a:spLocks noGrp="1"/>
+          </p:cNvSpPr>
+          <p:nvPr>
+            <p:ph type="sldNum" sz="quarter" idx="10"/>
+          </p:nvPr>
+        </p:nvSpPr>
+        <p:spPr/>
+        <p:txBody>
+          <a:bodyPr/>
+          <a:lstStyle/>
+          <a:p>
+            <a:fld id="{0662D880-6AF0-4701-9C11-64CF39A4AFCE}" type="slidenum">
+              <a:rPr lang="en-US" smtClean="0"/>
+              <a:pPr/>
+              <a:t>20</a:t>
+            </a:fld>
+            <a:endParaRPr lang="en-US"/>
+          </a:p>
+        </p:txBody>
+      </p:sp>
+    </p:spTree>
+  </p:cSld>
+  <p:clrMapOvr>
+    <a:masterClrMapping/>
+  </p:clrMapOvr>
+</p:sld>
+</file>
+
+<file path=ppt/slides/slide21.xml><?xml version="1.0" encoding="utf-8"?>
+<p:sld xmlns:a="http://schemas.openxmlformats.org/drawingml/2006/main" xmlns:r="http://schemas.openxmlformats.org/officeDocument/2006/relationships" xmlns:p="http://schemas.openxmlformats.org/presentationml/2006/main">
+  <p:cSld>
+    <p:spTree>
+      <p:nvGrpSpPr>
+        <p:cNvPr id="1" name=""/>
+        <p:cNvGrpSpPr/>
+        <p:nvPr/>
+      </p:nvGrpSpPr>
+      <p:grpSpPr>
+        <a:xfrm>
+          <a:off x="0" y="0"/>
+          <a:ext cx="0" cy="0"/>
+          <a:chOff x="0" y="0"/>
+          <a:chExt cx="0" cy="0"/>
+        </a:xfrm>
+      </p:grpSpPr>
+      <p:sp>
+        <p:nvSpPr>
+          <p:cNvPr id="2" name="Título 1"/>
+          <p:cNvSpPr>
+            <a:spLocks noGrp="1"/>
+          </p:cNvSpPr>
+          <p:nvPr>
+            <p:ph type="title"/>
+          </p:nvPr>
+        </p:nvSpPr>
+        <p:spPr/>
+        <p:txBody>
+          <a:bodyPr/>
+          <a:lstStyle/>
+          <a:p>
+            <a:r>
+              <a:rPr lang="pt-BR" dirty="0" smtClean="0"/>
+              <a:t>Resultados Reais</a:t>
+            </a:r>
+            <a:endParaRPr lang="pt-BR" dirty="0"/>
+          </a:p>
+        </p:txBody>
+      </p:sp>
+      <p:sp>
+        <p:nvSpPr>
+          <p:cNvPr id="3" name="Espaço Reservado para Conteúdo 2"/>
+          <p:cNvSpPr>
+            <a:spLocks noGrp="1"/>
+          </p:cNvSpPr>
+          <p:nvPr>
+            <p:ph idx="1"/>
+          </p:nvPr>
+        </p:nvSpPr>
+        <p:spPr/>
+        <p:txBody>
+          <a:bodyPr/>
+          <a:lstStyle/>
+          <a:p>
+            <a:r>
+              <a:rPr lang="pt-BR" dirty="0" smtClean="0"/>
+              <a:t>Figuras da monografia (rotas estimadas e quadrados de meta)</a:t>
+            </a:r>
+          </a:p>
+          <a:p>
+            <a:endParaRPr lang="pt-BR" dirty="0"/>
+          </a:p>
+        </p:txBody>
+      </p:sp>
+      <p:sp>
+        <p:nvSpPr>
+          <p:cNvPr id="4" name="Espaço Reservado para Número de Slide 3"/>
+          <p:cNvSpPr>
+            <a:spLocks noGrp="1"/>
+          </p:cNvSpPr>
+          <p:nvPr>
+            <p:ph type="sldNum" sz="quarter" idx="10"/>
+          </p:nvPr>
+        </p:nvSpPr>
+        <p:spPr/>
+        <p:txBody>
+          <a:bodyPr/>
+          <a:lstStyle/>
+          <a:p>
+            <a:fld id="{0662D880-6AF0-4701-9C11-64CF39A4AFCE}" type="slidenum">
+              <a:rPr lang="en-US" smtClean="0"/>
+              <a:pPr/>
+              <a:t>21</a:t>
+            </a:fld>
+            <a:endParaRPr lang="en-US"/>
+          </a:p>
+        </p:txBody>
+      </p:sp>
+    </p:spTree>
+  </p:cSld>
+  <p:clrMapOvr>
+    <a:masterClrMapping/>
+  </p:clrMapOvr>
+</p:sld>
+</file>
+
+<file path=ppt/slides/slide22.xml><?xml version="1.0" encoding="utf-8"?>
+<p:sld xmlns:a="http://schemas.openxmlformats.org/drawingml/2006/main" xmlns:r="http://schemas.openxmlformats.org/officeDocument/2006/relationships" xmlns:p="http://schemas.openxmlformats.org/presentationml/2006/main">
+  <p:cSld>
+    <p:spTree>
+      <p:nvGrpSpPr>
+        <p:cNvPr id="1" name=""/>
+        <p:cNvGrpSpPr/>
+        <p:nvPr/>
+      </p:nvGrpSpPr>
+      <p:grpSpPr>
+        <a:xfrm>
+          <a:off x="0" y="0"/>
+          <a:ext cx="0" cy="0"/>
+          <a:chOff x="0" y="0"/>
+          <a:chExt cx="0" cy="0"/>
+        </a:xfrm>
+      </p:grpSpPr>
+      <p:sp>
+        <p:nvSpPr>
+          <p:cNvPr id="2" name="Título 1"/>
+          <p:cNvSpPr>
+            <a:spLocks noGrp="1"/>
+          </p:cNvSpPr>
+          <p:nvPr>
+            <p:ph type="title"/>
+          </p:nvPr>
+        </p:nvSpPr>
+        <p:spPr/>
+        <p:txBody>
+          <a:bodyPr/>
+          <a:lstStyle/>
+          <a:p>
+            <a:r>
+              <a:rPr lang="pt-BR" dirty="0" smtClean="0"/>
+              <a:t>Resultados Reais</a:t>
+            </a:r>
+            <a:endParaRPr lang="pt-BR" dirty="0"/>
+          </a:p>
+        </p:txBody>
+      </p:sp>
+      <p:sp>
+        <p:nvSpPr>
+          <p:cNvPr id="3" name="Espaço Reservado para Conteúdo 2"/>
+          <p:cNvSpPr>
+            <a:spLocks noGrp="1"/>
+          </p:cNvSpPr>
+          <p:nvPr>
+            <p:ph idx="1"/>
+          </p:nvPr>
+        </p:nvSpPr>
+        <p:spPr/>
+        <p:txBody>
+          <a:bodyPr/>
+          <a:lstStyle/>
+          <a:p>
+            <a:r>
+              <a:rPr lang="pt-BR" dirty="0" smtClean="0"/>
+              <a:t>Processamento baixo</a:t>
+            </a:r>
+          </a:p>
+          <a:p>
+            <a:r>
+              <a:rPr lang="pt-BR" dirty="0" smtClean="0"/>
+              <a:t>Dificuldades de rampa, vai </a:t>
+            </a:r>
+            <a:r>
+              <a:rPr lang="pt-BR" dirty="0" err="1" smtClean="0"/>
+              <a:t>mto</a:t>
+            </a:r>
+            <a:r>
+              <a:rPr lang="pt-BR" dirty="0" smtClean="0"/>
+              <a:t> bem no plano</a:t>
+            </a:r>
+          </a:p>
+          <a:p>
+            <a:r>
+              <a:rPr lang="pt-BR" dirty="0" smtClean="0"/>
+              <a:t>Robustez não é ideal</a:t>
+            </a:r>
+          </a:p>
+          <a:p>
+            <a:r>
+              <a:rPr lang="pt-BR" dirty="0" smtClean="0"/>
+              <a:t>Visão</a:t>
+            </a:r>
+            <a:endParaRPr lang="pt-BR" dirty="0"/>
+          </a:p>
+        </p:txBody>
+      </p:sp>
+      <p:sp>
+        <p:nvSpPr>
+          <p:cNvPr id="4" name="Espaço Reservado para Número de Slide 3"/>
+          <p:cNvSpPr>
+            <a:spLocks noGrp="1"/>
+          </p:cNvSpPr>
+          <p:nvPr>
+            <p:ph type="sldNum" sz="quarter" idx="10"/>
+          </p:nvPr>
+        </p:nvSpPr>
+        <p:spPr/>
+        <p:txBody>
+          <a:bodyPr/>
+          <a:lstStyle/>
+          <a:p>
+            <a:fld id="{0662D880-6AF0-4701-9C11-64CF39A4AFCE}" type="slidenum">
+              <a:rPr lang="en-US" smtClean="0"/>
+              <a:pPr/>
+              <a:t>22</a:t>
+            </a:fld>
+            <a:endParaRPr lang="en-US"/>
+          </a:p>
+        </p:txBody>
+      </p:sp>
+    </p:spTree>
+  </p:cSld>
+  <p:clrMapOvr>
+    <a:masterClrMapping/>
+  </p:clrMapOvr>
+</p:sld>
+</file>
+
+<file path=ppt/slides/slide23.xml><?xml version="1.0" encoding="utf-8"?>
+<p:sld xmlns:a="http://schemas.openxmlformats.org/drawingml/2006/main" xmlns:r="http://schemas.openxmlformats.org/officeDocument/2006/relationships" xmlns:p="http://schemas.openxmlformats.org/presentationml/2006/main">
+  <p:cSld>
+    <p:spTree>
+      <p:nvGrpSpPr>
+        <p:cNvPr id="1" name=""/>
+        <p:cNvGrpSpPr/>
+        <p:nvPr/>
+      </p:nvGrpSpPr>
+      <p:grpSpPr>
+        <a:xfrm>
+          <a:off x="0" y="0"/>
+          <a:ext cx="0" cy="0"/>
+          <a:chOff x="0" y="0"/>
+          <a:chExt cx="0" cy="0"/>
+        </a:xfrm>
+      </p:grpSpPr>
+      <p:sp>
+        <p:nvSpPr>
+          <p:cNvPr id="2" name="Título 1"/>
+          <p:cNvSpPr>
+            <a:spLocks noGrp="1"/>
+          </p:cNvSpPr>
+          <p:nvPr>
+            <p:ph type="title"/>
+          </p:nvPr>
+        </p:nvSpPr>
+        <p:spPr/>
+        <p:txBody>
+          <a:bodyPr/>
+          <a:lstStyle/>
+          <a:p>
+            <a:r>
+              <a:rPr lang="pt-BR" dirty="0" smtClean="0"/>
+              <a:t>Conclusão</a:t>
+            </a:r>
+            <a:endParaRPr lang="pt-BR" dirty="0"/>
+          </a:p>
+        </p:txBody>
+      </p:sp>
+      <p:sp>
+        <p:nvSpPr>
+          <p:cNvPr id="3" name="Espaço Reservado para Conteúdo 2"/>
+          <p:cNvSpPr>
+            <a:spLocks noGrp="1"/>
+          </p:cNvSpPr>
+          <p:nvPr>
+            <p:ph idx="1"/>
+          </p:nvPr>
+        </p:nvSpPr>
+        <p:spPr/>
+        <p:txBody>
+          <a:bodyPr/>
+          <a:lstStyle/>
+          <a:p>
+            <a:r>
+              <a:rPr lang="pt-BR" dirty="0" smtClean="0"/>
+              <a:t>É possível construir um </a:t>
+            </a:r>
+            <a:r>
+              <a:rPr lang="pt-BR" dirty="0" err="1" smtClean="0"/>
+              <a:t>robo</a:t>
+            </a:r>
+            <a:r>
+              <a:rPr lang="pt-BR" dirty="0" smtClean="0"/>
+              <a:t> guia de baixo custo</a:t>
+            </a:r>
+          </a:p>
+          <a:p>
+            <a:r>
+              <a:rPr lang="pt-BR" dirty="0" smtClean="0"/>
+              <a:t>Localização só com sonares é boa</a:t>
+            </a:r>
+          </a:p>
+          <a:p>
+            <a:pPr lvl="1"/>
+            <a:r>
+              <a:rPr lang="pt-BR" dirty="0" smtClean="0"/>
+              <a:t>Expectativa era a visão</a:t>
+            </a:r>
+            <a:endParaRPr lang="pt-BR" dirty="0"/>
+          </a:p>
+          <a:p>
+            <a:pPr lvl="1"/>
+            <a:r>
+              <a:rPr lang="pt-BR" dirty="0" smtClean="0"/>
+              <a:t>Modelo novo desenvolvido</a:t>
+            </a:r>
+          </a:p>
+          <a:p>
+            <a:r>
+              <a:rPr lang="pt-BR" dirty="0" smtClean="0"/>
+              <a:t>Navegação simples e eficaz</a:t>
+            </a:r>
+          </a:p>
+          <a:p>
+            <a:endParaRPr lang="pt-BR" dirty="0" smtClean="0"/>
+          </a:p>
+        </p:txBody>
+      </p:sp>
+      <p:sp>
+        <p:nvSpPr>
+          <p:cNvPr id="4" name="Espaço Reservado para Número de Slide 3"/>
+          <p:cNvSpPr>
+            <a:spLocks noGrp="1"/>
+          </p:cNvSpPr>
+          <p:nvPr>
+            <p:ph type="sldNum" sz="quarter" idx="10"/>
+          </p:nvPr>
+        </p:nvSpPr>
+        <p:spPr/>
+        <p:txBody>
+          <a:bodyPr/>
+          <a:lstStyle/>
+          <a:p>
+            <a:fld id="{0662D880-6AF0-4701-9C11-64CF39A4AFCE}" type="slidenum">
+              <a:rPr lang="en-US" smtClean="0"/>
+              <a:pPr/>
+              <a:t>23</a:t>
+            </a:fld>
+            <a:endParaRPr lang="en-US"/>
+          </a:p>
+        </p:txBody>
+      </p:sp>
+    </p:spTree>
+  </p:cSld>
+  <p:clrMapOvr>
+    <a:masterClrMapping/>
+  </p:clrMapOvr>
+</p:sld>
+</file>
+
+<file path=ppt/slides/slide24.xml><?xml version="1.0" encoding="utf-8"?>
+<p:sld xmlns:a="http://schemas.openxmlformats.org/drawingml/2006/main" xmlns:r="http://schemas.openxmlformats.org/officeDocument/2006/relationships" xmlns:p="http://schemas.openxmlformats.org/presentationml/2006/main">
+  <p:cSld>
+    <p:spTree>
+      <p:nvGrpSpPr>
+        <p:cNvPr id="1" name=""/>
+        <p:cNvGrpSpPr/>
+        <p:nvPr/>
+      </p:nvGrpSpPr>
+      <p:grpSpPr>
+        <a:xfrm>
+          <a:off x="0" y="0"/>
+          <a:ext cx="0" cy="0"/>
+          <a:chOff x="0" y="0"/>
+          <a:chExt cx="0" cy="0"/>
+        </a:xfrm>
+      </p:grpSpPr>
+      <p:sp>
+        <p:nvSpPr>
+          <p:cNvPr id="2" name="Título 1"/>
+          <p:cNvSpPr>
+            <a:spLocks noGrp="1"/>
+          </p:cNvSpPr>
+          <p:nvPr>
+            <p:ph type="title"/>
+          </p:nvPr>
+        </p:nvSpPr>
+        <p:spPr/>
+        <p:txBody>
+          <a:bodyPr/>
+          <a:lstStyle/>
+          <a:p>
+            <a:r>
+              <a:rPr lang="pt-BR" dirty="0" smtClean="0"/>
+              <a:t>Conclusão</a:t>
+            </a:r>
+            <a:endParaRPr lang="pt-BR" dirty="0"/>
+          </a:p>
+        </p:txBody>
+      </p:sp>
+      <p:sp>
+        <p:nvSpPr>
+          <p:cNvPr id="3" name="Espaço Reservado para Conteúdo 2"/>
+          <p:cNvSpPr>
+            <a:spLocks noGrp="1"/>
+          </p:cNvSpPr>
+          <p:nvPr>
+            <p:ph idx="1"/>
+          </p:nvPr>
+        </p:nvSpPr>
+        <p:spPr/>
+        <p:txBody>
+          <a:bodyPr/>
+          <a:lstStyle/>
+          <a:p>
+            <a:r>
+              <a:rPr lang="pt-BR" dirty="0" smtClean="0"/>
+              <a:t>Trabalho futuro</a:t>
+            </a:r>
+          </a:p>
+          <a:p>
+            <a:pPr lvl="1"/>
+            <a:r>
+              <a:rPr lang="pt-BR" dirty="0" smtClean="0"/>
+              <a:t>Integração visão</a:t>
+            </a:r>
+          </a:p>
+          <a:p>
+            <a:pPr lvl="1"/>
+            <a:r>
+              <a:rPr lang="pt-BR" dirty="0" smtClean="0"/>
+              <a:t>Rota adaptativa</a:t>
+            </a:r>
+          </a:p>
+          <a:p>
+            <a:pPr lvl="1"/>
+            <a:r>
+              <a:rPr lang="pt-BR" dirty="0" smtClean="0"/>
+              <a:t>Navegação fluida</a:t>
+            </a:r>
+          </a:p>
+          <a:p>
+            <a:pPr lvl="1"/>
+            <a:r>
+              <a:rPr lang="pt-BR" dirty="0" smtClean="0"/>
+              <a:t>Melhoria robustez</a:t>
+            </a:r>
+          </a:p>
+          <a:p>
+            <a:pPr lvl="1"/>
+            <a:r>
+              <a:rPr lang="pt-BR" dirty="0" smtClean="0"/>
+              <a:t>Melhorar movimento nas rampas</a:t>
+            </a:r>
+          </a:p>
+          <a:p>
+            <a:pPr lvl="1"/>
+            <a:endParaRPr lang="pt-BR" dirty="0"/>
+          </a:p>
+        </p:txBody>
+      </p:sp>
+      <p:sp>
+        <p:nvSpPr>
+          <p:cNvPr id="4" name="Espaço Reservado para Número de Slide 3"/>
+          <p:cNvSpPr>
+            <a:spLocks noGrp="1"/>
+          </p:cNvSpPr>
+          <p:nvPr>
+            <p:ph type="sldNum" sz="quarter" idx="10"/>
+          </p:nvPr>
+        </p:nvSpPr>
+        <p:spPr/>
+        <p:txBody>
+          <a:bodyPr/>
+          <a:lstStyle/>
+          <a:p>
+            <a:fld id="{0662D880-6AF0-4701-9C11-64CF39A4AFCE}" type="slidenum">
+              <a:rPr lang="en-US" smtClean="0"/>
+              <a:pPr/>
+              <a:t>24</a:t>
+            </a:fld>
+            <a:endParaRPr lang="en-US"/>
+          </a:p>
+        </p:txBody>
+      </p:sp>
     </p:spTree>
   </p:cSld>
   <p:clrMapOvr>
@@ -7656,7 +9008,7 @@
           <a:p>
             <a:r>
               <a:rPr lang="pt-BR" dirty="0" smtClean="0"/>
-              <a:t>Localização</a:t>
+              <a:t>Interface Gráfica</a:t>
             </a:r>
             <a:endParaRPr lang="pt-BR" dirty="0"/>
           </a:p>
@@ -7664,12 +9016,12 @@
       </p:sp>
       <p:sp>
         <p:nvSpPr>
-          <p:cNvPr id="3" name="Espaço Reservado para Texto 2"/>
+          <p:cNvPr id="3" name="Espaço Reservado para Conteúdo 2"/>
           <p:cNvSpPr>
             <a:spLocks noGrp="1"/>
           </p:cNvSpPr>
           <p:nvPr>
-            <p:ph type="body" idx="1"/>
+            <p:ph idx="1"/>
           </p:nvPr>
         </p:nvSpPr>
         <p:spPr/>
@@ -7679,28 +9031,9 @@
           <a:p>
             <a:r>
               <a:rPr lang="pt-BR" dirty="0" smtClean="0"/>
-              <a:t>Filtro de </a:t>
-            </a:r>
-            <a:r>
-              <a:rPr lang="pt-BR" dirty="0" err="1" smtClean="0"/>
-              <a:t>Kalman</a:t>
-            </a:r>
-            <a:r>
-              <a:rPr lang="pt-BR" dirty="0" smtClean="0"/>
-              <a:t> Estendido (EKF)</a:t>
-            </a:r>
-          </a:p>
-          <a:p>
-            <a:r>
-              <a:rPr lang="pt-BR" dirty="0" smtClean="0"/>
-              <a:t>Modelos de Observação dos Sonares</a:t>
-            </a:r>
-          </a:p>
-          <a:p>
-            <a:r>
-              <a:rPr lang="pt-BR" dirty="0" smtClean="0"/>
-              <a:t>Modelo de Observação da Visão</a:t>
-            </a:r>
+              <a:t>Foto da GUI</a:t>
+            </a:r>
+            <a:endParaRPr lang="pt-BR" dirty="0"/>
           </a:p>
         </p:txBody>
       </p:sp>
@@ -7719,7 +9052,7 @@
           <a:bodyPr/>
           <a:lstStyle/>
           <a:p>
-            <a:fld id="{058D19F5-E913-418A-A90D-8E876A2C46D8}" type="slidenum">
+            <a:fld id="{0662D880-6AF0-4701-9C11-64CF39A4AFCE}" type="slidenum">
               <a:rPr lang="en-US" smtClean="0"/>
               <a:pPr/>
               <a:t>7</a:t>
@@ -7770,6 +9103,29 @@
           <a:p>
             <a:r>
               <a:rPr lang="pt-BR" dirty="0" smtClean="0"/>
+              <a:t>Localização</a:t>
+            </a:r>
+            <a:endParaRPr lang="pt-BR" dirty="0"/>
+          </a:p>
+        </p:txBody>
+      </p:sp>
+      <p:sp>
+        <p:nvSpPr>
+          <p:cNvPr id="3" name="Espaço Reservado para Texto 2"/>
+          <p:cNvSpPr>
+            <a:spLocks noGrp="1"/>
+          </p:cNvSpPr>
+          <p:nvPr>
+            <p:ph type="body" idx="1"/>
+          </p:nvPr>
+        </p:nvSpPr>
+        <p:spPr/>
+        <p:txBody>
+          <a:bodyPr/>
+          <a:lstStyle/>
+          <a:p>
+            <a:r>
+              <a:rPr lang="pt-BR" dirty="0" smtClean="0"/>
               <a:t>Filtro de </a:t>
             </a:r>
             <a:r>
@@ -7778,1166 +9134,44 @@
             </a:r>
             <a:r>
               <a:rPr lang="pt-BR" dirty="0" smtClean="0"/>
-              <a:t> Estendido</a:t>
-            </a:r>
-            <a:endParaRPr lang="pt-BR" dirty="0"/>
-          </a:p>
-        </p:txBody>
-      </p:sp>
-      <p:sp>
-        <p:nvSpPr>
-          <p:cNvPr id="3" name="Espaço Reservado para Conteúdo 2"/>
+              <a:t> Estendido (EKF)</a:t>
+            </a:r>
+          </a:p>
+          <a:p>
+            <a:r>
+              <a:rPr lang="pt-BR" dirty="0" smtClean="0"/>
+              <a:t>Modelos de Observação dos Sonares</a:t>
+            </a:r>
+          </a:p>
+          <a:p>
+            <a:r>
+              <a:rPr lang="pt-BR" dirty="0" smtClean="0"/>
+              <a:t>Modelo de Observação da Visão</a:t>
+            </a:r>
+          </a:p>
+        </p:txBody>
+      </p:sp>
+      <p:sp>
+        <p:nvSpPr>
+          <p:cNvPr id="4" name="Espaço Reservado para Número de Slide 3"/>
           <p:cNvSpPr>
             <a:spLocks noGrp="1"/>
           </p:cNvSpPr>
           <p:nvPr>
-            <p:ph idx="1"/>
-          </p:nvPr>
-        </p:nvSpPr>
-        <p:spPr>
-          <a:xfrm>
-            <a:off x="838200" y="1524001"/>
-            <a:ext cx="8116888" cy="547678"/>
-          </a:xfrm>
-        </p:spPr>
+            <p:ph type="sldNum" sz="quarter" idx="10"/>
+          </p:nvPr>
+        </p:nvSpPr>
+        <p:spPr/>
         <p:txBody>
           <a:bodyPr/>
           <a:lstStyle/>
           <a:p>
-            <a:r>
-              <a:rPr lang="pt-BR" dirty="0" smtClean="0"/>
-              <a:t>Filtro Bayesiano recursivo</a:t>
-            </a:r>
-            <a:endParaRPr lang="pt-BR" dirty="0"/>
-          </a:p>
-        </p:txBody>
-      </p:sp>
-      <p:sp>
-        <p:nvSpPr>
-          <p:cNvPr id="4" name="Espaço Reservado para Número de Slide 3"/>
-          <p:cNvSpPr>
-            <a:spLocks noGrp="1"/>
-          </p:cNvSpPr>
-          <p:nvPr>
-            <p:ph type="sldNum" sz="quarter" idx="10"/>
-          </p:nvPr>
-        </p:nvSpPr>
-        <p:spPr/>
-        <p:txBody>
-          <a:bodyPr/>
-          <a:lstStyle/>
-          <a:p>
-            <a:fld id="{0662D880-6AF0-4701-9C11-64CF39A4AFCE}" type="slidenum">
+            <a:fld id="{058D19F5-E913-418A-A90D-8E876A2C46D8}" type="slidenum">
               <a:rPr lang="en-US" smtClean="0"/>
               <a:pPr/>
               <a:t>8</a:t>
             </a:fld>
             <a:endParaRPr lang="en-US"/>
-          </a:p>
-        </p:txBody>
-      </p:sp>
-      <p:sp>
-        <p:nvSpPr>
-          <p:cNvPr id="5" name="Line 3"/>
-          <p:cNvSpPr>
-            <a:spLocks noChangeShapeType="1"/>
-          </p:cNvSpPr>
-          <p:nvPr/>
-        </p:nvSpPr>
-        <p:spPr bwMode="auto">
-          <a:xfrm>
-            <a:off x="3038500" y="4233858"/>
-            <a:ext cx="0" cy="990600"/>
-          </a:xfrm>
-          <a:prstGeom prst="line">
-            <a:avLst/>
-          </a:prstGeom>
-          <a:noFill/>
-          <a:ln w="9525">
-            <a:solidFill>
-              <a:schemeClr val="tx1"/>
-            </a:solidFill>
-            <a:miter lim="800000"/>
-            <a:headEnd/>
-            <a:tailEnd type="none" w="lg" len="lg"/>
-          </a:ln>
-          <a:effectLst/>
-        </p:spPr>
-        <p:txBody>
-          <a:bodyPr wrap="none"/>
-          <a:lstStyle/>
-          <a:p>
-            <a:endParaRPr lang="pt-BR"/>
-          </a:p>
-        </p:txBody>
-      </p:sp>
-      <p:sp>
-        <p:nvSpPr>
-          <p:cNvPr id="6" name="Text Box 4"/>
-          <p:cNvSpPr txBox="1">
-            <a:spLocks noChangeArrowheads="1"/>
-          </p:cNvSpPr>
-          <p:nvPr/>
-        </p:nvSpPr>
-        <p:spPr bwMode="auto">
-          <a:xfrm>
-            <a:off x="676300" y="5681658"/>
-            <a:ext cx="2190750" cy="860425"/>
-          </a:xfrm>
-          <a:prstGeom prst="rect">
-            <a:avLst/>
-          </a:prstGeom>
-          <a:solidFill>
-            <a:srgbClr val="00E4A8"/>
-          </a:solidFill>
-          <a:ln w="38100" cmpd="dbl">
-            <a:solidFill>
-              <a:schemeClr val="tx1"/>
-            </a:solidFill>
-            <a:miter lim="800000"/>
-            <a:headEnd/>
-            <a:tailEnd/>
-          </a:ln>
-          <a:effectLst/>
-        </p:spPr>
-        <p:txBody>
-          <a:bodyPr>
-            <a:spAutoFit/>
-          </a:bodyPr>
-          <a:lstStyle/>
-          <a:p>
-            <a:pPr algn="ctr"/>
-            <a:r>
-              <a:rPr lang="pt-BR" sz="2400"/>
-              <a:t>Modelo de</a:t>
-            </a:r>
-          </a:p>
-          <a:p>
-            <a:pPr algn="ctr"/>
-            <a:r>
-              <a:rPr lang="pt-BR" sz="2400"/>
-              <a:t>Dinâmica</a:t>
-            </a:r>
-          </a:p>
-        </p:txBody>
-      </p:sp>
-      <p:sp>
-        <p:nvSpPr>
-          <p:cNvPr id="7" name="Text Box 5"/>
-          <p:cNvSpPr txBox="1">
-            <a:spLocks noChangeArrowheads="1"/>
-          </p:cNvSpPr>
-          <p:nvPr/>
-        </p:nvSpPr>
-        <p:spPr bwMode="auto">
-          <a:xfrm>
-            <a:off x="3571900" y="3776658"/>
-            <a:ext cx="2028825" cy="860425"/>
-          </a:xfrm>
-          <a:prstGeom prst="rect">
-            <a:avLst/>
-          </a:prstGeom>
-          <a:solidFill>
-            <a:schemeClr val="accent5"/>
-          </a:solidFill>
-          <a:ln w="38100" cmpd="dbl">
-            <a:solidFill>
-              <a:schemeClr val="tx1"/>
-            </a:solidFill>
-            <a:miter lim="800000"/>
-            <a:headEnd/>
-            <a:tailEnd/>
-          </a:ln>
-          <a:effectLst/>
-        </p:spPr>
-        <p:txBody>
-          <a:bodyPr>
-            <a:spAutoFit/>
-          </a:bodyPr>
-          <a:lstStyle/>
-          <a:p>
-            <a:pPr algn="ctr"/>
-            <a:r>
-              <a:rPr lang="pt-BR" sz="2400" dirty="0"/>
-              <a:t>Modelo de</a:t>
-            </a:r>
-          </a:p>
-          <a:p>
-            <a:pPr algn="ctr"/>
-            <a:r>
-              <a:rPr lang="pt-BR" sz="2400" dirty="0"/>
-              <a:t>Observação</a:t>
-            </a:r>
-          </a:p>
-        </p:txBody>
-      </p:sp>
-      <p:sp>
-        <p:nvSpPr>
-          <p:cNvPr id="8" name="Line 6"/>
-          <p:cNvSpPr>
-            <a:spLocks noChangeShapeType="1"/>
-          </p:cNvSpPr>
-          <p:nvPr/>
-        </p:nvSpPr>
-        <p:spPr bwMode="auto">
-          <a:xfrm>
-            <a:off x="2200300" y="4233858"/>
-            <a:ext cx="1295400" cy="0"/>
-          </a:xfrm>
-          <a:prstGeom prst="line">
-            <a:avLst/>
-          </a:prstGeom>
-          <a:noFill/>
-          <a:ln w="9525">
-            <a:solidFill>
-              <a:schemeClr val="tx1"/>
-            </a:solidFill>
-            <a:miter lim="800000"/>
-            <a:headEnd/>
-            <a:tailEnd type="triangle" w="lg" len="lg"/>
-          </a:ln>
-          <a:effectLst/>
-        </p:spPr>
-        <p:txBody>
-          <a:bodyPr wrap="none"/>
-          <a:lstStyle/>
-          <a:p>
-            <a:endParaRPr lang="pt-BR"/>
-          </a:p>
-        </p:txBody>
-      </p:sp>
-      <p:sp>
-        <p:nvSpPr>
-          <p:cNvPr id="9" name="Line 7"/>
-          <p:cNvSpPr>
-            <a:spLocks noChangeShapeType="1"/>
-          </p:cNvSpPr>
-          <p:nvPr/>
-        </p:nvSpPr>
-        <p:spPr bwMode="auto">
-          <a:xfrm>
-            <a:off x="7153300" y="2938458"/>
-            <a:ext cx="914400" cy="0"/>
-          </a:xfrm>
-          <a:prstGeom prst="line">
-            <a:avLst/>
-          </a:prstGeom>
-          <a:noFill/>
-          <a:ln w="9525">
-            <a:solidFill>
-              <a:schemeClr val="hlink"/>
-            </a:solidFill>
-            <a:miter lim="800000"/>
-            <a:headEnd/>
-            <a:tailEnd type="triangle" w="lg" len="lg"/>
-          </a:ln>
-          <a:effectLst/>
-        </p:spPr>
-        <p:txBody>
-          <a:bodyPr wrap="none"/>
-          <a:lstStyle/>
-          <a:p>
-            <a:endParaRPr lang="pt-BR"/>
-          </a:p>
-        </p:txBody>
-      </p:sp>
-      <p:sp>
-        <p:nvSpPr>
-          <p:cNvPr id="10" name="Line 8"/>
-          <p:cNvSpPr>
-            <a:spLocks noChangeShapeType="1"/>
-          </p:cNvSpPr>
-          <p:nvPr/>
-        </p:nvSpPr>
-        <p:spPr bwMode="auto">
-          <a:xfrm flipV="1">
-            <a:off x="6772300" y="3319458"/>
-            <a:ext cx="0" cy="838200"/>
-          </a:xfrm>
-          <a:prstGeom prst="line">
-            <a:avLst/>
-          </a:prstGeom>
-          <a:noFill/>
-          <a:ln w="9525">
-            <a:solidFill>
-              <a:schemeClr val="tx1"/>
-            </a:solidFill>
-            <a:miter lim="800000"/>
-            <a:headEnd/>
-            <a:tailEnd type="triangle" w="lg" len="lg"/>
-          </a:ln>
-          <a:effectLst/>
-        </p:spPr>
-        <p:txBody>
-          <a:bodyPr wrap="none"/>
-          <a:lstStyle/>
-          <a:p>
-            <a:endParaRPr lang="pt-BR"/>
-          </a:p>
-        </p:txBody>
-      </p:sp>
-      <p:sp>
-        <p:nvSpPr>
-          <p:cNvPr id="11" name="Text Box 9"/>
-          <p:cNvSpPr txBox="1">
-            <a:spLocks noChangeArrowheads="1"/>
-          </p:cNvSpPr>
-          <p:nvPr/>
-        </p:nvSpPr>
-        <p:spPr bwMode="auto">
-          <a:xfrm>
-            <a:off x="7213625" y="2541583"/>
-            <a:ext cx="777875" cy="396875"/>
-          </a:xfrm>
-          <a:prstGeom prst="rect">
-            <a:avLst/>
-          </a:prstGeom>
-          <a:noFill/>
-          <a:ln w="9525">
-            <a:noFill/>
-            <a:miter lim="800000"/>
-            <a:headEnd/>
-            <a:tailEnd/>
-          </a:ln>
-          <a:effectLst/>
-        </p:spPr>
-        <p:txBody>
-          <a:bodyPr>
-            <a:spAutoFit/>
-          </a:bodyPr>
-          <a:lstStyle/>
-          <a:p>
-            <a:r>
-              <a:rPr lang="pt-BR" sz="2000" dirty="0">
-                <a:solidFill>
-                  <a:schemeClr val="hlink"/>
-                </a:solidFill>
-              </a:rPr>
-              <a:t>erro</a:t>
-            </a:r>
-          </a:p>
-        </p:txBody>
-      </p:sp>
-      <p:sp>
-        <p:nvSpPr>
-          <p:cNvPr id="12" name="Text Box 10"/>
-          <p:cNvSpPr txBox="1">
-            <a:spLocks noChangeArrowheads="1"/>
-          </p:cNvSpPr>
-          <p:nvPr/>
-        </p:nvSpPr>
-        <p:spPr bwMode="auto">
-          <a:xfrm>
-            <a:off x="2200300" y="3624258"/>
-            <a:ext cx="1295400" cy="646331"/>
-          </a:xfrm>
-          <a:prstGeom prst="rect">
-            <a:avLst/>
-          </a:prstGeom>
-          <a:noFill/>
-          <a:ln w="9525">
-            <a:noFill/>
-            <a:miter lim="800000"/>
-            <a:headEnd/>
-            <a:tailEnd/>
-          </a:ln>
-          <a:effectLst/>
-        </p:spPr>
-        <p:txBody>
-          <a:bodyPr>
-            <a:spAutoFit/>
-          </a:bodyPr>
-          <a:lstStyle/>
-          <a:p>
-            <a:pPr algn="ctr"/>
-            <a:r>
-              <a:rPr lang="pt-BR" dirty="0" smtClean="0"/>
-              <a:t>Postura predita</a:t>
-            </a:r>
-            <a:endParaRPr lang="pt-BR" dirty="0"/>
-          </a:p>
-        </p:txBody>
-      </p:sp>
-      <p:sp>
-        <p:nvSpPr>
-          <p:cNvPr id="13" name="Line 11"/>
-          <p:cNvSpPr>
-            <a:spLocks noChangeShapeType="1"/>
-          </p:cNvSpPr>
-          <p:nvPr/>
-        </p:nvSpPr>
-        <p:spPr bwMode="auto">
-          <a:xfrm>
-            <a:off x="5629300" y="4157658"/>
-            <a:ext cx="1143000" cy="0"/>
-          </a:xfrm>
-          <a:prstGeom prst="line">
-            <a:avLst/>
-          </a:prstGeom>
-          <a:noFill/>
-          <a:ln w="9525">
-            <a:solidFill>
-              <a:schemeClr val="tx1"/>
-            </a:solidFill>
-            <a:miter lim="800000"/>
-            <a:headEnd/>
-            <a:tailEnd type="none" w="lg" len="lg"/>
-          </a:ln>
-          <a:effectLst/>
-        </p:spPr>
-        <p:txBody>
-          <a:bodyPr wrap="none"/>
-          <a:lstStyle/>
-          <a:p>
-            <a:endParaRPr lang="pt-BR"/>
-          </a:p>
-        </p:txBody>
-      </p:sp>
-      <p:sp>
-        <p:nvSpPr>
-          <p:cNvPr id="14" name="Line 12"/>
-          <p:cNvSpPr>
-            <a:spLocks noChangeShapeType="1"/>
-          </p:cNvSpPr>
-          <p:nvPr/>
-        </p:nvSpPr>
-        <p:spPr bwMode="auto">
-          <a:xfrm>
-            <a:off x="3038500" y="5224458"/>
-            <a:ext cx="5029200" cy="0"/>
-          </a:xfrm>
-          <a:prstGeom prst="line">
-            <a:avLst/>
-          </a:prstGeom>
-          <a:noFill/>
-          <a:ln w="9525">
-            <a:solidFill>
-              <a:schemeClr val="tx1"/>
-            </a:solidFill>
-            <a:miter lim="800000"/>
-            <a:headEnd/>
-            <a:tailEnd type="triangle" w="lg" len="lg"/>
-          </a:ln>
-          <a:effectLst/>
-        </p:spPr>
-        <p:txBody>
-          <a:bodyPr wrap="none"/>
-          <a:lstStyle/>
-          <a:p>
-            <a:endParaRPr lang="pt-BR"/>
-          </a:p>
-        </p:txBody>
-      </p:sp>
-      <p:sp>
-        <p:nvSpPr>
-          <p:cNvPr id="15" name="Text Box 13"/>
-          <p:cNvSpPr txBox="1">
-            <a:spLocks noChangeArrowheads="1"/>
-          </p:cNvSpPr>
-          <p:nvPr/>
-        </p:nvSpPr>
-        <p:spPr bwMode="auto">
-          <a:xfrm rot="5400000">
-            <a:off x="6524650" y="4422125"/>
-            <a:ext cx="3733800" cy="461665"/>
-          </a:xfrm>
-          <a:prstGeom prst="rect">
-            <a:avLst/>
-          </a:prstGeom>
-          <a:noFill/>
-          <a:ln w="38100" cmpd="dbl">
-            <a:solidFill>
-              <a:schemeClr val="tx1"/>
-            </a:solidFill>
-            <a:miter lim="800000"/>
-            <a:headEnd/>
-            <a:tailEnd/>
-          </a:ln>
-          <a:effectLst/>
-        </p:spPr>
-        <p:txBody>
-          <a:bodyPr>
-            <a:spAutoFit/>
-          </a:bodyPr>
-          <a:lstStyle/>
-          <a:p>
-            <a:pPr algn="ctr"/>
-            <a:r>
-              <a:rPr lang="pt-BR" sz="2400" dirty="0" smtClean="0"/>
-              <a:t>EKF</a:t>
-            </a:r>
-            <a:endParaRPr lang="pt-BR" sz="2400" dirty="0"/>
-          </a:p>
-        </p:txBody>
-      </p:sp>
-      <p:sp>
-        <p:nvSpPr>
-          <p:cNvPr id="16" name="Line 14"/>
-          <p:cNvSpPr>
-            <a:spLocks noChangeShapeType="1"/>
-          </p:cNvSpPr>
-          <p:nvPr/>
-        </p:nvSpPr>
-        <p:spPr bwMode="auto">
-          <a:xfrm>
-            <a:off x="4714900" y="2938458"/>
-            <a:ext cx="1676400" cy="0"/>
-          </a:xfrm>
-          <a:prstGeom prst="line">
-            <a:avLst/>
-          </a:prstGeom>
-          <a:noFill/>
-          <a:ln w="9525">
-            <a:solidFill>
-              <a:schemeClr val="tx1"/>
-            </a:solidFill>
-            <a:miter lim="800000"/>
-            <a:headEnd/>
-            <a:tailEnd type="triangle" w="lg" len="lg"/>
-          </a:ln>
-          <a:effectLst/>
-        </p:spPr>
-        <p:txBody>
-          <a:bodyPr wrap="none"/>
-          <a:lstStyle/>
-          <a:p>
-            <a:endParaRPr lang="pt-BR"/>
-          </a:p>
-        </p:txBody>
-      </p:sp>
-      <p:sp>
-        <p:nvSpPr>
-          <p:cNvPr id="17" name="Text Box 15"/>
-          <p:cNvSpPr txBox="1">
-            <a:spLocks noChangeArrowheads="1"/>
-          </p:cNvSpPr>
-          <p:nvPr/>
-        </p:nvSpPr>
-        <p:spPr bwMode="auto">
-          <a:xfrm>
-            <a:off x="4486300" y="2328858"/>
-            <a:ext cx="1524000" cy="646331"/>
-          </a:xfrm>
-          <a:prstGeom prst="rect">
-            <a:avLst/>
-          </a:prstGeom>
-          <a:noFill/>
-          <a:ln w="9525">
-            <a:noFill/>
-            <a:miter lim="800000"/>
-            <a:headEnd/>
-            <a:tailEnd/>
-          </a:ln>
-          <a:effectLst/>
-        </p:spPr>
-        <p:txBody>
-          <a:bodyPr>
-            <a:spAutoFit/>
-          </a:bodyPr>
-          <a:lstStyle/>
-          <a:p>
-            <a:pPr algn="ctr"/>
-            <a:r>
-              <a:rPr lang="pt-BR" dirty="0" smtClean="0"/>
-              <a:t>Observações Reais</a:t>
-            </a:r>
-            <a:endParaRPr lang="pt-BR" dirty="0"/>
-          </a:p>
-        </p:txBody>
-      </p:sp>
-      <p:sp>
-        <p:nvSpPr>
-          <p:cNvPr id="18" name="Text Box 16"/>
-          <p:cNvSpPr txBox="1">
-            <a:spLocks noChangeArrowheads="1"/>
-          </p:cNvSpPr>
-          <p:nvPr/>
-        </p:nvSpPr>
-        <p:spPr bwMode="auto">
-          <a:xfrm>
-            <a:off x="5176421" y="5857892"/>
-            <a:ext cx="812274" cy="369332"/>
-          </a:xfrm>
-          <a:prstGeom prst="rect">
-            <a:avLst/>
-          </a:prstGeom>
-          <a:noFill/>
-          <a:ln w="38100" cmpd="dbl">
-            <a:solidFill>
-              <a:schemeClr val="tx1"/>
-            </a:solidFill>
-            <a:miter lim="800000"/>
-            <a:headEnd/>
-            <a:tailEnd/>
-          </a:ln>
-          <a:effectLst/>
-        </p:spPr>
-        <p:txBody>
-          <a:bodyPr wrap="none">
-            <a:spAutoFit/>
-          </a:bodyPr>
-          <a:lstStyle/>
-          <a:p>
-            <a:pPr algn="ctr"/>
-            <a:r>
-              <a:rPr lang="pt-BR" dirty="0" smtClean="0"/>
-              <a:t>atraso</a:t>
-            </a:r>
-            <a:endParaRPr lang="pt-BR" dirty="0"/>
-          </a:p>
-        </p:txBody>
-      </p:sp>
-      <p:sp>
-        <p:nvSpPr>
-          <p:cNvPr id="19" name="Text Box 17"/>
-          <p:cNvSpPr txBox="1">
-            <a:spLocks noChangeArrowheads="1"/>
-          </p:cNvSpPr>
-          <p:nvPr/>
-        </p:nvSpPr>
-        <p:spPr bwMode="auto">
-          <a:xfrm>
-            <a:off x="6072198" y="5726108"/>
-            <a:ext cx="2000264" cy="646331"/>
-          </a:xfrm>
-          <a:prstGeom prst="rect">
-            <a:avLst/>
-          </a:prstGeom>
-          <a:noFill/>
-          <a:ln w="9525">
-            <a:noFill/>
-            <a:miter lim="800000"/>
-            <a:headEnd/>
-            <a:tailEnd/>
-          </a:ln>
-          <a:effectLst/>
-        </p:spPr>
-        <p:txBody>
-          <a:bodyPr wrap="square">
-            <a:spAutoFit/>
-          </a:bodyPr>
-          <a:lstStyle/>
-          <a:p>
-            <a:pPr algn="ctr"/>
-            <a:r>
-              <a:rPr lang="pt-BR" dirty="0" smtClean="0"/>
-              <a:t>Postura estimada atual</a:t>
-            </a:r>
-            <a:endParaRPr lang="pt-BR" dirty="0"/>
-          </a:p>
-        </p:txBody>
-      </p:sp>
-      <p:sp>
-        <p:nvSpPr>
-          <p:cNvPr id="20" name="Line 18"/>
-          <p:cNvSpPr>
-            <a:spLocks noChangeShapeType="1"/>
-          </p:cNvSpPr>
-          <p:nvPr/>
-        </p:nvSpPr>
-        <p:spPr bwMode="auto">
-          <a:xfrm flipH="1">
-            <a:off x="6000760" y="6062658"/>
-            <a:ext cx="2066940" cy="9548"/>
-          </a:xfrm>
-          <a:prstGeom prst="line">
-            <a:avLst/>
-          </a:prstGeom>
-          <a:noFill/>
-          <a:ln w="9525">
-            <a:solidFill>
-              <a:schemeClr val="tx1"/>
-            </a:solidFill>
-            <a:miter lim="800000"/>
-            <a:headEnd/>
-            <a:tailEnd type="triangle" w="lg" len="lg"/>
-          </a:ln>
-          <a:effectLst/>
-        </p:spPr>
-        <p:txBody>
-          <a:bodyPr wrap="none"/>
-          <a:lstStyle/>
-          <a:p>
-            <a:endParaRPr lang="pt-BR"/>
-          </a:p>
-        </p:txBody>
-      </p:sp>
-      <p:sp>
-        <p:nvSpPr>
-          <p:cNvPr id="21" name="Line 19"/>
-          <p:cNvSpPr>
-            <a:spLocks noChangeShapeType="1"/>
-          </p:cNvSpPr>
-          <p:nvPr/>
-        </p:nvSpPr>
-        <p:spPr bwMode="auto">
-          <a:xfrm flipH="1" flipV="1">
-            <a:off x="2962300" y="6062658"/>
-            <a:ext cx="2252642" cy="9548"/>
-          </a:xfrm>
-          <a:prstGeom prst="line">
-            <a:avLst/>
-          </a:prstGeom>
-          <a:noFill/>
-          <a:ln w="9525">
-            <a:solidFill>
-              <a:schemeClr val="tx1"/>
-            </a:solidFill>
-            <a:miter lim="800000"/>
-            <a:headEnd/>
-            <a:tailEnd type="triangle" w="lg" len="lg"/>
-          </a:ln>
-          <a:effectLst/>
-        </p:spPr>
-        <p:txBody>
-          <a:bodyPr wrap="none"/>
-          <a:lstStyle/>
-          <a:p>
-            <a:endParaRPr lang="pt-BR"/>
-          </a:p>
-        </p:txBody>
-      </p:sp>
-      <p:sp>
-        <p:nvSpPr>
-          <p:cNvPr id="22" name="Line 20"/>
-          <p:cNvSpPr>
-            <a:spLocks noChangeShapeType="1"/>
-          </p:cNvSpPr>
-          <p:nvPr/>
-        </p:nvSpPr>
-        <p:spPr bwMode="auto">
-          <a:xfrm flipV="1">
-            <a:off x="2200300" y="4233858"/>
-            <a:ext cx="0" cy="1371600"/>
-          </a:xfrm>
-          <a:prstGeom prst="line">
-            <a:avLst/>
-          </a:prstGeom>
-          <a:noFill/>
-          <a:ln w="12700">
-            <a:solidFill>
-              <a:schemeClr val="tx1"/>
-            </a:solidFill>
-            <a:miter lim="800000"/>
-            <a:headEnd/>
-            <a:tailEnd/>
-          </a:ln>
-          <a:effectLst/>
-        </p:spPr>
-        <p:txBody>
-          <a:bodyPr wrap="none"/>
-          <a:lstStyle/>
-          <a:p>
-            <a:endParaRPr lang="pt-BR"/>
-          </a:p>
-        </p:txBody>
-      </p:sp>
-      <p:sp>
-        <p:nvSpPr>
-          <p:cNvPr id="23" name="Text Box 21"/>
-          <p:cNvSpPr txBox="1">
-            <a:spLocks noChangeArrowheads="1"/>
-          </p:cNvSpPr>
-          <p:nvPr/>
-        </p:nvSpPr>
-        <p:spPr bwMode="auto">
-          <a:xfrm>
-            <a:off x="3143240" y="5715016"/>
-            <a:ext cx="2138362" cy="646331"/>
-          </a:xfrm>
-          <a:prstGeom prst="rect">
-            <a:avLst/>
-          </a:prstGeom>
-          <a:noFill/>
-          <a:ln w="9525">
-            <a:noFill/>
-            <a:miter lim="800000"/>
-            <a:headEnd/>
-            <a:tailEnd/>
-          </a:ln>
-          <a:effectLst/>
-        </p:spPr>
-        <p:txBody>
-          <a:bodyPr wrap="square">
-            <a:spAutoFit/>
-          </a:bodyPr>
-          <a:lstStyle/>
-          <a:p>
-            <a:pPr algn="ctr"/>
-            <a:r>
-              <a:rPr lang="pt-BR" dirty="0" smtClean="0"/>
-              <a:t>Postura estimada anterior</a:t>
-            </a:r>
-            <a:endParaRPr lang="pt-BR" dirty="0"/>
-          </a:p>
-        </p:txBody>
-      </p:sp>
-      <p:sp>
-        <p:nvSpPr>
-          <p:cNvPr id="24" name="AutoShape 22"/>
-          <p:cNvSpPr>
-            <a:spLocks noChangeArrowheads="1"/>
-          </p:cNvSpPr>
-          <p:nvPr/>
-        </p:nvSpPr>
-        <p:spPr bwMode="auto">
-          <a:xfrm>
-            <a:off x="6391300" y="2557458"/>
-            <a:ext cx="762000" cy="762000"/>
-          </a:xfrm>
-          <a:prstGeom prst="flowChartOr">
-            <a:avLst/>
-          </a:prstGeom>
-          <a:noFill/>
-          <a:ln w="9525">
-            <a:solidFill>
-              <a:schemeClr val="tx1"/>
-            </a:solidFill>
-            <a:miter lim="800000"/>
-            <a:headEnd/>
-            <a:tailEnd/>
-          </a:ln>
-          <a:effectLst/>
-        </p:spPr>
-        <p:txBody>
-          <a:bodyPr wrap="none" anchor="ctr"/>
-          <a:lstStyle/>
-          <a:p>
-            <a:endParaRPr lang="pt-BR"/>
-          </a:p>
-        </p:txBody>
-      </p:sp>
-      <p:sp>
-        <p:nvSpPr>
-          <p:cNvPr id="25" name="Text Box 23"/>
-          <p:cNvSpPr txBox="1">
-            <a:spLocks noChangeArrowheads="1"/>
-          </p:cNvSpPr>
-          <p:nvPr/>
-        </p:nvSpPr>
-        <p:spPr bwMode="auto">
-          <a:xfrm>
-            <a:off x="6086500" y="2481258"/>
-            <a:ext cx="381000" cy="457200"/>
-          </a:xfrm>
-          <a:prstGeom prst="rect">
-            <a:avLst/>
-          </a:prstGeom>
-          <a:noFill/>
-          <a:ln w="9525">
-            <a:noFill/>
-            <a:miter lim="800000"/>
-            <a:headEnd/>
-            <a:tailEnd/>
-          </a:ln>
-          <a:effectLst/>
-        </p:spPr>
-        <p:txBody>
-          <a:bodyPr>
-            <a:spAutoFit/>
-          </a:bodyPr>
-          <a:lstStyle/>
-          <a:p>
-            <a:pPr>
-              <a:spcBef>
-                <a:spcPct val="50000"/>
-              </a:spcBef>
-            </a:pPr>
-            <a:r>
-              <a:rPr lang="pt-BR" sz="2400"/>
-              <a:t>+</a:t>
-            </a:r>
-            <a:endParaRPr lang="en-US" sz="2400"/>
-          </a:p>
-        </p:txBody>
-      </p:sp>
-      <p:sp>
-        <p:nvSpPr>
-          <p:cNvPr id="26" name="Text Box 24"/>
-          <p:cNvSpPr txBox="1">
-            <a:spLocks noChangeArrowheads="1"/>
-          </p:cNvSpPr>
-          <p:nvPr/>
-        </p:nvSpPr>
-        <p:spPr bwMode="auto">
-          <a:xfrm>
-            <a:off x="6924700" y="3167058"/>
-            <a:ext cx="381000" cy="457200"/>
-          </a:xfrm>
-          <a:prstGeom prst="rect">
-            <a:avLst/>
-          </a:prstGeom>
-          <a:noFill/>
-          <a:ln w="9525">
-            <a:noFill/>
-            <a:miter lim="800000"/>
-            <a:headEnd/>
-            <a:tailEnd/>
-          </a:ln>
-          <a:effectLst/>
-        </p:spPr>
-        <p:txBody>
-          <a:bodyPr>
-            <a:spAutoFit/>
-          </a:bodyPr>
-          <a:lstStyle/>
-          <a:p>
-            <a:pPr>
-              <a:spcBef>
-                <a:spcPct val="50000"/>
-              </a:spcBef>
-            </a:pPr>
-            <a:r>
-              <a:rPr lang="pt-BR" sz="2400"/>
-              <a:t>-</a:t>
-            </a:r>
-            <a:endParaRPr lang="en-US" sz="2400"/>
-          </a:p>
-        </p:txBody>
-      </p:sp>
-      <p:sp>
-        <p:nvSpPr>
-          <p:cNvPr id="27" name="Text Box 25"/>
-          <p:cNvSpPr txBox="1">
-            <a:spLocks noChangeArrowheads="1"/>
-          </p:cNvSpPr>
-          <p:nvPr/>
-        </p:nvSpPr>
-        <p:spPr bwMode="auto">
-          <a:xfrm>
-            <a:off x="5781700" y="4125908"/>
-            <a:ext cx="1524000" cy="641350"/>
-          </a:xfrm>
-          <a:prstGeom prst="rect">
-            <a:avLst/>
-          </a:prstGeom>
-          <a:noFill/>
-          <a:ln w="9525">
-            <a:noFill/>
-            <a:miter lim="800000"/>
-            <a:headEnd/>
-            <a:tailEnd/>
-          </a:ln>
-          <a:effectLst/>
-        </p:spPr>
-        <p:txBody>
-          <a:bodyPr>
-            <a:spAutoFit/>
-          </a:bodyPr>
-          <a:lstStyle/>
-          <a:p>
-            <a:pPr algn="ctr"/>
-            <a:r>
-              <a:rPr lang="pt-BR" dirty="0"/>
-              <a:t>Observações </a:t>
-            </a:r>
-            <a:r>
-              <a:rPr lang="pt-BR" dirty="0" smtClean="0"/>
-              <a:t>Esperadas</a:t>
-            </a:r>
-            <a:endParaRPr lang="pt-BR" dirty="0"/>
-          </a:p>
-        </p:txBody>
-      </p:sp>
-      <p:sp>
-        <p:nvSpPr>
-          <p:cNvPr id="28" name="Line 26"/>
-          <p:cNvSpPr>
-            <a:spLocks noChangeShapeType="1"/>
-          </p:cNvSpPr>
-          <p:nvPr/>
-        </p:nvSpPr>
-        <p:spPr bwMode="auto">
-          <a:xfrm>
-            <a:off x="1133500" y="4614858"/>
-            <a:ext cx="0" cy="990600"/>
-          </a:xfrm>
-          <a:prstGeom prst="line">
-            <a:avLst/>
-          </a:prstGeom>
-          <a:noFill/>
-          <a:ln w="9525">
-            <a:solidFill>
-              <a:schemeClr val="folHlink"/>
-            </a:solidFill>
-            <a:prstDash val="lgDash"/>
-            <a:miter lim="800000"/>
-            <a:headEnd/>
-            <a:tailEnd type="triangle" w="med" len="med"/>
-          </a:ln>
-          <a:effectLst/>
-        </p:spPr>
-        <p:txBody>
-          <a:bodyPr wrap="none"/>
-          <a:lstStyle/>
-          <a:p>
-            <a:endParaRPr lang="pt-BR"/>
-          </a:p>
-        </p:txBody>
-      </p:sp>
-      <p:sp>
-        <p:nvSpPr>
-          <p:cNvPr id="29" name="Line 27"/>
-          <p:cNvSpPr>
-            <a:spLocks noChangeShapeType="1"/>
-          </p:cNvSpPr>
-          <p:nvPr/>
-        </p:nvSpPr>
-        <p:spPr bwMode="auto">
-          <a:xfrm>
-            <a:off x="3800500" y="2557458"/>
-            <a:ext cx="0" cy="1066800"/>
-          </a:xfrm>
-          <a:prstGeom prst="line">
-            <a:avLst/>
-          </a:prstGeom>
-          <a:noFill/>
-          <a:ln w="9525">
-            <a:solidFill>
-              <a:schemeClr val="folHlink"/>
-            </a:solidFill>
-            <a:prstDash val="lgDash"/>
-            <a:miter lim="800000"/>
-            <a:headEnd/>
-            <a:tailEnd type="triangle" w="med" len="med"/>
-          </a:ln>
-          <a:effectLst/>
-        </p:spPr>
-        <p:txBody>
-          <a:bodyPr wrap="none"/>
-          <a:lstStyle/>
-          <a:p>
-            <a:endParaRPr lang="pt-BR"/>
-          </a:p>
-        </p:txBody>
-      </p:sp>
-      <p:sp>
-        <p:nvSpPr>
-          <p:cNvPr id="30" name="Text Box 28"/>
-          <p:cNvSpPr txBox="1">
-            <a:spLocks noChangeArrowheads="1"/>
-          </p:cNvSpPr>
-          <p:nvPr/>
-        </p:nvSpPr>
-        <p:spPr bwMode="auto">
-          <a:xfrm>
-            <a:off x="714348" y="4143380"/>
-            <a:ext cx="1371600" cy="366713"/>
-          </a:xfrm>
-          <a:prstGeom prst="rect">
-            <a:avLst/>
-          </a:prstGeom>
-          <a:noFill/>
-          <a:ln w="9525">
-            <a:noFill/>
-            <a:miter lim="800000"/>
-            <a:headEnd/>
-            <a:tailEnd/>
-          </a:ln>
-          <a:effectLst/>
-        </p:spPr>
-        <p:txBody>
-          <a:bodyPr>
-            <a:spAutoFit/>
-          </a:bodyPr>
-          <a:lstStyle/>
-          <a:p>
-            <a:r>
-              <a:rPr lang="pt-BR" dirty="0" err="1" smtClean="0">
-                <a:solidFill>
-                  <a:schemeClr val="folHlink"/>
-                </a:solidFill>
-              </a:rPr>
-              <a:t>Odômetro</a:t>
-            </a:r>
-            <a:endParaRPr lang="pt-BR" dirty="0">
-              <a:solidFill>
-                <a:schemeClr val="folHlink"/>
-              </a:solidFill>
-            </a:endParaRPr>
-          </a:p>
-        </p:txBody>
-      </p:sp>
-      <p:sp>
-        <p:nvSpPr>
-          <p:cNvPr id="31" name="Text Box 29"/>
-          <p:cNvSpPr txBox="1">
-            <a:spLocks noChangeArrowheads="1"/>
-          </p:cNvSpPr>
-          <p:nvPr/>
-        </p:nvSpPr>
-        <p:spPr bwMode="auto">
-          <a:xfrm>
-            <a:off x="2000232" y="2357430"/>
-            <a:ext cx="914360" cy="369332"/>
-          </a:xfrm>
-          <a:prstGeom prst="rect">
-            <a:avLst/>
-          </a:prstGeom>
-          <a:noFill/>
-          <a:ln w="9525">
-            <a:noFill/>
-            <a:miter lim="800000"/>
-            <a:headEnd/>
-            <a:tailEnd/>
-          </a:ln>
-          <a:effectLst/>
-        </p:spPr>
-        <p:txBody>
-          <a:bodyPr wrap="square">
-            <a:spAutoFit/>
-          </a:bodyPr>
-          <a:lstStyle/>
-          <a:p>
-            <a:r>
-              <a:rPr lang="pt-BR" dirty="0" smtClean="0">
-                <a:solidFill>
-                  <a:schemeClr val="folHlink"/>
-                </a:solidFill>
-              </a:rPr>
-              <a:t>Mapa</a:t>
-            </a:r>
-            <a:endParaRPr lang="pt-BR" dirty="0">
-              <a:solidFill>
-                <a:schemeClr val="folHlink"/>
-              </a:solidFill>
-            </a:endParaRPr>
-          </a:p>
-        </p:txBody>
-      </p:sp>
-      <p:sp>
-        <p:nvSpPr>
-          <p:cNvPr id="32" name="Line 30"/>
-          <p:cNvSpPr>
-            <a:spLocks noChangeShapeType="1"/>
-          </p:cNvSpPr>
-          <p:nvPr/>
-        </p:nvSpPr>
-        <p:spPr bwMode="auto">
-          <a:xfrm flipH="1" flipV="1">
-            <a:off x="2733700" y="2557458"/>
-            <a:ext cx="1066800" cy="0"/>
-          </a:xfrm>
-          <a:prstGeom prst="line">
-            <a:avLst/>
-          </a:prstGeom>
-          <a:noFill/>
-          <a:ln w="9525">
-            <a:solidFill>
-              <a:schemeClr val="folHlink"/>
-            </a:solidFill>
-            <a:prstDash val="lgDash"/>
-            <a:miter lim="800000"/>
-            <a:headEnd/>
-            <a:tailEnd/>
-          </a:ln>
-          <a:effectLst/>
-        </p:spPr>
-        <p:txBody>
-          <a:bodyPr wrap="none"/>
-          <a:lstStyle/>
-          <a:p>
-            <a:endParaRPr lang="pt-BR"/>
           </a:p>
         </p:txBody>
       </p:sp>
@@ -8983,7 +9217,15 @@
           <a:p>
             <a:r>
               <a:rPr lang="pt-BR" dirty="0" smtClean="0"/>
-              <a:t>Modelo de Observação</a:t>
+              <a:t>Filtro de </a:t>
+            </a:r>
+            <a:r>
+              <a:rPr lang="pt-BR" dirty="0" err="1" smtClean="0"/>
+              <a:t>Kalman</a:t>
+            </a:r>
+            <a:r>
+              <a:rPr lang="pt-BR" dirty="0" smtClean="0"/>
+              <a:t> Estendido</a:t>
             </a:r>
             <a:endParaRPr lang="pt-BR" dirty="0"/>
           </a:p>
@@ -8999,14 +9241,19 @@
             <p:ph idx="1"/>
           </p:nvPr>
         </p:nvSpPr>
-        <p:spPr/>
+        <p:spPr>
+          <a:xfrm>
+            <a:off x="838200" y="1524001"/>
+            <a:ext cx="8116888" cy="547678"/>
+          </a:xfrm>
+        </p:spPr>
         <p:txBody>
           <a:bodyPr/>
           <a:lstStyle/>
           <a:p>
             <a:r>
               <a:rPr lang="pt-BR" dirty="0" smtClean="0"/>
-              <a:t>Correção de estimativas</a:t>
+              <a:t>Filtro Bayesiano recursivo</a:t>
             </a:r>
             <a:endParaRPr lang="pt-BR" dirty="0"/>
           </a:p>
@@ -9036,25 +9283,258 @@
           </a:p>
         </p:txBody>
       </p:sp>
-      <p:pic>
-        <p:nvPicPr>
-          <p:cNvPr id="22531" name="Picture 3"/>
-          <p:cNvPicPr>
-            <a:picLocks noChangeAspect="1" noChangeArrowheads="1"/>
-          </p:cNvPicPr>
+      <p:sp>
+        <p:nvSpPr>
+          <p:cNvPr id="5" name="Line 3"/>
+          <p:cNvSpPr>
+            <a:spLocks noChangeShapeType="1"/>
+          </p:cNvSpPr>
           <p:nvPr/>
-        </p:nvPicPr>
-        <p:blipFill>
-          <a:blip r:embed="rId2" cstate="print"/>
-          <a:srcRect t="1663" b="239"/>
-          <a:stretch>
-            <a:fillRect/>
-          </a:stretch>
-        </p:blipFill>
+        </p:nvSpPr>
         <p:spPr bwMode="auto">
           <a:xfrm>
-            <a:off x="585768" y="2357430"/>
-            <a:ext cx="8558232" cy="4214842"/>
+            <a:off x="3038500" y="4233858"/>
+            <a:ext cx="0" cy="990600"/>
+          </a:xfrm>
+          <a:prstGeom prst="line">
+            <a:avLst/>
+          </a:prstGeom>
+          <a:noFill/>
+          <a:ln w="9525">
+            <a:solidFill>
+              <a:schemeClr val="tx1"/>
+            </a:solidFill>
+            <a:miter lim="800000"/>
+            <a:headEnd/>
+            <a:tailEnd type="none" w="lg" len="lg"/>
+          </a:ln>
+          <a:effectLst/>
+        </p:spPr>
+        <p:txBody>
+          <a:bodyPr wrap="none"/>
+          <a:lstStyle/>
+          <a:p>
+            <a:endParaRPr lang="pt-BR"/>
+          </a:p>
+        </p:txBody>
+      </p:sp>
+      <p:sp>
+        <p:nvSpPr>
+          <p:cNvPr id="6" name="Text Box 4"/>
+          <p:cNvSpPr txBox="1">
+            <a:spLocks noChangeArrowheads="1"/>
+          </p:cNvSpPr>
+          <p:nvPr/>
+        </p:nvSpPr>
+        <p:spPr bwMode="auto">
+          <a:xfrm>
+            <a:off x="676300" y="5681658"/>
+            <a:ext cx="2190750" cy="860425"/>
+          </a:xfrm>
+          <a:prstGeom prst="rect">
+            <a:avLst/>
+          </a:prstGeom>
+          <a:solidFill>
+            <a:srgbClr val="00E4A8"/>
+          </a:solidFill>
+          <a:ln w="38100" cmpd="dbl">
+            <a:solidFill>
+              <a:schemeClr val="tx1"/>
+            </a:solidFill>
+            <a:miter lim="800000"/>
+            <a:headEnd/>
+            <a:tailEnd/>
+          </a:ln>
+          <a:effectLst/>
+        </p:spPr>
+        <p:txBody>
+          <a:bodyPr>
+            <a:spAutoFit/>
+          </a:bodyPr>
+          <a:lstStyle/>
+          <a:p>
+            <a:pPr algn="ctr"/>
+            <a:r>
+              <a:rPr lang="pt-BR" sz="2400"/>
+              <a:t>Modelo de</a:t>
+            </a:r>
+          </a:p>
+          <a:p>
+            <a:pPr algn="ctr"/>
+            <a:r>
+              <a:rPr lang="pt-BR" sz="2400"/>
+              <a:t>Dinâmica</a:t>
+            </a:r>
+          </a:p>
+        </p:txBody>
+      </p:sp>
+      <p:sp>
+        <p:nvSpPr>
+          <p:cNvPr id="7" name="Text Box 5"/>
+          <p:cNvSpPr txBox="1">
+            <a:spLocks noChangeArrowheads="1"/>
+          </p:cNvSpPr>
+          <p:nvPr/>
+        </p:nvSpPr>
+        <p:spPr bwMode="auto">
+          <a:xfrm>
+            <a:off x="3571900" y="3776658"/>
+            <a:ext cx="2028825" cy="860425"/>
+          </a:xfrm>
+          <a:prstGeom prst="rect">
+            <a:avLst/>
+          </a:prstGeom>
+          <a:solidFill>
+            <a:schemeClr val="accent5"/>
+          </a:solidFill>
+          <a:ln w="38100" cmpd="dbl">
+            <a:solidFill>
+              <a:schemeClr val="tx1"/>
+            </a:solidFill>
+            <a:miter lim="800000"/>
+            <a:headEnd/>
+            <a:tailEnd/>
+          </a:ln>
+          <a:effectLst/>
+        </p:spPr>
+        <p:txBody>
+          <a:bodyPr>
+            <a:spAutoFit/>
+          </a:bodyPr>
+          <a:lstStyle/>
+          <a:p>
+            <a:pPr algn="ctr"/>
+            <a:r>
+              <a:rPr lang="pt-BR" sz="2400" dirty="0"/>
+              <a:t>Modelo de</a:t>
+            </a:r>
+          </a:p>
+          <a:p>
+            <a:pPr algn="ctr"/>
+            <a:r>
+              <a:rPr lang="pt-BR" sz="2400" dirty="0"/>
+              <a:t>Observação</a:t>
+            </a:r>
+          </a:p>
+        </p:txBody>
+      </p:sp>
+      <p:sp>
+        <p:nvSpPr>
+          <p:cNvPr id="8" name="Line 6"/>
+          <p:cNvSpPr>
+            <a:spLocks noChangeShapeType="1"/>
+          </p:cNvSpPr>
+          <p:nvPr/>
+        </p:nvSpPr>
+        <p:spPr bwMode="auto">
+          <a:xfrm>
+            <a:off x="2200300" y="4233858"/>
+            <a:ext cx="1295400" cy="0"/>
+          </a:xfrm>
+          <a:prstGeom prst="line">
+            <a:avLst/>
+          </a:prstGeom>
+          <a:noFill/>
+          <a:ln w="9525">
+            <a:solidFill>
+              <a:schemeClr val="tx1"/>
+            </a:solidFill>
+            <a:miter lim="800000"/>
+            <a:headEnd/>
+            <a:tailEnd type="triangle" w="lg" len="lg"/>
+          </a:ln>
+          <a:effectLst/>
+        </p:spPr>
+        <p:txBody>
+          <a:bodyPr wrap="none"/>
+          <a:lstStyle/>
+          <a:p>
+            <a:endParaRPr lang="pt-BR"/>
+          </a:p>
+        </p:txBody>
+      </p:sp>
+      <p:sp>
+        <p:nvSpPr>
+          <p:cNvPr id="9" name="Line 7"/>
+          <p:cNvSpPr>
+            <a:spLocks noChangeShapeType="1"/>
+          </p:cNvSpPr>
+          <p:nvPr/>
+        </p:nvSpPr>
+        <p:spPr bwMode="auto">
+          <a:xfrm>
+            <a:off x="7153300" y="2938458"/>
+            <a:ext cx="914400" cy="0"/>
+          </a:xfrm>
+          <a:prstGeom prst="line">
+            <a:avLst/>
+          </a:prstGeom>
+          <a:noFill/>
+          <a:ln w="9525">
+            <a:solidFill>
+              <a:schemeClr val="hlink"/>
+            </a:solidFill>
+            <a:miter lim="800000"/>
+            <a:headEnd/>
+            <a:tailEnd type="triangle" w="lg" len="lg"/>
+          </a:ln>
+          <a:effectLst/>
+        </p:spPr>
+        <p:txBody>
+          <a:bodyPr wrap="none"/>
+          <a:lstStyle/>
+          <a:p>
+            <a:endParaRPr lang="pt-BR"/>
+          </a:p>
+        </p:txBody>
+      </p:sp>
+      <p:sp>
+        <p:nvSpPr>
+          <p:cNvPr id="10" name="Line 8"/>
+          <p:cNvSpPr>
+            <a:spLocks noChangeShapeType="1"/>
+          </p:cNvSpPr>
+          <p:nvPr/>
+        </p:nvSpPr>
+        <p:spPr bwMode="auto">
+          <a:xfrm flipV="1">
+            <a:off x="6772300" y="3319458"/>
+            <a:ext cx="0" cy="838200"/>
+          </a:xfrm>
+          <a:prstGeom prst="line">
+            <a:avLst/>
+          </a:prstGeom>
+          <a:noFill/>
+          <a:ln w="9525">
+            <a:solidFill>
+              <a:schemeClr val="tx1"/>
+            </a:solidFill>
+            <a:miter lim="800000"/>
+            <a:headEnd/>
+            <a:tailEnd type="triangle" w="lg" len="lg"/>
+          </a:ln>
+          <a:effectLst/>
+        </p:spPr>
+        <p:txBody>
+          <a:bodyPr wrap="none"/>
+          <a:lstStyle/>
+          <a:p>
+            <a:endParaRPr lang="pt-BR"/>
+          </a:p>
+        </p:txBody>
+      </p:sp>
+      <p:sp>
+        <p:nvSpPr>
+          <p:cNvPr id="11" name="Text Box 9"/>
+          <p:cNvSpPr txBox="1">
+            <a:spLocks noChangeArrowheads="1"/>
+          </p:cNvSpPr>
+          <p:nvPr/>
+        </p:nvSpPr>
+        <p:spPr bwMode="auto">
+          <a:xfrm>
+            <a:off x="7213625" y="2541583"/>
+            <a:ext cx="777875" cy="396875"/>
           </a:xfrm>
           <a:prstGeom prst="rect">
             <a:avLst/>
@@ -9066,8 +9546,848 @@
             <a:headEnd/>
             <a:tailEnd/>
           </a:ln>
-        </p:spPr>
-      </p:pic>
+          <a:effectLst/>
+        </p:spPr>
+        <p:txBody>
+          <a:bodyPr>
+            <a:spAutoFit/>
+          </a:bodyPr>
+          <a:lstStyle/>
+          <a:p>
+            <a:r>
+              <a:rPr lang="pt-BR" sz="2000" dirty="0">
+                <a:solidFill>
+                  <a:schemeClr val="hlink"/>
+                </a:solidFill>
+              </a:rPr>
+              <a:t>erro</a:t>
+            </a:r>
+          </a:p>
+        </p:txBody>
+      </p:sp>
+      <p:sp>
+        <p:nvSpPr>
+          <p:cNvPr id="12" name="Text Box 10"/>
+          <p:cNvSpPr txBox="1">
+            <a:spLocks noChangeArrowheads="1"/>
+          </p:cNvSpPr>
+          <p:nvPr/>
+        </p:nvSpPr>
+        <p:spPr bwMode="auto">
+          <a:xfrm>
+            <a:off x="2200300" y="3624258"/>
+            <a:ext cx="1295400" cy="646331"/>
+          </a:xfrm>
+          <a:prstGeom prst="rect">
+            <a:avLst/>
+          </a:prstGeom>
+          <a:noFill/>
+          <a:ln w="9525">
+            <a:noFill/>
+            <a:miter lim="800000"/>
+            <a:headEnd/>
+            <a:tailEnd/>
+          </a:ln>
+          <a:effectLst/>
+        </p:spPr>
+        <p:txBody>
+          <a:bodyPr>
+            <a:spAutoFit/>
+          </a:bodyPr>
+          <a:lstStyle/>
+          <a:p>
+            <a:pPr algn="ctr"/>
+            <a:r>
+              <a:rPr lang="pt-BR" dirty="0" smtClean="0"/>
+              <a:t>Postura predita</a:t>
+            </a:r>
+            <a:endParaRPr lang="pt-BR" dirty="0"/>
+          </a:p>
+        </p:txBody>
+      </p:sp>
+      <p:sp>
+        <p:nvSpPr>
+          <p:cNvPr id="13" name="Line 11"/>
+          <p:cNvSpPr>
+            <a:spLocks noChangeShapeType="1"/>
+          </p:cNvSpPr>
+          <p:nvPr/>
+        </p:nvSpPr>
+        <p:spPr bwMode="auto">
+          <a:xfrm>
+            <a:off x="5629300" y="4157658"/>
+            <a:ext cx="1143000" cy="0"/>
+          </a:xfrm>
+          <a:prstGeom prst="line">
+            <a:avLst/>
+          </a:prstGeom>
+          <a:noFill/>
+          <a:ln w="9525">
+            <a:solidFill>
+              <a:schemeClr val="tx1"/>
+            </a:solidFill>
+            <a:miter lim="800000"/>
+            <a:headEnd/>
+            <a:tailEnd type="none" w="lg" len="lg"/>
+          </a:ln>
+          <a:effectLst/>
+        </p:spPr>
+        <p:txBody>
+          <a:bodyPr wrap="none"/>
+          <a:lstStyle/>
+          <a:p>
+            <a:endParaRPr lang="pt-BR"/>
+          </a:p>
+        </p:txBody>
+      </p:sp>
+      <p:sp>
+        <p:nvSpPr>
+          <p:cNvPr id="14" name="Line 12"/>
+          <p:cNvSpPr>
+            <a:spLocks noChangeShapeType="1"/>
+          </p:cNvSpPr>
+          <p:nvPr/>
+        </p:nvSpPr>
+        <p:spPr bwMode="auto">
+          <a:xfrm>
+            <a:off x="3038500" y="5224458"/>
+            <a:ext cx="5029200" cy="0"/>
+          </a:xfrm>
+          <a:prstGeom prst="line">
+            <a:avLst/>
+          </a:prstGeom>
+          <a:noFill/>
+          <a:ln w="9525">
+            <a:solidFill>
+              <a:schemeClr val="tx1"/>
+            </a:solidFill>
+            <a:miter lim="800000"/>
+            <a:headEnd/>
+            <a:tailEnd type="triangle" w="lg" len="lg"/>
+          </a:ln>
+          <a:effectLst/>
+        </p:spPr>
+        <p:txBody>
+          <a:bodyPr wrap="none"/>
+          <a:lstStyle/>
+          <a:p>
+            <a:endParaRPr lang="pt-BR"/>
+          </a:p>
+        </p:txBody>
+      </p:sp>
+      <p:sp>
+        <p:nvSpPr>
+          <p:cNvPr id="15" name="Text Box 13"/>
+          <p:cNvSpPr txBox="1">
+            <a:spLocks noChangeArrowheads="1"/>
+          </p:cNvSpPr>
+          <p:nvPr/>
+        </p:nvSpPr>
+        <p:spPr bwMode="auto">
+          <a:xfrm rot="5400000">
+            <a:off x="6524650" y="4422125"/>
+            <a:ext cx="3733800" cy="461665"/>
+          </a:xfrm>
+          <a:prstGeom prst="rect">
+            <a:avLst/>
+          </a:prstGeom>
+          <a:noFill/>
+          <a:ln w="38100" cmpd="dbl">
+            <a:solidFill>
+              <a:schemeClr val="tx1"/>
+            </a:solidFill>
+            <a:miter lim="800000"/>
+            <a:headEnd/>
+            <a:tailEnd/>
+          </a:ln>
+          <a:effectLst/>
+        </p:spPr>
+        <p:txBody>
+          <a:bodyPr>
+            <a:spAutoFit/>
+          </a:bodyPr>
+          <a:lstStyle/>
+          <a:p>
+            <a:pPr algn="ctr"/>
+            <a:r>
+              <a:rPr lang="pt-BR" sz="2400" dirty="0" smtClean="0"/>
+              <a:t>EKF</a:t>
+            </a:r>
+            <a:endParaRPr lang="pt-BR" sz="2400" dirty="0"/>
+          </a:p>
+        </p:txBody>
+      </p:sp>
+      <p:sp>
+        <p:nvSpPr>
+          <p:cNvPr id="16" name="Line 14"/>
+          <p:cNvSpPr>
+            <a:spLocks noChangeShapeType="1"/>
+          </p:cNvSpPr>
+          <p:nvPr/>
+        </p:nvSpPr>
+        <p:spPr bwMode="auto">
+          <a:xfrm>
+            <a:off x="4714900" y="2938458"/>
+            <a:ext cx="1676400" cy="0"/>
+          </a:xfrm>
+          <a:prstGeom prst="line">
+            <a:avLst/>
+          </a:prstGeom>
+          <a:noFill/>
+          <a:ln w="9525">
+            <a:solidFill>
+              <a:schemeClr val="tx1"/>
+            </a:solidFill>
+            <a:miter lim="800000"/>
+            <a:headEnd/>
+            <a:tailEnd type="triangle" w="lg" len="lg"/>
+          </a:ln>
+          <a:effectLst/>
+        </p:spPr>
+        <p:txBody>
+          <a:bodyPr wrap="none"/>
+          <a:lstStyle/>
+          <a:p>
+            <a:endParaRPr lang="pt-BR"/>
+          </a:p>
+        </p:txBody>
+      </p:sp>
+      <p:sp>
+        <p:nvSpPr>
+          <p:cNvPr id="17" name="Text Box 15"/>
+          <p:cNvSpPr txBox="1">
+            <a:spLocks noChangeArrowheads="1"/>
+          </p:cNvSpPr>
+          <p:nvPr/>
+        </p:nvSpPr>
+        <p:spPr bwMode="auto">
+          <a:xfrm>
+            <a:off x="4486300" y="2328858"/>
+            <a:ext cx="1524000" cy="646331"/>
+          </a:xfrm>
+          <a:prstGeom prst="rect">
+            <a:avLst/>
+          </a:prstGeom>
+          <a:noFill/>
+          <a:ln w="9525">
+            <a:noFill/>
+            <a:miter lim="800000"/>
+            <a:headEnd/>
+            <a:tailEnd/>
+          </a:ln>
+          <a:effectLst/>
+        </p:spPr>
+        <p:txBody>
+          <a:bodyPr>
+            <a:spAutoFit/>
+          </a:bodyPr>
+          <a:lstStyle/>
+          <a:p>
+            <a:pPr algn="ctr"/>
+            <a:r>
+              <a:rPr lang="pt-BR" dirty="0" smtClean="0"/>
+              <a:t>Observações Reais</a:t>
+            </a:r>
+            <a:endParaRPr lang="pt-BR" dirty="0"/>
+          </a:p>
+        </p:txBody>
+      </p:sp>
+      <p:sp>
+        <p:nvSpPr>
+          <p:cNvPr id="18" name="Text Box 16"/>
+          <p:cNvSpPr txBox="1">
+            <a:spLocks noChangeArrowheads="1"/>
+          </p:cNvSpPr>
+          <p:nvPr/>
+        </p:nvSpPr>
+        <p:spPr bwMode="auto">
+          <a:xfrm>
+            <a:off x="5176421" y="5857892"/>
+            <a:ext cx="812274" cy="369332"/>
+          </a:xfrm>
+          <a:prstGeom prst="rect">
+            <a:avLst/>
+          </a:prstGeom>
+          <a:noFill/>
+          <a:ln w="38100" cmpd="dbl">
+            <a:solidFill>
+              <a:schemeClr val="tx1"/>
+            </a:solidFill>
+            <a:miter lim="800000"/>
+            <a:headEnd/>
+            <a:tailEnd/>
+          </a:ln>
+          <a:effectLst/>
+        </p:spPr>
+        <p:txBody>
+          <a:bodyPr wrap="none">
+            <a:spAutoFit/>
+          </a:bodyPr>
+          <a:lstStyle/>
+          <a:p>
+            <a:pPr algn="ctr"/>
+            <a:r>
+              <a:rPr lang="pt-BR" dirty="0" smtClean="0"/>
+              <a:t>atraso</a:t>
+            </a:r>
+            <a:endParaRPr lang="pt-BR" dirty="0"/>
+          </a:p>
+        </p:txBody>
+      </p:sp>
+      <p:sp>
+        <p:nvSpPr>
+          <p:cNvPr id="19" name="Text Box 17"/>
+          <p:cNvSpPr txBox="1">
+            <a:spLocks noChangeArrowheads="1"/>
+          </p:cNvSpPr>
+          <p:nvPr/>
+        </p:nvSpPr>
+        <p:spPr bwMode="auto">
+          <a:xfrm>
+            <a:off x="6072198" y="5726108"/>
+            <a:ext cx="2000264" cy="646331"/>
+          </a:xfrm>
+          <a:prstGeom prst="rect">
+            <a:avLst/>
+          </a:prstGeom>
+          <a:noFill/>
+          <a:ln w="9525">
+            <a:noFill/>
+            <a:miter lim="800000"/>
+            <a:headEnd/>
+            <a:tailEnd/>
+          </a:ln>
+          <a:effectLst/>
+        </p:spPr>
+        <p:txBody>
+          <a:bodyPr wrap="square">
+            <a:spAutoFit/>
+          </a:bodyPr>
+          <a:lstStyle/>
+          <a:p>
+            <a:pPr algn="ctr"/>
+            <a:r>
+              <a:rPr lang="pt-BR" dirty="0" smtClean="0"/>
+              <a:t>Postura estimada atual</a:t>
+            </a:r>
+            <a:endParaRPr lang="pt-BR" dirty="0"/>
+          </a:p>
+        </p:txBody>
+      </p:sp>
+      <p:sp>
+        <p:nvSpPr>
+          <p:cNvPr id="20" name="Line 18"/>
+          <p:cNvSpPr>
+            <a:spLocks noChangeShapeType="1"/>
+          </p:cNvSpPr>
+          <p:nvPr/>
+        </p:nvSpPr>
+        <p:spPr bwMode="auto">
+          <a:xfrm flipH="1">
+            <a:off x="6000760" y="6062658"/>
+            <a:ext cx="2066940" cy="9548"/>
+          </a:xfrm>
+          <a:prstGeom prst="line">
+            <a:avLst/>
+          </a:prstGeom>
+          <a:noFill/>
+          <a:ln w="9525">
+            <a:solidFill>
+              <a:schemeClr val="tx1"/>
+            </a:solidFill>
+            <a:miter lim="800000"/>
+            <a:headEnd/>
+            <a:tailEnd type="triangle" w="lg" len="lg"/>
+          </a:ln>
+          <a:effectLst/>
+        </p:spPr>
+        <p:txBody>
+          <a:bodyPr wrap="none"/>
+          <a:lstStyle/>
+          <a:p>
+            <a:endParaRPr lang="pt-BR"/>
+          </a:p>
+        </p:txBody>
+      </p:sp>
+      <p:sp>
+        <p:nvSpPr>
+          <p:cNvPr id="21" name="Line 19"/>
+          <p:cNvSpPr>
+            <a:spLocks noChangeShapeType="1"/>
+          </p:cNvSpPr>
+          <p:nvPr/>
+        </p:nvSpPr>
+        <p:spPr bwMode="auto">
+          <a:xfrm flipH="1" flipV="1">
+            <a:off x="2962300" y="6062658"/>
+            <a:ext cx="2252642" cy="9548"/>
+          </a:xfrm>
+          <a:prstGeom prst="line">
+            <a:avLst/>
+          </a:prstGeom>
+          <a:noFill/>
+          <a:ln w="9525">
+            <a:solidFill>
+              <a:schemeClr val="tx1"/>
+            </a:solidFill>
+            <a:miter lim="800000"/>
+            <a:headEnd/>
+            <a:tailEnd type="triangle" w="lg" len="lg"/>
+          </a:ln>
+          <a:effectLst/>
+        </p:spPr>
+        <p:txBody>
+          <a:bodyPr wrap="none"/>
+          <a:lstStyle/>
+          <a:p>
+            <a:endParaRPr lang="pt-BR"/>
+          </a:p>
+        </p:txBody>
+      </p:sp>
+      <p:sp>
+        <p:nvSpPr>
+          <p:cNvPr id="22" name="Line 20"/>
+          <p:cNvSpPr>
+            <a:spLocks noChangeShapeType="1"/>
+          </p:cNvSpPr>
+          <p:nvPr/>
+        </p:nvSpPr>
+        <p:spPr bwMode="auto">
+          <a:xfrm flipV="1">
+            <a:off x="2200300" y="4233858"/>
+            <a:ext cx="0" cy="1371600"/>
+          </a:xfrm>
+          <a:prstGeom prst="line">
+            <a:avLst/>
+          </a:prstGeom>
+          <a:noFill/>
+          <a:ln w="12700">
+            <a:solidFill>
+              <a:schemeClr val="tx1"/>
+            </a:solidFill>
+            <a:miter lim="800000"/>
+            <a:headEnd/>
+            <a:tailEnd/>
+          </a:ln>
+          <a:effectLst/>
+        </p:spPr>
+        <p:txBody>
+          <a:bodyPr wrap="none"/>
+          <a:lstStyle/>
+          <a:p>
+            <a:endParaRPr lang="pt-BR"/>
+          </a:p>
+        </p:txBody>
+      </p:sp>
+      <p:sp>
+        <p:nvSpPr>
+          <p:cNvPr id="23" name="Text Box 21"/>
+          <p:cNvSpPr txBox="1">
+            <a:spLocks noChangeArrowheads="1"/>
+          </p:cNvSpPr>
+          <p:nvPr/>
+        </p:nvSpPr>
+        <p:spPr bwMode="auto">
+          <a:xfrm>
+            <a:off x="3143240" y="5715016"/>
+            <a:ext cx="2138362" cy="646331"/>
+          </a:xfrm>
+          <a:prstGeom prst="rect">
+            <a:avLst/>
+          </a:prstGeom>
+          <a:noFill/>
+          <a:ln w="9525">
+            <a:noFill/>
+            <a:miter lim="800000"/>
+            <a:headEnd/>
+            <a:tailEnd/>
+          </a:ln>
+          <a:effectLst/>
+        </p:spPr>
+        <p:txBody>
+          <a:bodyPr wrap="square">
+            <a:spAutoFit/>
+          </a:bodyPr>
+          <a:lstStyle/>
+          <a:p>
+            <a:pPr algn="ctr"/>
+            <a:r>
+              <a:rPr lang="pt-BR" dirty="0" smtClean="0"/>
+              <a:t>Postura estimada anterior</a:t>
+            </a:r>
+            <a:endParaRPr lang="pt-BR" dirty="0"/>
+          </a:p>
+        </p:txBody>
+      </p:sp>
+      <p:sp>
+        <p:nvSpPr>
+          <p:cNvPr id="24" name="AutoShape 22"/>
+          <p:cNvSpPr>
+            <a:spLocks noChangeArrowheads="1"/>
+          </p:cNvSpPr>
+          <p:nvPr/>
+        </p:nvSpPr>
+        <p:spPr bwMode="auto">
+          <a:xfrm>
+            <a:off x="6391300" y="2557458"/>
+            <a:ext cx="762000" cy="762000"/>
+          </a:xfrm>
+          <a:prstGeom prst="flowChartOr">
+            <a:avLst/>
+          </a:prstGeom>
+          <a:noFill/>
+          <a:ln w="9525">
+            <a:solidFill>
+              <a:schemeClr val="tx1"/>
+            </a:solidFill>
+            <a:miter lim="800000"/>
+            <a:headEnd/>
+            <a:tailEnd/>
+          </a:ln>
+          <a:effectLst/>
+        </p:spPr>
+        <p:txBody>
+          <a:bodyPr wrap="none" anchor="ctr"/>
+          <a:lstStyle/>
+          <a:p>
+            <a:endParaRPr lang="pt-BR"/>
+          </a:p>
+        </p:txBody>
+      </p:sp>
+      <p:sp>
+        <p:nvSpPr>
+          <p:cNvPr id="25" name="Text Box 23"/>
+          <p:cNvSpPr txBox="1">
+            <a:spLocks noChangeArrowheads="1"/>
+          </p:cNvSpPr>
+          <p:nvPr/>
+        </p:nvSpPr>
+        <p:spPr bwMode="auto">
+          <a:xfrm>
+            <a:off x="6086500" y="2481258"/>
+            <a:ext cx="381000" cy="457200"/>
+          </a:xfrm>
+          <a:prstGeom prst="rect">
+            <a:avLst/>
+          </a:prstGeom>
+          <a:noFill/>
+          <a:ln w="9525">
+            <a:noFill/>
+            <a:miter lim="800000"/>
+            <a:headEnd/>
+            <a:tailEnd/>
+          </a:ln>
+          <a:effectLst/>
+        </p:spPr>
+        <p:txBody>
+          <a:bodyPr>
+            <a:spAutoFit/>
+          </a:bodyPr>
+          <a:lstStyle/>
+          <a:p>
+            <a:pPr>
+              <a:spcBef>
+                <a:spcPct val="50000"/>
+              </a:spcBef>
+            </a:pPr>
+            <a:r>
+              <a:rPr lang="pt-BR" sz="2400"/>
+              <a:t>+</a:t>
+            </a:r>
+            <a:endParaRPr lang="en-US" sz="2400"/>
+          </a:p>
+        </p:txBody>
+      </p:sp>
+      <p:sp>
+        <p:nvSpPr>
+          <p:cNvPr id="26" name="Text Box 24"/>
+          <p:cNvSpPr txBox="1">
+            <a:spLocks noChangeArrowheads="1"/>
+          </p:cNvSpPr>
+          <p:nvPr/>
+        </p:nvSpPr>
+        <p:spPr bwMode="auto">
+          <a:xfrm>
+            <a:off x="6924700" y="3167058"/>
+            <a:ext cx="381000" cy="457200"/>
+          </a:xfrm>
+          <a:prstGeom prst="rect">
+            <a:avLst/>
+          </a:prstGeom>
+          <a:noFill/>
+          <a:ln w="9525">
+            <a:noFill/>
+            <a:miter lim="800000"/>
+            <a:headEnd/>
+            <a:tailEnd/>
+          </a:ln>
+          <a:effectLst/>
+        </p:spPr>
+        <p:txBody>
+          <a:bodyPr>
+            <a:spAutoFit/>
+          </a:bodyPr>
+          <a:lstStyle/>
+          <a:p>
+            <a:pPr>
+              <a:spcBef>
+                <a:spcPct val="50000"/>
+              </a:spcBef>
+            </a:pPr>
+            <a:r>
+              <a:rPr lang="pt-BR" sz="2400"/>
+              <a:t>-</a:t>
+            </a:r>
+            <a:endParaRPr lang="en-US" sz="2400"/>
+          </a:p>
+        </p:txBody>
+      </p:sp>
+      <p:sp>
+        <p:nvSpPr>
+          <p:cNvPr id="27" name="Text Box 25"/>
+          <p:cNvSpPr txBox="1">
+            <a:spLocks noChangeArrowheads="1"/>
+          </p:cNvSpPr>
+          <p:nvPr/>
+        </p:nvSpPr>
+        <p:spPr bwMode="auto">
+          <a:xfrm>
+            <a:off x="5781700" y="4125908"/>
+            <a:ext cx="1524000" cy="641350"/>
+          </a:xfrm>
+          <a:prstGeom prst="rect">
+            <a:avLst/>
+          </a:prstGeom>
+          <a:noFill/>
+          <a:ln w="9525">
+            <a:noFill/>
+            <a:miter lim="800000"/>
+            <a:headEnd/>
+            <a:tailEnd/>
+          </a:ln>
+          <a:effectLst/>
+        </p:spPr>
+        <p:txBody>
+          <a:bodyPr>
+            <a:spAutoFit/>
+          </a:bodyPr>
+          <a:lstStyle/>
+          <a:p>
+            <a:pPr algn="ctr"/>
+            <a:r>
+              <a:rPr lang="pt-BR" dirty="0"/>
+              <a:t>Observações </a:t>
+            </a:r>
+            <a:r>
+              <a:rPr lang="pt-BR" dirty="0" smtClean="0"/>
+              <a:t>Esperadas</a:t>
+            </a:r>
+            <a:endParaRPr lang="pt-BR" dirty="0"/>
+          </a:p>
+        </p:txBody>
+      </p:sp>
+      <p:sp>
+        <p:nvSpPr>
+          <p:cNvPr id="28" name="Line 26"/>
+          <p:cNvSpPr>
+            <a:spLocks noChangeShapeType="1"/>
+          </p:cNvSpPr>
+          <p:nvPr/>
+        </p:nvSpPr>
+        <p:spPr bwMode="auto">
+          <a:xfrm>
+            <a:off x="1133500" y="4614858"/>
+            <a:ext cx="0" cy="990600"/>
+          </a:xfrm>
+          <a:prstGeom prst="line">
+            <a:avLst/>
+          </a:prstGeom>
+          <a:noFill/>
+          <a:ln w="9525">
+            <a:solidFill>
+              <a:schemeClr val="folHlink"/>
+            </a:solidFill>
+            <a:prstDash val="lgDash"/>
+            <a:miter lim="800000"/>
+            <a:headEnd/>
+            <a:tailEnd type="triangle" w="med" len="med"/>
+          </a:ln>
+          <a:effectLst/>
+        </p:spPr>
+        <p:txBody>
+          <a:bodyPr wrap="none"/>
+          <a:lstStyle/>
+          <a:p>
+            <a:endParaRPr lang="pt-BR"/>
+          </a:p>
+        </p:txBody>
+      </p:sp>
+      <p:sp>
+        <p:nvSpPr>
+          <p:cNvPr id="29" name="Line 27"/>
+          <p:cNvSpPr>
+            <a:spLocks noChangeShapeType="1"/>
+          </p:cNvSpPr>
+          <p:nvPr/>
+        </p:nvSpPr>
+        <p:spPr bwMode="auto">
+          <a:xfrm>
+            <a:off x="3800500" y="2557458"/>
+            <a:ext cx="0" cy="1066800"/>
+          </a:xfrm>
+          <a:prstGeom prst="line">
+            <a:avLst/>
+          </a:prstGeom>
+          <a:noFill/>
+          <a:ln w="9525">
+            <a:solidFill>
+              <a:schemeClr val="folHlink"/>
+            </a:solidFill>
+            <a:prstDash val="lgDash"/>
+            <a:miter lim="800000"/>
+            <a:headEnd/>
+            <a:tailEnd type="triangle" w="med" len="med"/>
+          </a:ln>
+          <a:effectLst/>
+        </p:spPr>
+        <p:txBody>
+          <a:bodyPr wrap="none"/>
+          <a:lstStyle/>
+          <a:p>
+            <a:endParaRPr lang="pt-BR"/>
+          </a:p>
+        </p:txBody>
+      </p:sp>
+      <p:sp>
+        <p:nvSpPr>
+          <p:cNvPr id="30" name="Text Box 28"/>
+          <p:cNvSpPr txBox="1">
+            <a:spLocks noChangeArrowheads="1"/>
+          </p:cNvSpPr>
+          <p:nvPr/>
+        </p:nvSpPr>
+        <p:spPr bwMode="auto">
+          <a:xfrm>
+            <a:off x="714348" y="4143380"/>
+            <a:ext cx="1371600" cy="366713"/>
+          </a:xfrm>
+          <a:prstGeom prst="rect">
+            <a:avLst/>
+          </a:prstGeom>
+          <a:noFill/>
+          <a:ln w="9525">
+            <a:noFill/>
+            <a:miter lim="800000"/>
+            <a:headEnd/>
+            <a:tailEnd/>
+          </a:ln>
+          <a:effectLst/>
+        </p:spPr>
+        <p:txBody>
+          <a:bodyPr>
+            <a:spAutoFit/>
+          </a:bodyPr>
+          <a:lstStyle/>
+          <a:p>
+            <a:r>
+              <a:rPr lang="pt-BR" dirty="0" err="1" smtClean="0">
+                <a:solidFill>
+                  <a:schemeClr val="folHlink"/>
+                </a:solidFill>
+              </a:rPr>
+              <a:t>Odômetro</a:t>
+            </a:r>
+            <a:endParaRPr lang="pt-BR" dirty="0">
+              <a:solidFill>
+                <a:schemeClr val="folHlink"/>
+              </a:solidFill>
+            </a:endParaRPr>
+          </a:p>
+        </p:txBody>
+      </p:sp>
+      <p:sp>
+        <p:nvSpPr>
+          <p:cNvPr id="31" name="Text Box 29"/>
+          <p:cNvSpPr txBox="1">
+            <a:spLocks noChangeArrowheads="1"/>
+          </p:cNvSpPr>
+          <p:nvPr/>
+        </p:nvSpPr>
+        <p:spPr bwMode="auto">
+          <a:xfrm>
+            <a:off x="2000232" y="2357430"/>
+            <a:ext cx="914360" cy="369332"/>
+          </a:xfrm>
+          <a:prstGeom prst="rect">
+            <a:avLst/>
+          </a:prstGeom>
+          <a:noFill/>
+          <a:ln w="9525">
+            <a:noFill/>
+            <a:miter lim="800000"/>
+            <a:headEnd/>
+            <a:tailEnd/>
+          </a:ln>
+          <a:effectLst/>
+        </p:spPr>
+        <p:txBody>
+          <a:bodyPr wrap="square">
+            <a:spAutoFit/>
+          </a:bodyPr>
+          <a:lstStyle/>
+          <a:p>
+            <a:r>
+              <a:rPr lang="pt-BR" dirty="0" smtClean="0">
+                <a:solidFill>
+                  <a:schemeClr val="folHlink"/>
+                </a:solidFill>
+              </a:rPr>
+              <a:t>Mapa</a:t>
+            </a:r>
+            <a:endParaRPr lang="pt-BR" dirty="0">
+              <a:solidFill>
+                <a:schemeClr val="folHlink"/>
+              </a:solidFill>
+            </a:endParaRPr>
+          </a:p>
+        </p:txBody>
+      </p:sp>
+      <p:sp>
+        <p:nvSpPr>
+          <p:cNvPr id="32" name="Line 30"/>
+          <p:cNvSpPr>
+            <a:spLocks noChangeShapeType="1"/>
+          </p:cNvSpPr>
+          <p:nvPr/>
+        </p:nvSpPr>
+        <p:spPr bwMode="auto">
+          <a:xfrm flipH="1" flipV="1">
+            <a:off x="2733700" y="2557458"/>
+            <a:ext cx="1066800" cy="0"/>
+          </a:xfrm>
+          <a:prstGeom prst="line">
+            <a:avLst/>
+          </a:prstGeom>
+          <a:noFill/>
+          <a:ln w="9525">
+            <a:solidFill>
+              <a:schemeClr val="folHlink"/>
+            </a:solidFill>
+            <a:prstDash val="lgDash"/>
+            <a:miter lim="800000"/>
+            <a:headEnd/>
+            <a:tailEnd/>
+          </a:ln>
+          <a:effectLst/>
+        </p:spPr>
+        <p:txBody>
+          <a:bodyPr wrap="none"/>
+          <a:lstStyle/>
+          <a:p>
+            <a:endParaRPr lang="pt-BR"/>
+          </a:p>
+        </p:txBody>
+      </p:sp>
     </p:spTree>
   </p:cSld>
   <p:clrMapOvr>

--- a/docs/Apresentação.pptx
+++ b/docs/Apresentação.pptx
@@ -3805,7 +3805,6 @@
               <a:rPr lang="pt-BR" dirty="0" smtClean="0"/>
               <a:t>Felipe Godoy</a:t>
             </a:r>
-            <a:endParaRPr lang="pt-BR" dirty="0" smtClean="0"/>
           </a:p>
           <a:p>
             <a:r>
@@ -3825,6 +3824,52 @@
               <a:t>Rafael Ruppel</a:t>
             </a:r>
             <a:endParaRPr lang="pt-BR" dirty="0"/>
+          </a:p>
+        </p:txBody>
+      </p:sp>
+      <p:sp>
+        <p:nvSpPr>
+          <p:cNvPr id="4" name="CaixaDeTexto 3"/>
+          <p:cNvSpPr txBox="1"/>
+          <p:nvPr/>
+        </p:nvSpPr>
+        <p:spPr>
+          <a:xfrm>
+            <a:off x="3357554" y="1643050"/>
+            <a:ext cx="2484783" cy="276999"/>
+          </a:xfrm>
+          <a:prstGeom prst="rect">
+            <a:avLst/>
+          </a:prstGeom>
+          <a:noFill/>
+        </p:spPr>
+        <p:txBody>
+          <a:bodyPr wrap="none" rtlCol="0">
+            <a:spAutoFit/>
+          </a:bodyPr>
+          <a:lstStyle/>
+          <a:p>
+            <a:r>
+              <a:rPr lang="pt-BR" sz="1200" dirty="0" err="1" smtClean="0"/>
+              <a:t>Computex</a:t>
+            </a:r>
+            <a:r>
+              <a:rPr lang="pt-BR" sz="1200" dirty="0" smtClean="0"/>
+              <a:t> </a:t>
+            </a:r>
+            <a:r>
+              <a:rPr lang="pt-BR" sz="1200" dirty="0" err="1" smtClean="0"/>
+              <a:t>Corporation</a:t>
+            </a:r>
+            <a:r>
+              <a:rPr lang="pt-BR" sz="1200" smtClean="0"/>
+              <a:t> apresenta</a:t>
+            </a:r>
+            <a:r>
+              <a:rPr lang="pt-BR" sz="1200" dirty="0" smtClean="0"/>
+              <a:t>:</a:t>
+            </a:r>
+            <a:endParaRPr lang="pt-BR" sz="1200" dirty="0"/>
           </a:p>
         </p:txBody>
       </p:sp>
@@ -3833,6 +3878,13 @@
   <p:clrMapOvr>
     <a:masterClrMapping/>
   </p:clrMapOvr>
+  <p:timing>
+    <p:tnLst>
+      <p:par>
+        <p:cTn id="1" dur="indefinite" restart="never" nodeType="tmRoot"/>
+      </p:par>
+    </p:tnLst>
+  </p:timing>
 </p:sld>
 </file>
 
@@ -3960,6 +4012,13 @@
   <p:clrMapOvr>
     <a:masterClrMapping/>
   </p:clrMapOvr>
+  <p:timing>
+    <p:tnLst>
+      <p:par>
+        <p:cTn id="1" dur="indefinite" restart="never" nodeType="tmRoot"/>
+      </p:par>
+    </p:tnLst>
+  </p:timing>
 </p:sld>
 </file>
 
@@ -4804,6 +4863,13 @@
   <p:clrMapOvr>
     <a:masterClrMapping/>
   </p:clrMapOvr>
+  <p:timing>
+    <p:tnLst>
+      <p:par>
+        <p:cTn id="1" dur="indefinite" restart="never" nodeType="tmRoot"/>
+      </p:par>
+    </p:tnLst>
+  </p:timing>
 </p:sld>
 </file>
 
@@ -6421,6 +6487,13 @@
   <p:clrMapOvr>
     <a:masterClrMapping/>
   </p:clrMapOvr>
+  <p:timing>
+    <p:tnLst>
+      <p:par>
+        <p:cTn id="1" dur="indefinite" restart="never" nodeType="tmRoot"/>
+      </p:par>
+    </p:tnLst>
+  </p:timing>
 </p:sld>
 </file>
 
@@ -6650,6 +6723,13 @@
   <p:clrMapOvr>
     <a:masterClrMapping/>
   </p:clrMapOvr>
+  <p:timing>
+    <p:tnLst>
+      <p:par>
+        <p:cTn id="1" dur="indefinite" restart="never" nodeType="tmRoot"/>
+      </p:par>
+    </p:tnLst>
+  </p:timing>
 </p:sld>
 </file>
 
@@ -6741,6 +6821,13 @@
   <p:clrMapOvr>
     <a:masterClrMapping/>
   </p:clrMapOvr>
+  <p:timing>
+    <p:tnLst>
+      <p:par>
+        <p:cTn id="1" dur="indefinite" restart="never" nodeType="tmRoot"/>
+      </p:par>
+    </p:tnLst>
+  </p:timing>
 </p:sld>
 </file>
 
@@ -6847,6 +6934,13 @@
   <p:clrMapOvr>
     <a:masterClrMapping/>
   </p:clrMapOvr>
+  <p:timing>
+    <p:tnLst>
+      <p:par>
+        <p:cTn id="1" dur="indefinite" restart="never" nodeType="tmRoot"/>
+      </p:par>
+    </p:tnLst>
+  </p:timing>
 </p:sld>
 </file>
 
@@ -6942,6 +7036,13 @@
   <p:clrMapOvr>
     <a:masterClrMapping/>
   </p:clrMapOvr>
+  <p:timing>
+    <p:tnLst>
+      <p:par>
+        <p:cTn id="1" dur="indefinite" restart="never" nodeType="tmRoot"/>
+      </p:par>
+    </p:tnLst>
+  </p:timing>
 </p:sld>
 </file>
 
@@ -7051,6 +7152,13 @@
   <p:clrMapOvr>
     <a:masterClrMapping/>
   </p:clrMapOvr>
+  <p:timing>
+    <p:tnLst>
+      <p:par>
+        <p:cTn id="1" dur="indefinite" restart="never" nodeType="tmRoot"/>
+      </p:par>
+    </p:tnLst>
+  </p:timing>
 </p:sld>
 </file>
 
@@ -7158,6 +7266,13 @@
   <p:clrMapOvr>
     <a:masterClrMapping/>
   </p:clrMapOvr>
+  <p:timing>
+    <p:tnLst>
+      <p:par>
+        <p:cTn id="1" dur="indefinite" restart="never" nodeType="tmRoot"/>
+      </p:par>
+    </p:tnLst>
+  </p:timing>
 </p:sld>
 </file>
 
@@ -7265,6 +7380,13 @@
   <p:clrMapOvr>
     <a:masterClrMapping/>
   </p:clrMapOvr>
+  <p:timing>
+    <p:tnLst>
+      <p:par>
+        <p:cTn id="1" dur="indefinite" restart="never" nodeType="tmRoot"/>
+      </p:par>
+    </p:tnLst>
+  </p:timing>
 </p:sld>
 </file>
 
@@ -7422,6 +7544,13 @@
   <p:clrMapOvr>
     <a:masterClrMapping/>
   </p:clrMapOvr>
+  <p:timing>
+    <p:tnLst>
+      <p:par>
+        <p:cTn id="1" dur="indefinite" restart="never" nodeType="tmRoot"/>
+      </p:par>
+    </p:tnLst>
+  </p:timing>
 </p:sld>
 </file>
 
@@ -7517,6 +7646,13 @@
   <p:clrMapOvr>
     <a:masterClrMapping/>
   </p:clrMapOvr>
+  <p:timing>
+    <p:tnLst>
+      <p:par>
+        <p:cTn id="1" dur="indefinite" restart="never" nodeType="tmRoot"/>
+      </p:par>
+    </p:tnLst>
+  </p:timing>
 </p:sld>
 </file>
 
@@ -7614,6 +7750,13 @@
   <p:clrMapOvr>
     <a:masterClrMapping/>
   </p:clrMapOvr>
+  <p:timing>
+    <p:tnLst>
+      <p:par>
+        <p:cTn id="1" dur="indefinite" restart="never" nodeType="tmRoot"/>
+      </p:par>
+    </p:tnLst>
+  </p:timing>
 </p:sld>
 </file>
 
@@ -7735,6 +7878,13 @@
   <p:clrMapOvr>
     <a:masterClrMapping/>
   </p:clrMapOvr>
+  <p:timing>
+    <p:tnLst>
+      <p:par>
+        <p:cTn id="1" dur="indefinite" restart="never" nodeType="tmRoot"/>
+      </p:par>
+    </p:tnLst>
+  </p:timing>
 </p:sld>
 </file>
 
@@ -7867,6 +8017,13 @@
   <p:clrMapOvr>
     <a:masterClrMapping/>
   </p:clrMapOvr>
+  <p:timing>
+    <p:tnLst>
+      <p:par>
+        <p:cTn id="1" dur="indefinite" restart="never" nodeType="tmRoot"/>
+      </p:par>
+    </p:tnLst>
+  </p:timing>
 </p:sld>
 </file>
 
@@ -8000,6 +8157,13 @@
   <p:clrMapOvr>
     <a:masterClrMapping/>
   </p:clrMapOvr>
+  <p:timing>
+    <p:tnLst>
+      <p:par>
+        <p:cTn id="1" dur="indefinite" restart="never" nodeType="tmRoot"/>
+      </p:par>
+    </p:tnLst>
+  </p:timing>
 </p:sld>
 </file>
 
@@ -8145,6 +8309,13 @@
   <p:clrMapOvr>
     <a:masterClrMapping/>
   </p:clrMapOvr>
+  <p:timing>
+    <p:tnLst>
+      <p:par>
+        <p:cTn id="1" dur="indefinite" restart="never" nodeType="tmRoot"/>
+      </p:par>
+    </p:tnLst>
+  </p:timing>
 </p:sld>
 </file>
 
@@ -8456,6 +8627,13 @@
   <p:clrMapOvr>
     <a:masterClrMapping/>
   </p:clrMapOvr>
+  <p:timing>
+    <p:tnLst>
+      <p:par>
+        <p:cTn id="1" dur="indefinite" restart="never" nodeType="tmRoot"/>
+      </p:par>
+    </p:tnLst>
+  </p:timing>
 </p:sld>
 </file>
 
@@ -8873,6 +9051,13 @@
   <p:clrMapOvr>
     <a:masterClrMapping/>
   </p:clrMapOvr>
+  <p:timing>
+    <p:tnLst>
+      <p:par>
+        <p:cTn id="1" dur="indefinite" restart="never" nodeType="tmRoot"/>
+      </p:par>
+    </p:tnLst>
+  </p:timing>
 </p:sld>
 </file>
 
@@ -8971,6 +9156,13 @@
   <p:clrMapOvr>
     <a:masterClrMapping/>
   </p:clrMapOvr>
+  <p:timing>
+    <p:tnLst>
+      <p:par>
+        <p:cTn id="1" dur="indefinite" restart="never" nodeType="tmRoot"/>
+      </p:par>
+    </p:tnLst>
+  </p:timing>
 </p:sld>
 </file>
 
@@ -9066,6 +9258,13 @@
   <p:clrMapOvr>
     <a:masterClrMapping/>
   </p:clrMapOvr>
+  <p:timing>
+    <p:tnLst>
+      <p:par>
+        <p:cTn id="1" dur="indefinite" restart="never" nodeType="tmRoot"/>
+      </p:par>
+    </p:tnLst>
+  </p:timing>
 </p:sld>
 </file>
 
@@ -9180,6 +9379,13 @@
   <p:clrMapOvr>
     <a:masterClrMapping/>
   </p:clrMapOvr>
+  <p:timing>
+    <p:tnLst>
+      <p:par>
+        <p:cTn id="1" dur="indefinite" restart="never" nodeType="tmRoot"/>
+      </p:par>
+    </p:tnLst>
+  </p:timing>
 </p:sld>
 </file>
 
@@ -10393,6 +10599,13 @@
   <p:clrMapOvr>
     <a:masterClrMapping/>
   </p:clrMapOvr>
+  <p:timing>
+    <p:tnLst>
+      <p:par>
+        <p:cTn id="1" dur="indefinite" restart="never" nodeType="tmRoot"/>
+      </p:par>
+    </p:tnLst>
+  </p:timing>
 </p:sld>
 </file>
 

--- a/docs/Apresentação.pptx
+++ b/docs/Apresentação.pptx
@@ -9,8 +9,8 @@
   </p:notesMasterIdLst>
   <p:sldIdLst>
     <p:sldId id="256" r:id="rId2"/>
-    <p:sldId id="257" r:id="rId3"/>
-    <p:sldId id="258" r:id="rId4"/>
+    <p:sldId id="258" r:id="rId3"/>
+    <p:sldId id="257" r:id="rId4"/>
     <p:sldId id="259" r:id="rId5"/>
     <p:sldId id="261" r:id="rId6"/>
     <p:sldId id="279" r:id="rId7"/>
@@ -632,31 +632,31 @@
                   <c:v>99.499331880146912</c:v>
                 </c:pt>
                 <c:pt idx="51">
-                  <c:v>107.24875285722027</c:v>
+                  <c:v>107.24875285722025</c:v>
                 </c:pt>
                 <c:pt idx="52">
-                  <c:v>115.60173090694059</c:v>
+                  <c:v>115.60173090694057</c:v>
                 </c:pt>
                 <c:pt idx="53">
-                  <c:v>124.60527355942129</c:v>
+                  <c:v>124.60527355942126</c:v>
                 </c:pt>
                 <c:pt idx="54">
                   <c:v>134.31004948634407</c:v>
                 </c:pt>
                 <c:pt idx="55">
-                  <c:v>144.77067364586085</c:v>
+                  <c:v>144.7706736458608</c:v>
                 </c:pt>
                 <c:pt idx="56">
-                  <c:v>156.04601463576486</c:v>
+                  <c:v>156.04601463576483</c:v>
                 </c:pt>
                 <c:pt idx="57">
-                  <c:v>168.19952598460205</c:v>
+                  <c:v>168.19952598460202</c:v>
                 </c:pt>
                 <c:pt idx="58">
-                  <c:v>181.29960324511032</c:v>
+                  <c:v>181.29960324511029</c:v>
                 </c:pt>
                 <c:pt idx="59">
-                  <c:v>195.41996889957636</c:v>
+                  <c:v>195.41996889957633</c:v>
                 </c:pt>
                 <c:pt idx="60">
                   <c:v>210.64008724322102</c:v>
@@ -668,7 +668,7 @@
                   <c:v>244.72886625044708</c:v>
                 </c:pt>
                 <c:pt idx="63">
-                  <c:v>263.78936619532175</c:v>
+                  <c:v>263.7893661953218</c:v>
                 </c:pt>
                 <c:pt idx="64">
                   <c:v>284.33437699383956</c:v>
@@ -683,7 +683,7 @@
                   <c:v>356.07839930364656</c:v>
                 </c:pt>
                 <c:pt idx="68">
-                  <c:v>383.81126308176994</c:v>
+                  <c:v>383.81126308176999</c:v>
                 </c:pt>
                 <c:pt idx="69">
                   <c:v>413.70407740685158</c:v>
@@ -695,16 +695,16 @@
                   <c:v>480.65556348759259</c:v>
                 </c:pt>
                 <c:pt idx="72">
-                  <c:v>518.09101391779745</c:v>
+                  <c:v>518.09101391779757</c:v>
                 </c:pt>
                 <c:pt idx="73">
-                  <c:v>558.44209261774301</c:v>
+                  <c:v>558.4420926177429</c:v>
                 </c:pt>
                 <c:pt idx="74">
                   <c:v>601.93588081951282</c:v>
                 </c:pt>
                 <c:pt idx="75">
-                  <c:v>648.81714578413346</c:v>
+                  <c:v>648.81714578413334</c:v>
                 </c:pt>
                 <c:pt idx="76">
                   <c:v>699.34971826292099</c:v>
@@ -719,55 +719,55 @@
                   <c:v>875.81153874303607</c:v>
                 </c:pt>
                 <c:pt idx="80">
-                  <c:v>944.02337677300011</c:v>
+                  <c:v>944.02337677300022</c:v>
                 </c:pt>
                 <c:pt idx="81">
-                  <c:v>1017.5478358882081</c:v>
+                  <c:v>1017.5478358882079</c:v>
                 </c:pt>
                 <c:pt idx="82">
-                  <c:v>1096.7986850708546</c:v>
+                  <c:v>1096.7986850708548</c:v>
                 </c:pt>
                 <c:pt idx="83">
                   <c:v>1182.2219193489789</c:v>
                 </c:pt>
                 <c:pt idx="84">
-                  <c:v>1274.2982696946738</c:v>
+                  <c:v>1274.298269694674</c:v>
                 </c:pt>
                 <c:pt idx="85">
-                  <c:v>1373.5459084035986</c:v>
+                  <c:v>1373.5459084035988</c:v>
                 </c:pt>
                 <c:pt idx="86">
-                  <c:v>1480.5233651806732</c:v>
+                  <c:v>1480.5233651806734</c:v>
                 </c:pt>
                 <c:pt idx="87">
                   <c:v>1595.832670342626</c:v>
                 </c:pt>
                 <c:pt idx="88">
-                  <c:v>1720.1227428262159</c:v>
+                  <c:v>1720.1227428262157</c:v>
                 </c:pt>
                 <c:pt idx="89">
-                  <c:v>1854.0930420685795</c:v>
+                  <c:v>1854.0930420685793</c:v>
                 </c:pt>
                 <c:pt idx="90">
-                  <c:v>1998.4975043111945</c:v>
+                  <c:v>1998.4975043111947</c:v>
                 </c:pt>
                 <c:pt idx="91">
-                  <c:v>2154.1487854795278</c:v>
+                  <c:v>2154.1487854795273</c:v>
                 </c:pt>
                 <c:pt idx="92">
                   <c:v>2321.922834515759</c:v>
                 </c:pt>
                 <c:pt idx="93">
-                  <c:v>2502.7638229016561</c:v>
+                  <c:v>2502.7638229016557</c:v>
                 </c:pt>
                 <c:pt idx="94">
-                  <c:v>2697.6894581131264</c:v>
+                  <c:v>2697.689458113126</c:v>
                 </c:pt>
                 <c:pt idx="95">
                   <c:v>2907.7967109086899</c:v>
                 </c:pt>
                 <c:pt idx="96">
-                  <c:v>3134.2679886829355</c:v>
+                  <c:v>3134.2679886829351</c:v>
                 </c:pt>
                 <c:pt idx="97">
                   <c:v>3378.3777896263882</c:v>
@@ -779,18 +779,18 @@
                   <c:v>3925.1150008606273</c:v>
                 </c:pt>
                 <c:pt idx="100">
-                  <c:v>4230.8192498271874</c:v>
+                  <c:v>4230.8192498271883</c:v>
                 </c:pt>
               </c:numCache>
             </c:numRef>
           </c:yVal>
           <c:smooth val="1"/>
         </c:ser>
-        <c:axId val="41945728"/>
-        <c:axId val="79357824"/>
+        <c:axId val="70280704"/>
+        <c:axId val="70282624"/>
       </c:scatterChart>
       <c:valAx>
-        <c:axId val="41945728"/>
+        <c:axId val="70280704"/>
         <c:scaling>
           <c:orientation val="minMax"/>
           <c:min val="0"/>
@@ -822,12 +822,12 @@
         <c:numFmt formatCode="General" sourceLinked="1"/>
         <c:majorTickMark val="none"/>
         <c:tickLblPos val="nextTo"/>
-        <c:crossAx val="79357824"/>
+        <c:crossAx val="70282624"/>
         <c:crosses val="autoZero"/>
         <c:crossBetween val="midCat"/>
       </c:valAx>
       <c:valAx>
-        <c:axId val="79357824"/>
+        <c:axId val="70282624"/>
         <c:scaling>
           <c:orientation val="minMax"/>
         </c:scaling>
@@ -853,7 +853,7 @@
         <c:numFmt formatCode="General" sourceLinked="1"/>
         <c:majorTickMark val="none"/>
         <c:tickLblPos val="nextTo"/>
-        <c:crossAx val="41945728"/>
+        <c:crossAx val="70280704"/>
         <c:crosses val="autoZero"/>
         <c:crossBetween val="midCat"/>
       </c:valAx>
@@ -910,7 +910,7 @@
                   <c:v>0.2</c:v>
                 </c:pt>
                 <c:pt idx="3">
-                  <c:v>0.3000000000000001</c:v>
+                  <c:v>0.30000000000000016</c:v>
                 </c:pt>
                 <c:pt idx="4">
                   <c:v>0.4</c:v>
@@ -919,10 +919,10 @@
                   <c:v>0.5</c:v>
                 </c:pt>
                 <c:pt idx="6">
-                  <c:v>0.60000000000000009</c:v>
+                  <c:v>0.6000000000000002</c:v>
                 </c:pt>
                 <c:pt idx="7">
-                  <c:v>0.70000000000000007</c:v>
+                  <c:v>0.70000000000000018</c:v>
                 </c:pt>
                 <c:pt idx="8">
                   <c:v>0.79999999999999993</c:v>
@@ -934,7 +934,7 @@
                   <c:v>0.99999999999999989</c:v>
                 </c:pt>
                 <c:pt idx="11">
-                  <c:v>1.0999999999999996</c:v>
+                  <c:v>1.0999999999999994</c:v>
                 </c:pt>
                 <c:pt idx="12">
                   <c:v>1.2</c:v>
@@ -958,7 +958,7 @@
                   <c:v>1.8000000000000005</c:v>
                 </c:pt>
                 <c:pt idx="19">
-                  <c:v>1.9000000000000006</c:v>
+                  <c:v>1.9000000000000008</c:v>
                 </c:pt>
                 <c:pt idx="20">
                   <c:v>2.0000000000000004</c:v>
@@ -982,7 +982,7 @@
                   <c:v>21.000000000000004</c:v>
                 </c:pt>
                 <c:pt idx="3">
-                  <c:v>45.562500000000021</c:v>
+                  <c:v>45.562500000000028</c:v>
                 </c:pt>
                 <c:pt idx="4">
                   <c:v>78.000000000000014</c:v>
@@ -994,16 +994,16 @@
                   <c:v>162</c:v>
                 </c:pt>
                 <c:pt idx="7">
-                  <c:v>211.31249999999997</c:v>
+                  <c:v>211.3125</c:v>
                 </c:pt>
                 <c:pt idx="8">
                   <c:v>264</c:v>
                 </c:pt>
                 <c:pt idx="9">
-                  <c:v>318.93749999999989</c:v>
+                  <c:v>318.93749999999983</c:v>
                 </c:pt>
                 <c:pt idx="10">
-                  <c:v>374.99999999999989</c:v>
+                  <c:v>374.99999999999983</c:v>
                 </c:pt>
                 <c:pt idx="11">
                   <c:v>431.06249999999994</c:v>
@@ -1018,19 +1018,19 @@
                   <c:v>588</c:v>
                 </c:pt>
                 <c:pt idx="15">
-                  <c:v>632.8125</c:v>
+                  <c:v>632.81249999999989</c:v>
                 </c:pt>
                 <c:pt idx="16">
                   <c:v>672.00000000000011</c:v>
                 </c:pt>
                 <c:pt idx="17">
-                  <c:v>704.4375</c:v>
+                  <c:v>704.43749999999989</c:v>
                 </c:pt>
                 <c:pt idx="18">
                   <c:v>729.00000000000011</c:v>
                 </c:pt>
                 <c:pt idx="19">
-                  <c:v>744.56249999999989</c:v>
+                  <c:v>744.56249999999977</c:v>
                 </c:pt>
                 <c:pt idx="20">
                   <c:v>750</c:v>
@@ -1040,11 +1040,11 @@
           </c:yVal>
           <c:smooth val="1"/>
         </c:ser>
-        <c:axId val="78466048"/>
-        <c:axId val="78484608"/>
+        <c:axId val="74531968"/>
+        <c:axId val="74533888"/>
       </c:scatterChart>
       <c:valAx>
-        <c:axId val="78466048"/>
+        <c:axId val="74531968"/>
         <c:scaling>
           <c:orientation val="minMax"/>
         </c:scaling>
@@ -1070,12 +1070,12 @@
         <c:numFmt formatCode="General" sourceLinked="1"/>
         <c:majorTickMark val="none"/>
         <c:tickLblPos val="nextTo"/>
-        <c:crossAx val="78484608"/>
+        <c:crossAx val="74533888"/>
         <c:crosses val="autoZero"/>
         <c:crossBetween val="midCat"/>
       </c:valAx>
       <c:valAx>
-        <c:axId val="78484608"/>
+        <c:axId val="74533888"/>
         <c:scaling>
           <c:orientation val="minMax"/>
         </c:scaling>
@@ -1101,7 +1101,7 @@
         <c:numFmt formatCode="General" sourceLinked="1"/>
         <c:majorTickMark val="none"/>
         <c:tickLblPos val="nextTo"/>
-        <c:crossAx val="78466048"/>
+        <c:crossAx val="74531968"/>
         <c:crosses val="autoZero"/>
         <c:crossBetween val="midCat"/>
       </c:valAx>
@@ -1236,13 +1236,13 @@
                 <c:formatCode>General</c:formatCode>
                 <c:ptCount val="30"/>
                 <c:pt idx="0">
-                  <c:v>100.76960000000001</c:v>
+                  <c:v>100.76960000000003</c:v>
                 </c:pt>
                 <c:pt idx="1">
                   <c:v>103.0368</c:v>
                 </c:pt>
                 <c:pt idx="2">
-                  <c:v>106.73920000000001</c:v>
+                  <c:v>106.73920000000003</c:v>
                 </c:pt>
                 <c:pt idx="3">
                   <c:v>111.81440000000002</c:v>
@@ -1260,7 +1260,7 @@
                   <c:v>144.59520000000001</c:v>
                 </c:pt>
                 <c:pt idx="8">
-                  <c:v>155.59840000000003</c:v>
+                  <c:v>155.59840000000005</c:v>
                 </c:pt>
                 <c:pt idx="9">
                   <c:v>167.6</c:v>
@@ -1275,13 +1275,13 @@
                   <c:v>208.97120000000001</c:v>
                 </c:pt>
                 <c:pt idx="13">
-                  <c:v>224.34240000000003</c:v>
+                  <c:v>224.34240000000005</c:v>
                 </c:pt>
                 <c:pt idx="14">
                   <c:v>240.4</c:v>
                 </c:pt>
                 <c:pt idx="15">
-                  <c:v>257.08159999999987</c:v>
+                  <c:v>257.08159999999975</c:v>
                 </c:pt>
                 <c:pt idx="16">
                   <c:v>274.32479999999993</c:v>
@@ -1290,13 +1290,13 @@
                   <c:v>292.06720000000001</c:v>
                 </c:pt>
                 <c:pt idx="18">
-                  <c:v>310.24639999999994</c:v>
+                  <c:v>310.24639999999988</c:v>
                 </c:pt>
                 <c:pt idx="19">
                   <c:v>328.8</c:v>
                 </c:pt>
                 <c:pt idx="20">
-                  <c:v>347.6656000000001</c:v>
+                  <c:v>347.66560000000015</c:v>
                 </c:pt>
                 <c:pt idx="21">
                   <c:v>366.78080000000006</c:v>
@@ -1314,7 +1314,7 @@
                   <c:v>444.4896</c:v>
                 </c:pt>
                 <c:pt idx="26">
-                  <c:v>463.91679999999997</c:v>
+                  <c:v>463.91679999999985</c:v>
                 </c:pt>
                 <c:pt idx="27">
                   <c:v>483.2192</c:v>
@@ -1330,11 +1330,11 @@
           </c:yVal>
           <c:smooth val="1"/>
         </c:ser>
-        <c:axId val="78491008"/>
-        <c:axId val="78509568"/>
+        <c:axId val="74556928"/>
+        <c:axId val="74558848"/>
       </c:scatterChart>
       <c:valAx>
-        <c:axId val="78491008"/>
+        <c:axId val="74556928"/>
         <c:scaling>
           <c:orientation val="maxMin"/>
         </c:scaling>
@@ -1365,12 +1365,12 @@
         <c:numFmt formatCode="General" sourceLinked="1"/>
         <c:majorTickMark val="none"/>
         <c:tickLblPos val="nextTo"/>
-        <c:crossAx val="78509568"/>
+        <c:crossAx val="74558848"/>
         <c:crosses val="autoZero"/>
         <c:crossBetween val="midCat"/>
       </c:valAx>
       <c:valAx>
-        <c:axId val="78509568"/>
+        <c:axId val="74558848"/>
         <c:scaling>
           <c:orientation val="minMax"/>
         </c:scaling>
@@ -1396,7 +1396,7 @@
         <c:numFmt formatCode="General" sourceLinked="1"/>
         <c:majorTickMark val="none"/>
         <c:tickLblPos val="nextTo"/>
-        <c:crossAx val="78491008"/>
+        <c:crossAx val="74556928"/>
         <c:crosses val="autoZero"/>
         <c:crossBetween val="midCat"/>
       </c:valAx>
@@ -1522,73 +1522,73 @@
                 <c:formatCode>General</c:formatCode>
                 <c:ptCount val="26"/>
                 <c:pt idx="0">
-                  <c:v>5.8370863698087297E-14</c:v>
+                  <c:v>5.8370863698087335E-14</c:v>
                 </c:pt>
                 <c:pt idx="1">
-                  <c:v>53.991884411265318</c:v>
+                  <c:v>53.991884411265296</c:v>
                 </c:pt>
                 <c:pt idx="2">
                   <c:v>98.761786943769309</c:v>
                 </c:pt>
                 <c:pt idx="3">
-                  <c:v>137.00515205888127</c:v>
+                  <c:v>137.00515205888124</c:v>
                 </c:pt>
                 <c:pt idx="4">
-                  <c:v>170.38497511991201</c:v>
+                  <c:v>170.38497511991199</c:v>
                 </c:pt>
                 <c:pt idx="5">
-                  <c:v>199.99987553056579</c:v>
+                  <c:v>199.99987553056576</c:v>
                 </c:pt>
                 <c:pt idx="6">
                   <c:v>226.6137160449631</c:v>
                 </c:pt>
                 <c:pt idx="7">
-                  <c:v>250.77915250774501</c:v>
+                  <c:v>250.77915250774495</c:v>
                 </c:pt>
                 <c:pt idx="8">
-                  <c:v>272.90896939027652</c:v>
+                  <c:v>272.90896939027647</c:v>
                 </c:pt>
                 <c:pt idx="9">
-                  <c:v>293.31962937931729</c:v>
+                  <c:v>293.3196293793174</c:v>
                 </c:pt>
                 <c:pt idx="10">
-                  <c:v>312.25909103605187</c:v>
+                  <c:v>312.25909103605193</c:v>
                 </c:pt>
                 <c:pt idx="11">
-                  <c:v>329.92525702109765</c:v>
+                  <c:v>329.92525702109759</c:v>
                 </c:pt>
                 <c:pt idx="12">
-                  <c:v>346.47860197845046</c:v>
+                  <c:v>346.4786019784504</c:v>
                 </c:pt>
                 <c:pt idx="13">
                   <c:v>362.05105344342343</c:v>
                 </c:pt>
                 <c:pt idx="14">
-                  <c:v>376.75238553433968</c:v>
+                  <c:v>376.75238553433974</c:v>
                 </c:pt>
                 <c:pt idx="15">
                   <c:v>390.67491716833973</c:v>
                 </c:pt>
                 <c:pt idx="16">
-                  <c:v>403.89702726218195</c:v>
+                  <c:v>403.89702726218189</c:v>
                 </c:pt>
                 <c:pt idx="17">
-                  <c:v>416.48582730519774</c:v>
+                  <c:v>416.48582730519769</c:v>
                 </c:pt>
                 <c:pt idx="18">
-                  <c:v>428.49922263910344</c:v>
+                  <c:v>428.49922263910349</c:v>
                 </c:pt>
                 <c:pt idx="19">
                   <c:v>439.98752291454929</c:v>
                 </c:pt>
                 <c:pt idx="20">
-                  <c:v>450.99471510193541</c:v>
+                  <c:v>450.99471510193536</c:v>
                 </c:pt>
                 <c:pt idx="21">
-                  <c:v>461.55948050244842</c:v>
+                  <c:v>461.55948050244848</c:v>
                 </c:pt>
                 <c:pt idx="22">
-                  <c:v>471.71601515531836</c:v>
+                  <c:v>471.7160151553183</c:v>
                 </c:pt>
                 <c:pt idx="23">
                   <c:v>481.4946975564668</c:v>
@@ -1597,18 +1597,18 @@
                   <c:v>490.92263656912769</c:v>
                 </c:pt>
                 <c:pt idx="25">
-                  <c:v>500.02412443169612</c:v>
+                  <c:v>500.02412443169607</c:v>
                 </c:pt>
               </c:numCache>
             </c:numRef>
           </c:yVal>
           <c:smooth val="1"/>
         </c:ser>
-        <c:axId val="41852288"/>
-        <c:axId val="42030592"/>
+        <c:axId val="83011840"/>
+        <c:axId val="83296640"/>
       </c:scatterChart>
       <c:valAx>
-        <c:axId val="41852288"/>
+        <c:axId val="83011840"/>
         <c:scaling>
           <c:orientation val="maxMin"/>
         </c:scaling>
@@ -1634,19 +1634,19 @@
               <c:xMode val="edge"/>
               <c:yMode val="edge"/>
               <c:x val="0.35548140857392835"/>
-              <c:y val="0.87868037328667281"/>
+              <c:y val="0.87868037328667292"/>
             </c:manualLayout>
           </c:layout>
         </c:title>
         <c:numFmt formatCode="General" sourceLinked="1"/>
         <c:majorTickMark val="none"/>
         <c:tickLblPos val="nextTo"/>
-        <c:crossAx val="42030592"/>
+        <c:crossAx val="83296640"/>
         <c:crosses val="autoZero"/>
         <c:crossBetween val="midCat"/>
       </c:valAx>
       <c:valAx>
-        <c:axId val="42030592"/>
+        <c:axId val="83296640"/>
         <c:scaling>
           <c:orientation val="minMax"/>
         </c:scaling>
@@ -1672,7 +1672,7 @@
         <c:numFmt formatCode="General" sourceLinked="1"/>
         <c:majorTickMark val="none"/>
         <c:tickLblPos val="nextTo"/>
-        <c:crossAx val="41852288"/>
+        <c:crossAx val="83011840"/>
         <c:crosses val="autoZero"/>
         <c:crossBetween val="midCat"/>
       </c:valAx>
@@ -1765,7 +1765,8 @@
           <a:p>
             <a:fld id="{6D0DE8F8-665A-4D76-9800-83EF0D7736D5}" type="datetimeFigureOut">
               <a:rPr lang="pt-BR" smtClean="0"/>
-              <a:t>14/12/2009</a:t>
+              <a:pPr/>
+              <a:t>15/12/2009</a:t>
             </a:fld>
             <a:endParaRPr lang="pt-BR"/>
           </a:p>
@@ -1926,6 +1927,7 @@
           <a:p>
             <a:fld id="{2BA1477B-6967-42F9-98F9-0C68B03937C7}" type="slidenum">
               <a:rPr lang="pt-BR" smtClean="0"/>
+              <a:pPr/>
               <a:t>‹nº›</a:t>
             </a:fld>
             <a:endParaRPr lang="pt-BR"/>
@@ -2097,6 +2099,7 @@
           <a:p>
             <a:fld id="{2BA1477B-6967-42F9-98F9-0C68B03937C7}" type="slidenum">
               <a:rPr lang="pt-BR" smtClean="0"/>
+              <a:pPr/>
               <a:t>7</a:t>
             </a:fld>
             <a:endParaRPr lang="pt-BR"/>
@@ -6136,11 +6139,11 @@
           <a:p>
             <a:r>
               <a:rPr lang="pt-BR" dirty="0" smtClean="0"/>
-              <a:t>Modelo </a:t>
+              <a:t>Modelo de Observação: </a:t>
             </a:r>
             <a:r>
               <a:rPr lang="pt-BR" dirty="0" smtClean="0"/>
-              <a:t>de Observação: sonares</a:t>
+              <a:t>Sonares</a:t>
             </a:r>
             <a:endParaRPr lang="pt-BR" dirty="0"/>
           </a:p>
@@ -6992,15 +6995,7 @@
           <a:p>
             <a:r>
               <a:rPr lang="pt-BR" dirty="0" smtClean="0"/>
-              <a:t>Modelo </a:t>
-            </a:r>
-            <a:r>
-              <a:rPr lang="pt-BR" dirty="0" smtClean="0"/>
-              <a:t>de Observação do Sonar Baseado </a:t>
-            </a:r>
-            <a:r>
-              <a:rPr lang="pt-BR" dirty="0" smtClean="0"/>
-              <a:t>em Associações</a:t>
+              <a:t>Modelo de Observação do Sonar Baseado em Associações</a:t>
             </a:r>
             <a:endParaRPr lang="pt-BR" dirty="0"/>
           </a:p>
@@ -7019,7 +7014,7 @@
         <p:spPr>
           <a:xfrm>
             <a:off x="838200" y="1524001"/>
-            <a:ext cx="8116888" cy="1619248"/>
+            <a:ext cx="8116888" cy="2333628"/>
           </a:xfrm>
         </p:spPr>
         <p:txBody>
@@ -7028,7 +7023,18 @@
           <a:p>
             <a:r>
               <a:rPr lang="pt-BR" dirty="0" smtClean="0"/>
-              <a:t>Associa leituras a uma parede</a:t>
+              <a:t>Baseado em (BARRA, 2007)</a:t>
+            </a:r>
+            <a:endParaRPr lang="pt-BR" dirty="0" smtClean="0"/>
+          </a:p>
+          <a:p>
+            <a:r>
+              <a:rPr lang="pt-BR" dirty="0" smtClean="0"/>
+              <a:t>Associa </a:t>
+            </a:r>
+            <a:r>
+              <a:rPr lang="pt-BR" dirty="0" smtClean="0"/>
+              <a:t>leituras a uma parede</a:t>
             </a:r>
           </a:p>
           <a:p>
@@ -7060,7 +7066,12 @@
             <p:ph type="sldNum" sz="quarter" idx="10"/>
           </p:nvPr>
         </p:nvSpPr>
-        <p:spPr/>
+        <p:spPr>
+          <a:xfrm>
+            <a:off x="6781800" y="6372224"/>
+            <a:ext cx="1931612" cy="409575"/>
+          </a:xfrm>
+        </p:spPr>
         <p:txBody>
           <a:bodyPr/>
           <a:lstStyle/>
@@ -7084,8 +7095,8 @@
         </p:nvSpPr>
         <p:spPr bwMode="auto">
           <a:xfrm>
-            <a:off x="6781800" y="6305550"/>
-            <a:ext cx="2133600" cy="476250"/>
+            <a:off x="6781800" y="6372224"/>
+            <a:ext cx="1931612" cy="409575"/>
           </a:xfrm>
           <a:prstGeom prst="rect">
             <a:avLst/>
@@ -7185,8 +7196,8 @@
         </p:nvSpPr>
         <p:spPr bwMode="auto">
           <a:xfrm flipV="1">
-            <a:off x="3200400" y="5029224"/>
-            <a:ext cx="1600200" cy="685800"/>
+            <a:off x="2853426" y="5353452"/>
+            <a:ext cx="1385892" cy="564214"/>
           </a:xfrm>
           <a:prstGeom prst="rtTriangle">
             <a:avLst/>
@@ -7222,8 +7233,8 @@
         </p:nvSpPr>
         <p:spPr bwMode="auto">
           <a:xfrm>
-            <a:off x="2209800" y="6019824"/>
-            <a:ext cx="685800" cy="366713"/>
+            <a:off x="1857356" y="5643578"/>
+            <a:ext cx="593954" cy="301698"/>
           </a:xfrm>
           <a:prstGeom prst="rect">
             <a:avLst/>
@@ -7249,14 +7260,14 @@
               </a:spcBef>
             </a:pPr>
             <a:r>
-              <a:rPr lang="pt-BR" b="1"/>
+              <a:rPr lang="pt-BR" b="1" dirty="0"/>
               <a:t>D</a:t>
             </a:r>
             <a:r>
-              <a:rPr lang="pt-BR" sz="1400" b="1"/>
+              <a:rPr lang="pt-BR" sz="1400" b="1" dirty="0"/>
               <a:t>12</a:t>
             </a:r>
-            <a:endParaRPr lang="en-US" sz="1400" b="1"/>
+            <a:endParaRPr lang="en-US" sz="1400" b="1" dirty="0"/>
           </a:p>
         </p:txBody>
       </p:sp>
@@ -7270,8 +7281,8 @@
         </p:nvSpPr>
         <p:spPr bwMode="auto">
           <a:xfrm>
-            <a:off x="3810000" y="5334024"/>
-            <a:ext cx="685800" cy="366713"/>
+            <a:off x="3357554" y="5214950"/>
+            <a:ext cx="593954" cy="301698"/>
           </a:xfrm>
           <a:prstGeom prst="rect">
             <a:avLst/>
@@ -7297,14 +7308,14 @@
               </a:spcBef>
             </a:pPr>
             <a:r>
-              <a:rPr lang="pt-BR" b="1"/>
+              <a:rPr lang="pt-BR" b="1" dirty="0"/>
               <a:t>D</a:t>
             </a:r>
             <a:r>
-              <a:rPr lang="pt-BR" sz="1400" b="1"/>
+              <a:rPr lang="pt-BR" sz="1400" b="1" dirty="0"/>
               <a:t>23</a:t>
             </a:r>
-            <a:endParaRPr lang="en-US" sz="1400" b="1"/>
+            <a:endParaRPr lang="en-US" sz="1400" b="1" dirty="0"/>
           </a:p>
         </p:txBody>
       </p:sp>
@@ -7318,8 +7329,8 @@
         </p:nvSpPr>
         <p:spPr bwMode="auto">
           <a:xfrm>
-            <a:off x="4357686" y="4143380"/>
-            <a:ext cx="609600" cy="366712"/>
+            <a:off x="4071934" y="4643446"/>
+            <a:ext cx="527959" cy="301697"/>
           </a:xfrm>
           <a:prstGeom prst="rect">
             <a:avLst/>
@@ -7345,14 +7356,14 @@
               </a:spcBef>
             </a:pPr>
             <a:r>
-              <a:rPr lang="pt-BR" b="1"/>
+              <a:rPr lang="pt-BR" b="1" dirty="0"/>
               <a:t>R</a:t>
             </a:r>
             <a:r>
-              <a:rPr lang="pt-BR" sz="1400" b="1"/>
+              <a:rPr lang="pt-BR" sz="1400" b="1" dirty="0"/>
               <a:t>3</a:t>
             </a:r>
-            <a:endParaRPr lang="en-US" sz="1400" b="1"/>
+            <a:endParaRPr lang="en-US" sz="1400" b="1" dirty="0"/>
           </a:p>
         </p:txBody>
       </p:sp>
@@ -7366,8 +7377,8 @@
         </p:nvSpPr>
         <p:spPr bwMode="auto">
           <a:xfrm>
-            <a:off x="1524000" y="4114824"/>
-            <a:ext cx="609600" cy="366713"/>
+            <a:off x="1401539" y="4601166"/>
+            <a:ext cx="527959" cy="301698"/>
           </a:xfrm>
           <a:prstGeom prst="rect">
             <a:avLst/>
@@ -7414,8 +7425,8 @@
         </p:nvSpPr>
         <p:spPr bwMode="auto">
           <a:xfrm>
-            <a:off x="3200400" y="4114824"/>
-            <a:ext cx="609600" cy="366713"/>
+            <a:off x="2714612" y="4572008"/>
+            <a:ext cx="527959" cy="301698"/>
           </a:xfrm>
           <a:prstGeom prst="rect">
             <a:avLst/>
@@ -7441,14 +7452,14 @@
               </a:spcBef>
             </a:pPr>
             <a:r>
-              <a:rPr lang="pt-BR" b="1"/>
+              <a:rPr lang="pt-BR" b="1" dirty="0"/>
               <a:t>R</a:t>
             </a:r>
             <a:r>
-              <a:rPr lang="pt-BR" sz="1400" b="1"/>
+              <a:rPr lang="pt-BR" sz="1400" b="1" dirty="0"/>
               <a:t>2</a:t>
             </a:r>
-            <a:endParaRPr lang="en-US" sz="1400" b="1"/>
+            <a:endParaRPr lang="en-US" sz="1400" b="1" dirty="0"/>
           </a:p>
         </p:txBody>
       </p:sp>
@@ -7462,8 +7473,8 @@
         </p:nvSpPr>
         <p:spPr bwMode="auto">
           <a:xfrm>
-            <a:off x="5715000" y="4267224"/>
-            <a:ext cx="457200" cy="457200"/>
+            <a:off x="5286380" y="5000636"/>
+            <a:ext cx="395969" cy="376143"/>
           </a:xfrm>
           <a:prstGeom prst="ellipse">
             <a:avLst/>
@@ -7499,8 +7510,8 @@
         </p:nvSpPr>
         <p:spPr bwMode="auto">
           <a:xfrm rot="18900000">
-            <a:off x="5943600" y="4419624"/>
-            <a:ext cx="228600" cy="76200"/>
+            <a:off x="5484364" y="5126017"/>
+            <a:ext cx="197985" cy="62690"/>
           </a:xfrm>
           <a:prstGeom prst="line">
             <a:avLst/>
@@ -7534,8 +7545,8 @@
         </p:nvSpPr>
         <p:spPr bwMode="auto">
           <a:xfrm>
-            <a:off x="609600" y="3429024"/>
-            <a:ext cx="8534400" cy="0"/>
+            <a:off x="609601" y="4036952"/>
+            <a:ext cx="8534399" cy="34990"/>
           </a:xfrm>
           <a:prstGeom prst="line">
             <a:avLst/>
@@ -7569,8 +7580,8 @@
         </p:nvSpPr>
         <p:spPr bwMode="auto">
           <a:xfrm flipV="1">
-            <a:off x="762000" y="3200424"/>
-            <a:ext cx="228600" cy="228600"/>
+            <a:off x="741591" y="3848880"/>
+            <a:ext cx="197985" cy="188071"/>
           </a:xfrm>
           <a:prstGeom prst="line">
             <a:avLst/>
@@ -7604,8 +7615,8 @@
         </p:nvSpPr>
         <p:spPr bwMode="auto">
           <a:xfrm flipV="1">
-            <a:off x="990600" y="3200424"/>
-            <a:ext cx="228600" cy="228600"/>
+            <a:off x="939575" y="3848880"/>
+            <a:ext cx="197985" cy="188071"/>
           </a:xfrm>
           <a:prstGeom prst="line">
             <a:avLst/>
@@ -7639,8 +7650,8 @@
         </p:nvSpPr>
         <p:spPr bwMode="auto">
           <a:xfrm flipV="1">
-            <a:off x="1219200" y="3200424"/>
-            <a:ext cx="228600" cy="228600"/>
+            <a:off x="1137560" y="3848880"/>
+            <a:ext cx="197985" cy="188071"/>
           </a:xfrm>
           <a:prstGeom prst="line">
             <a:avLst/>
@@ -7674,8 +7685,8 @@
         </p:nvSpPr>
         <p:spPr bwMode="auto">
           <a:xfrm flipH="1">
-            <a:off x="685800" y="3124224"/>
-            <a:ext cx="8458200" cy="3657600"/>
+            <a:off x="675596" y="4071942"/>
+            <a:ext cx="7968370" cy="2723391"/>
           </a:xfrm>
           <a:prstGeom prst="line">
             <a:avLst/>
@@ -7709,8 +7720,8 @@
         </p:nvSpPr>
         <p:spPr bwMode="auto">
           <a:xfrm flipH="1">
-            <a:off x="1524000" y="3429000"/>
-            <a:ext cx="761984" cy="2971824"/>
+            <a:off x="1401539" y="4036932"/>
+            <a:ext cx="659935" cy="2444948"/>
           </a:xfrm>
           <a:prstGeom prst="line">
             <a:avLst/>
@@ -7744,8 +7755,8 @@
         </p:nvSpPr>
         <p:spPr bwMode="auto">
           <a:xfrm flipH="1">
-            <a:off x="7848600" y="3444899"/>
-            <a:ext cx="381000" cy="233363"/>
+            <a:off x="8072462" y="4057302"/>
+            <a:ext cx="329974" cy="191990"/>
           </a:xfrm>
           <a:custGeom>
             <a:avLst/>
@@ -7839,8 +7850,8 @@
         </p:nvSpPr>
         <p:spPr bwMode="auto">
           <a:xfrm>
-            <a:off x="7467600" y="3352824"/>
-            <a:ext cx="381000" cy="457200"/>
+            <a:off x="7742487" y="3981551"/>
+            <a:ext cx="329974" cy="376143"/>
           </a:xfrm>
           <a:prstGeom prst="rect">
             <a:avLst/>
@@ -7886,8 +7897,8 @@
         </p:nvSpPr>
         <p:spPr bwMode="auto">
           <a:xfrm flipH="1">
-            <a:off x="1524000" y="5715024"/>
-            <a:ext cx="1676400" cy="0"/>
+            <a:off x="1428728" y="6000768"/>
+            <a:ext cx="1451887" cy="0"/>
           </a:xfrm>
           <a:prstGeom prst="line">
             <a:avLst/>
@@ -7922,8 +7933,8 @@
         </p:nvSpPr>
         <p:spPr bwMode="auto">
           <a:xfrm flipH="1">
-            <a:off x="3200400" y="5029224"/>
-            <a:ext cx="1600200" cy="0"/>
+            <a:off x="3000364" y="5572140"/>
+            <a:ext cx="1314454" cy="0"/>
           </a:xfrm>
           <a:prstGeom prst="line">
             <a:avLst/>
@@ -7958,8 +7969,8 @@
         </p:nvSpPr>
         <p:spPr bwMode="auto">
           <a:xfrm>
-            <a:off x="2971800" y="5486424"/>
-            <a:ext cx="457200" cy="457200"/>
+            <a:off x="2643174" y="5857892"/>
+            <a:ext cx="395969" cy="376143"/>
           </a:xfrm>
           <a:prstGeom prst="ellipse">
             <a:avLst/>
@@ -8012,8 +8023,8 @@
         </p:nvSpPr>
         <p:spPr bwMode="auto">
           <a:xfrm rot="18900000">
-            <a:off x="3200400" y="5638824"/>
-            <a:ext cx="228600" cy="76200"/>
+            <a:off x="2841159" y="5983272"/>
+            <a:ext cx="197985" cy="62690"/>
           </a:xfrm>
           <a:prstGeom prst="line">
             <a:avLst/>
@@ -8047,8 +8058,8 @@
         </p:nvSpPr>
         <p:spPr bwMode="auto">
           <a:xfrm>
-            <a:off x="1295400" y="6172224"/>
-            <a:ext cx="457200" cy="457200"/>
+            <a:off x="1214414" y="6357958"/>
+            <a:ext cx="395969" cy="376143"/>
           </a:xfrm>
           <a:prstGeom prst="ellipse">
             <a:avLst/>
@@ -8101,8 +8112,8 @@
         </p:nvSpPr>
         <p:spPr bwMode="auto">
           <a:xfrm rot="18900000">
-            <a:off x="1524000" y="6324624"/>
-            <a:ext cx="228600" cy="76200"/>
+            <a:off x="1412398" y="6483339"/>
+            <a:ext cx="197985" cy="62690"/>
           </a:xfrm>
           <a:prstGeom prst="line">
             <a:avLst/>
@@ -8136,8 +8147,8 @@
         </p:nvSpPr>
         <p:spPr bwMode="auto">
           <a:xfrm>
-            <a:off x="4572000" y="4800624"/>
-            <a:ext cx="457200" cy="457200"/>
+            <a:off x="4143372" y="5357826"/>
+            <a:ext cx="395969" cy="376143"/>
           </a:xfrm>
           <a:prstGeom prst="ellipse">
             <a:avLst/>
@@ -8190,8 +8201,8 @@
         </p:nvSpPr>
         <p:spPr bwMode="auto">
           <a:xfrm rot="18900000">
-            <a:off x="4800600" y="4953024"/>
-            <a:ext cx="228600" cy="76200"/>
+            <a:off x="4341357" y="5483207"/>
+            <a:ext cx="197985" cy="62690"/>
           </a:xfrm>
           <a:prstGeom prst="line">
             <a:avLst/>
@@ -8217,43 +8228,6 @@
       </p:sp>
       <p:sp>
         <p:nvSpPr>
-          <p:cNvPr id="32" name="AutoShape 48"/>
-          <p:cNvSpPr>
-            <a:spLocks noChangeArrowheads="1"/>
-          </p:cNvSpPr>
-          <p:nvPr/>
-        </p:nvSpPr>
-        <p:spPr bwMode="auto">
-          <a:xfrm flipV="1">
-            <a:off x="1524000" y="5715024"/>
-            <a:ext cx="1600200" cy="685800"/>
-          </a:xfrm>
-          <a:prstGeom prst="rtTriangle">
-            <a:avLst/>
-          </a:prstGeom>
-          <a:solidFill>
-            <a:srgbClr val="FFFFCC">
-              <a:alpha val="28999"/>
-            </a:srgbClr>
-          </a:solidFill>
-          <a:ln w="9525">
-            <a:noFill/>
-            <a:miter lim="800000"/>
-            <a:headEnd/>
-            <a:tailEnd/>
-          </a:ln>
-          <a:effectLst/>
-        </p:spPr>
-        <p:txBody>
-          <a:bodyPr wrap="none" anchor="ctr"/>
-          <a:lstStyle/>
-          <a:p>
-            <a:endParaRPr lang="pt-BR"/>
-          </a:p>
-        </p:txBody>
-      </p:sp>
-      <p:sp>
-        <p:nvSpPr>
           <p:cNvPr id="33" name="Text Box 49"/>
           <p:cNvSpPr txBox="1">
             <a:spLocks noChangeArrowheads="1"/>
@@ -8262,8 +8236,8 @@
         </p:nvSpPr>
         <p:spPr bwMode="auto">
           <a:xfrm>
-            <a:off x="5715000" y="5105424"/>
-            <a:ext cx="2514600" cy="366713"/>
+            <a:off x="5031256" y="5416142"/>
+            <a:ext cx="2177830" cy="301698"/>
           </a:xfrm>
           <a:prstGeom prst="rect">
             <a:avLst/>
@@ -8302,8 +8276,8 @@
         </p:nvSpPr>
         <p:spPr bwMode="auto">
           <a:xfrm flipV="1">
-            <a:off x="6477000" y="4191024"/>
-            <a:ext cx="457200" cy="228600"/>
+            <a:off x="5946328" y="4937946"/>
+            <a:ext cx="395969" cy="188071"/>
           </a:xfrm>
           <a:prstGeom prst="line">
             <a:avLst/>
@@ -8337,8 +8311,8 @@
         </p:nvSpPr>
         <p:spPr bwMode="auto">
           <a:xfrm flipV="1">
-            <a:off x="838200" y="6629424"/>
-            <a:ext cx="457200" cy="228600"/>
+            <a:off x="807586" y="6669952"/>
+            <a:ext cx="395969" cy="188071"/>
           </a:xfrm>
           <a:prstGeom prst="line">
             <a:avLst/>
@@ -8372,8 +8346,8 @@
         </p:nvSpPr>
         <p:spPr bwMode="auto">
           <a:xfrm flipH="1">
-            <a:off x="3214678" y="3429000"/>
-            <a:ext cx="619108" cy="2357454"/>
+            <a:off x="2857487" y="4036932"/>
+            <a:ext cx="544497" cy="2035274"/>
           </a:xfrm>
           <a:prstGeom prst="line">
             <a:avLst/>
@@ -8407,8 +8381,8 @@
         </p:nvSpPr>
         <p:spPr bwMode="auto">
           <a:xfrm flipH="1">
-            <a:off x="4857752" y="3429000"/>
-            <a:ext cx="404794" cy="1643074"/>
+            <a:off x="4357686" y="4000504"/>
+            <a:ext cx="350582" cy="1571636"/>
           </a:xfrm>
           <a:prstGeom prst="line">
             <a:avLst/>
@@ -8442,8 +8416,8 @@
         </p:nvSpPr>
         <p:spPr bwMode="auto">
           <a:xfrm flipH="1">
-            <a:off x="5095876" y="3449637"/>
-            <a:ext cx="381000" cy="233363"/>
+            <a:off x="4527778" y="4094266"/>
+            <a:ext cx="329974" cy="191990"/>
           </a:xfrm>
           <a:custGeom>
             <a:avLst/>
@@ -8537,8 +8511,8 @@
         </p:nvSpPr>
         <p:spPr bwMode="auto">
           <a:xfrm>
-            <a:off x="4714876" y="3357562"/>
-            <a:ext cx="381000" cy="457200"/>
+            <a:off x="4165074" y="3978159"/>
+            <a:ext cx="329974" cy="376143"/>
           </a:xfrm>
           <a:prstGeom prst="rect">
             <a:avLst/>
@@ -8624,11 +8598,7 @@
           <a:p>
             <a:r>
               <a:rPr lang="pt-BR" dirty="0" smtClean="0"/>
-              <a:t>Modelo Simples de </a:t>
-            </a:r>
-            <a:r>
-              <a:rPr lang="pt-BR" dirty="0" smtClean="0"/>
-              <a:t>Observação do Sonar</a:t>
+              <a:t>Modelo Simples de Observação do Sonar</a:t>
             </a:r>
             <a:endParaRPr lang="pt-BR" dirty="0"/>
           </a:p>
@@ -8662,11 +8632,7 @@
           <a:p>
             <a:r>
               <a:rPr lang="pt-BR" dirty="0" smtClean="0"/>
-              <a:t>Sem </a:t>
-            </a:r>
-            <a:r>
-              <a:rPr lang="pt-BR" dirty="0" smtClean="0"/>
-              <a:t>histórico, validação e associação</a:t>
+              <a:t>Sem histórico, validação e associação</a:t>
             </a:r>
           </a:p>
           <a:p>
@@ -10018,11 +9984,7 @@
           <a:p>
             <a:r>
               <a:rPr lang="pt-BR" dirty="0" smtClean="0"/>
-              <a:t>Modelo Simples de </a:t>
-            </a:r>
-            <a:r>
-              <a:rPr lang="pt-BR" dirty="0" smtClean="0"/>
-              <a:t>Observação do Sonar</a:t>
+              <a:t>Modelo Simples de Observação do Sonar</a:t>
             </a:r>
             <a:endParaRPr lang="pt-BR" dirty="0"/>
           </a:p>
@@ -10050,23 +10012,7 @@
           <a:p>
             <a:r>
               <a:rPr lang="pt-BR" dirty="0" smtClean="0"/>
-              <a:t>Resultado</a:t>
-            </a:r>
-            <a:r>
-              <a:rPr lang="pt-BR" dirty="0" smtClean="0"/>
-              <a:t>: alta taxa de </a:t>
-            </a:r>
-            <a:r>
-              <a:rPr lang="pt-BR" dirty="0" smtClean="0"/>
-              <a:t>correções, mas </a:t>
-            </a:r>
-            <a:r>
-              <a:rPr lang="pt-BR" dirty="0" smtClean="0"/>
-              <a:t>baixa </a:t>
-            </a:r>
-            <a:r>
-              <a:rPr lang="pt-BR" dirty="0" smtClean="0"/>
-              <a:t>robustez</a:t>
+              <a:t>Resultado: alta taxa de correções, mas baixa robustez</a:t>
             </a:r>
             <a:endParaRPr lang="pt-BR" dirty="0"/>
           </a:p>
@@ -10570,11 +10516,7 @@
             </a:pPr>
             <a:r>
               <a:rPr lang="pt-BR" sz="3200" dirty="0" smtClean="0"/>
-              <a:t>Solução</a:t>
-            </a:r>
-            <a:r>
-              <a:rPr lang="pt-BR" sz="3200" dirty="0" smtClean="0"/>
-              <a:t>: covariância da medida variável</a:t>
+              <a:t>Solução: covariância da medida variável</a:t>
             </a:r>
           </a:p>
           <a:p>
@@ -11830,11 +11772,7 @@
           <a:p>
             <a:r>
               <a:rPr lang="pt-BR" dirty="0" smtClean="0"/>
-              <a:t>Modelo de Observação: </a:t>
-            </a:r>
-            <a:r>
-              <a:rPr lang="pt-BR" dirty="0" smtClean="0"/>
-              <a:t>Visão</a:t>
+              <a:t>Modelo de Observação: Visão</a:t>
             </a:r>
             <a:endParaRPr lang="pt-BR" dirty="0"/>
           </a:p>
@@ -12386,7 +12324,7 @@
           <a:p>
             <a:r>
               <a:rPr lang="pt-BR" dirty="0" smtClean="0"/>
-              <a:t>Objetivo</a:t>
+              <a:t>Motivação</a:t>
             </a:r>
             <a:endParaRPr lang="pt-BR" dirty="0"/>
           </a:p>
@@ -12402,46 +12340,68 @@
             <p:ph idx="1"/>
           </p:nvPr>
         </p:nvSpPr>
-        <p:spPr/>
+        <p:spPr>
+          <a:xfrm>
+            <a:off x="838200" y="1524000"/>
+            <a:ext cx="8116888" cy="4976834"/>
+          </a:xfrm>
+        </p:spPr>
         <p:txBody>
           <a:bodyPr/>
           <a:lstStyle/>
           <a:p>
             <a:r>
               <a:rPr lang="pt-BR" dirty="0" smtClean="0"/>
-              <a:t>Robô-guia de baixo custo</a:t>
-            </a:r>
-          </a:p>
-          <a:p>
-            <a:r>
+              <a:t>Robôs-guias foram</a:t>
+            </a:r>
+            <a:br>
               <a:rPr lang="pt-BR" dirty="0" smtClean="0"/>
-              <a:t>Localização e Navegação</a:t>
-            </a:r>
+            </a:br>
+            <a:r>
+              <a:rPr lang="pt-BR" dirty="0" smtClean="0"/>
+              <a:t>empregados com sucesso</a:t>
+            </a:r>
+            <a:br>
+              <a:rPr lang="pt-BR" dirty="0" smtClean="0"/>
+            </a:br>
+            <a:r>
+              <a:rPr lang="pt-BR" dirty="0" smtClean="0"/>
+              <a:t>em museus dos EUA e</a:t>
+            </a:r>
+            <a:br>
+              <a:rPr lang="pt-BR" dirty="0" smtClean="0"/>
+            </a:br>
+            <a:r>
+              <a:rPr lang="pt-BR" dirty="0" smtClean="0"/>
+              <a:t>Europa</a:t>
+            </a:r>
+          </a:p>
+          <a:p>
+            <a:r>
+              <a:rPr lang="pt-BR" dirty="0" smtClean="0"/>
+              <a:t>Alto custo</a:t>
+            </a:r>
+            <a:endParaRPr lang="pt-BR" dirty="0" smtClean="0"/>
           </a:p>
           <a:p>
             <a:pPr lvl="1"/>
             <a:r>
+              <a:rPr lang="pt-BR" dirty="0" err="1" smtClean="0"/>
+              <a:t>RoboX</a:t>
+            </a:r>
+            <a:r>
               <a:rPr lang="pt-BR" dirty="0" smtClean="0"/>
-              <a:t>Mapa conhecido</a:t>
-            </a:r>
-          </a:p>
-          <a:p>
-            <a:pPr lvl="1"/>
+              <a:t>: </a:t>
+            </a:r>
             <a:r>
               <a:rPr lang="pt-BR" dirty="0" smtClean="0"/>
-              <a:t>Prédio da Engenharia Elétrica</a:t>
-            </a:r>
-          </a:p>
-          <a:p>
-            <a:pPr lvl="1"/>
+              <a:t>US$ 400 </a:t>
+            </a:r>
+            <a:r>
+              <a:rPr lang="pt-BR" dirty="0" smtClean="0"/>
+              <a:t>000</a:t>
+            </a:r>
             <a:endParaRPr lang="pt-BR" dirty="0" smtClean="0"/>
-          </a:p>
-          <a:p>
-            <a:endParaRPr lang="pt-BR" dirty="0" smtClean="0"/>
-          </a:p>
-          <a:p>
-            <a:pPr lvl="1"/>
-            <a:endParaRPr lang="pt-BR" dirty="0"/>
           </a:p>
         </p:txBody>
       </p:sp>
@@ -12471,7 +12431,7 @@
       </p:sp>
       <p:pic>
         <p:nvPicPr>
-          <p:cNvPr id="1027" name="Picture 3"/>
+          <p:cNvPr id="2054" name="Picture 6" descr="http://www.openmobo.org/movies/thrun/minerva-thumb.png"/>
           <p:cNvPicPr>
             <a:picLocks noChangeAspect="1" noChangeArrowheads="1"/>
           </p:cNvPicPr>
@@ -12486,19 +12446,13 @@
         </p:blipFill>
         <p:spPr bwMode="auto">
           <a:xfrm>
-            <a:off x="1785918" y="3786190"/>
-            <a:ext cx="6215138" cy="2757744"/>
+            <a:off x="5929322" y="1643050"/>
+            <a:ext cx="2705100" cy="2028825"/>
           </a:xfrm>
           <a:prstGeom prst="rect">
             <a:avLst/>
           </a:prstGeom>
           <a:noFill/>
-          <a:ln w="9525">
-            <a:noFill/>
-            <a:miter lim="800000"/>
-            <a:headEnd/>
-            <a:tailEnd/>
-          </a:ln>
         </p:spPr>
       </p:pic>
     </p:spTree>
@@ -15627,21 +15581,13 @@
           <a:p>
             <a:r>
               <a:rPr lang="pt-BR" sz="1800" dirty="0" smtClean="0"/>
-              <a:t>Rota </a:t>
-            </a:r>
+              <a:t>Rota intermapa: busca em profundidade</a:t>
+            </a:r>
+          </a:p>
+          <a:p>
             <a:r>
               <a:rPr lang="pt-BR" sz="1800" dirty="0" smtClean="0"/>
-              <a:t>intermapa: busca em profundidade</a:t>
-            </a:r>
-          </a:p>
-          <a:p>
-            <a:r>
-              <a:rPr lang="pt-BR" sz="1800" dirty="0" smtClean="0"/>
-              <a:t>Portais representam mesmo ponto </a:t>
-            </a:r>
-            <a:r>
-              <a:rPr lang="pt-BR" sz="1800" dirty="0" smtClean="0"/>
-              <a:t>físico</a:t>
+              <a:t>Portais representam mesmo ponto físico</a:t>
             </a:r>
           </a:p>
           <a:p>
@@ -15649,7 +15595,6 @@
               <a:rPr lang="pt-BR" sz="1800" dirty="0" smtClean="0"/>
               <a:t>Rota intramapa: A*</a:t>
             </a:r>
-            <a:endParaRPr lang="pt-BR" sz="1800" dirty="0" smtClean="0"/>
           </a:p>
           <a:p>
             <a:endParaRPr lang="pt-BR" dirty="0"/>
@@ -15735,7 +15680,6 @@
               <a:rPr lang="pt-BR" dirty="0" smtClean="0"/>
               <a:t>Controle da velocidade: 3 fases</a:t>
             </a:r>
-            <a:endParaRPr lang="pt-BR" dirty="0" smtClean="0"/>
           </a:p>
           <a:p>
             <a:pPr lvl="1"/>
@@ -17540,7 +17484,7 @@
           <a:p>
             <a:r>
               <a:rPr lang="pt-BR" dirty="0" smtClean="0"/>
-              <a:t>Motivação</a:t>
+              <a:t>Objetivo</a:t>
             </a:r>
             <a:endParaRPr lang="pt-BR" dirty="0"/>
           </a:p>
@@ -17563,33 +17507,39 @@
           <a:p>
             <a:r>
               <a:rPr lang="pt-BR" dirty="0" smtClean="0"/>
-              <a:t>Baixo custo</a:t>
+              <a:t>Robô-guia de baixo custo</a:t>
+            </a:r>
+          </a:p>
+          <a:p>
+            <a:r>
+              <a:rPr lang="pt-BR" dirty="0" smtClean="0"/>
+              <a:t>Localização e Navegação</a:t>
             </a:r>
           </a:p>
           <a:p>
             <a:pPr lvl="1"/>
             <a:r>
               <a:rPr lang="pt-BR" dirty="0" smtClean="0"/>
-              <a:t>MINERVA: US$ 400 000</a:t>
-            </a:r>
-          </a:p>
-          <a:p>
+              <a:t>Mapa conhecido</a:t>
+            </a:r>
+          </a:p>
+          <a:p>
+            <a:pPr lvl="1"/>
             <a:r>
               <a:rPr lang="pt-BR" dirty="0" smtClean="0"/>
-              <a:t>Desempenho</a:t>
-            </a:r>
-          </a:p>
-          <a:p>
-            <a:r>
-              <a:rPr lang="pt-BR" dirty="0" smtClean="0"/>
-              <a:t>Desafio</a:t>
-            </a:r>
-          </a:p>
-          <a:p>
-            <a:r>
-              <a:rPr lang="pt-BR" dirty="0" smtClean="0"/>
-              <a:t>Abordagem escolhida: (BARRA, 2007)</a:t>
-            </a:r>
+              <a:t>Prédio da Engenharia Elétrica</a:t>
+            </a:r>
+          </a:p>
+          <a:p>
+            <a:pPr lvl="1"/>
+            <a:endParaRPr lang="pt-BR" dirty="0" smtClean="0"/>
+          </a:p>
+          <a:p>
+            <a:endParaRPr lang="pt-BR" dirty="0" smtClean="0"/>
+          </a:p>
+          <a:p>
+            <a:pPr lvl="1"/>
+            <a:endParaRPr lang="pt-BR" dirty="0"/>
           </a:p>
         </p:txBody>
       </p:sp>
@@ -17619,7 +17569,7 @@
       </p:sp>
       <p:pic>
         <p:nvPicPr>
-          <p:cNvPr id="2054" name="Picture 6" descr="http://www.openmobo.org/movies/thrun/minerva-thumb.png"/>
+          <p:cNvPr id="1027" name="Picture 3"/>
           <p:cNvPicPr>
             <a:picLocks noChangeAspect="1" noChangeArrowheads="1"/>
           </p:cNvPicPr>
@@ -17634,13 +17584,19 @@
         </p:blipFill>
         <p:spPr bwMode="auto">
           <a:xfrm>
-            <a:off x="5929322" y="1643050"/>
-            <a:ext cx="2705100" cy="2028825"/>
+            <a:off x="1785918" y="3786190"/>
+            <a:ext cx="6215138" cy="2757744"/>
           </a:xfrm>
           <a:prstGeom prst="rect">
             <a:avLst/>
           </a:prstGeom>
           <a:noFill/>
+          <a:ln w="9525">
+            <a:noFill/>
+            <a:miter lim="800000"/>
+            <a:headEnd/>
+            <a:tailEnd/>
+          </a:ln>
         </p:spPr>
       </p:pic>
     </p:spTree>
@@ -18171,35 +18127,14 @@
           <a:p>
             <a:r>
               <a:rPr lang="pt-BR" dirty="0" smtClean="0"/>
-              <a:t>É possível construir um </a:t>
-            </a:r>
+              <a:t>É possível construir um robô guia de baixo custo</a:t>
+            </a:r>
+          </a:p>
+          <a:p>
             <a:r>
               <a:rPr lang="pt-BR" dirty="0" smtClean="0"/>
-              <a:t>robô </a:t>
-            </a:r>
-            <a:r>
-              <a:rPr lang="pt-BR" dirty="0" smtClean="0"/>
-              <a:t>guia de baixo custo</a:t>
-            </a:r>
-          </a:p>
-          <a:p>
-            <a:r>
-              <a:rPr lang="pt-BR" dirty="0" smtClean="0"/>
-              <a:t>Localização </a:t>
-            </a:r>
-            <a:r>
-              <a:rPr lang="pt-BR" dirty="0" smtClean="0"/>
-              <a:t>com </a:t>
-            </a:r>
-            <a:r>
-              <a:rPr lang="pt-BR" dirty="0" smtClean="0"/>
-              <a:t>sonares é </a:t>
-            </a:r>
-            <a:r>
-              <a:rPr lang="pt-BR" dirty="0" smtClean="0"/>
-              <a:t>suficiente para ambientes fechados e estáticos</a:t>
-            </a:r>
-            <a:endParaRPr lang="pt-BR" dirty="0" smtClean="0"/>
+              <a:t>Localização com sonares é suficiente para ambientes fechados e estáticos</a:t>
+            </a:r>
           </a:p>
           <a:p>
             <a:pPr lvl="1"/>
@@ -18217,7 +18152,6 @@
               <a:rPr lang="pt-BR" dirty="0" smtClean="0"/>
               <a:t>Navegação simples é eficaz</a:t>
             </a:r>
-            <a:endParaRPr lang="pt-BR" dirty="0" smtClean="0"/>
           </a:p>
         </p:txBody>
       </p:sp>
@@ -18345,13 +18279,8 @@
             <a:pPr lvl="1"/>
             <a:r>
               <a:rPr lang="pt-BR" dirty="0" smtClean="0"/>
-              <a:t>Melhoria </a:t>
-            </a:r>
-            <a:r>
-              <a:rPr lang="pt-BR" dirty="0" smtClean="0"/>
-              <a:t>robustez em ambientes dinâmicos</a:t>
-            </a:r>
-            <a:endParaRPr lang="pt-BR" dirty="0" smtClean="0"/>
+              <a:t>Melhoria robustez em ambientes dinâmicos</a:t>
+            </a:r>
           </a:p>
         </p:txBody>
       </p:sp>
@@ -18747,11 +18676,7 @@
           <a:p>
             <a:r>
               <a:rPr lang="pt-BR" dirty="0" smtClean="0"/>
-              <a:t>Arquitetura de </a:t>
-            </a:r>
-            <a:r>
-              <a:rPr lang="pt-BR" dirty="0" smtClean="0"/>
-              <a:t>Hardware</a:t>
+              <a:t>Arquitetura de Hardware</a:t>
             </a:r>
             <a:endParaRPr lang="pt-BR" dirty="0"/>
           </a:p>
@@ -20294,15 +20219,7 @@
                   <a:schemeClr val="tx2"/>
                 </a:solidFill>
               </a:rPr>
-              <a:t>Observações </a:t>
-            </a:r>
-            <a:r>
-              <a:rPr lang="pt-BR" dirty="0" smtClean="0">
-                <a:solidFill>
-                  <a:schemeClr val="tx2"/>
-                </a:solidFill>
-              </a:rPr>
-              <a:t>Reais (Sonares e câmera)</a:t>
+              <a:t>Observações Reais (Sonares e câmera)</a:t>
             </a:r>
             <a:endParaRPr lang="pt-BR" dirty="0">
               <a:solidFill>
